--- a/CleanCodeCleanArch/CleanCodeCleanArch.pptx
+++ b/CleanCodeCleanArch/CleanCodeCleanArch.pptx
@@ -18,7 +18,8 @@
     <p:sldId id="275" r:id="rId12"/>
     <p:sldId id="273" r:id="rId13"/>
     <p:sldId id="276" r:id="rId14"/>
-    <p:sldId id="265" r:id="rId15"/>
+    <p:sldId id="277" r:id="rId15"/>
+    <p:sldId id="265" r:id="rId16"/>
   </p:sldIdLst>
   <p:sldSz cx="12192000" cy="6858000"/>
   <p:notesSz cx="6858000" cy="9144000"/>
@@ -321,7 +322,7 @@
           <a:p>
             <a:fld id="{96D30BF6-FA71-4576-A5BC-BB4B1D1254CD}" type="datetimeFigureOut">
               <a:rPr lang="pl-PL" smtClean="0"/>
-              <a:t>09.02.2020</a:t>
+              <a:t>11.05.2020</a:t>
             </a:fld>
             <a:endParaRPr lang="pl-PL"/>
           </a:p>
@@ -607,7 +608,7 @@
           <a:p>
             <a:fld id="{96D30BF6-FA71-4576-A5BC-BB4B1D1254CD}" type="datetimeFigureOut">
               <a:rPr lang="pl-PL" smtClean="0"/>
-              <a:t>09.02.2020</a:t>
+              <a:t>11.05.2020</a:t>
             </a:fld>
             <a:endParaRPr lang="pl-PL"/>
           </a:p>
@@ -799,7 +800,7 @@
           <a:p>
             <a:fld id="{96D30BF6-FA71-4576-A5BC-BB4B1D1254CD}" type="datetimeFigureOut">
               <a:rPr lang="pl-PL" smtClean="0"/>
-              <a:t>09.02.2020</a:t>
+              <a:t>11.05.2020</a:t>
             </a:fld>
             <a:endParaRPr lang="pl-PL"/>
           </a:p>
@@ -1060,7 +1061,7 @@
           <a:p>
             <a:fld id="{96D30BF6-FA71-4576-A5BC-BB4B1D1254CD}" type="datetimeFigureOut">
               <a:rPr lang="pl-PL" smtClean="0"/>
-              <a:t>09.02.2020</a:t>
+              <a:t>11.05.2020</a:t>
             </a:fld>
             <a:endParaRPr lang="pl-PL"/>
           </a:p>
@@ -1486,7 +1487,7 @@
           <a:p>
             <a:fld id="{96D30BF6-FA71-4576-A5BC-BB4B1D1254CD}" type="datetimeFigureOut">
               <a:rPr lang="pl-PL" smtClean="0"/>
-              <a:t>09.02.2020</a:t>
+              <a:t>11.05.2020</a:t>
             </a:fld>
             <a:endParaRPr lang="pl-PL"/>
           </a:p>
@@ -2032,7 +2033,7 @@
           <a:p>
             <a:fld id="{96D30BF6-FA71-4576-A5BC-BB4B1D1254CD}" type="datetimeFigureOut">
               <a:rPr lang="pl-PL" smtClean="0"/>
-              <a:t>09.02.2020</a:t>
+              <a:t>11.05.2020</a:t>
             </a:fld>
             <a:endParaRPr lang="pl-PL"/>
           </a:p>
@@ -2863,7 +2864,7 @@
           <a:p>
             <a:fld id="{96D30BF6-FA71-4576-A5BC-BB4B1D1254CD}" type="datetimeFigureOut">
               <a:rPr lang="pl-PL" smtClean="0"/>
-              <a:t>09.02.2020</a:t>
+              <a:t>11.05.2020</a:t>
             </a:fld>
             <a:endParaRPr lang="pl-PL"/>
           </a:p>
@@ -3033,7 +3034,7 @@
           <a:p>
             <a:fld id="{96D30BF6-FA71-4576-A5BC-BB4B1D1254CD}" type="datetimeFigureOut">
               <a:rPr lang="pl-PL" smtClean="0"/>
-              <a:t>09.02.2020</a:t>
+              <a:t>11.05.2020</a:t>
             </a:fld>
             <a:endParaRPr lang="pl-PL"/>
           </a:p>
@@ -3213,7 +3214,7 @@
           <a:p>
             <a:fld id="{96D30BF6-FA71-4576-A5BC-BB4B1D1254CD}" type="datetimeFigureOut">
               <a:rPr lang="pl-PL" smtClean="0"/>
-              <a:t>09.02.2020</a:t>
+              <a:t>11.05.2020</a:t>
             </a:fld>
             <a:endParaRPr lang="pl-PL"/>
           </a:p>
@@ -3388,7 +3389,7 @@
           <a:p>
             <a:fld id="{96D30BF6-FA71-4576-A5BC-BB4B1D1254CD}" type="datetimeFigureOut">
               <a:rPr lang="pl-PL" smtClean="0"/>
-              <a:t>09.02.2020</a:t>
+              <a:t>11.05.2020</a:t>
             </a:fld>
             <a:endParaRPr lang="pl-PL"/>
           </a:p>
@@ -3645,7 +3646,7 @@
           <a:p>
             <a:fld id="{96D30BF6-FA71-4576-A5BC-BB4B1D1254CD}" type="datetimeFigureOut">
               <a:rPr lang="pl-PL" smtClean="0"/>
-              <a:t>09.02.2020</a:t>
+              <a:t>11.05.2020</a:t>
             </a:fld>
             <a:endParaRPr lang="pl-PL"/>
           </a:p>
@@ -3882,7 +3883,7 @@
           <a:p>
             <a:fld id="{96D30BF6-FA71-4576-A5BC-BB4B1D1254CD}" type="datetimeFigureOut">
               <a:rPr lang="pl-PL" smtClean="0"/>
-              <a:t>09.02.2020</a:t>
+              <a:t>11.05.2020</a:t>
             </a:fld>
             <a:endParaRPr lang="pl-PL"/>
           </a:p>
@@ -4275,7 +4276,7 @@
           <a:p>
             <a:fld id="{96D30BF6-FA71-4576-A5BC-BB4B1D1254CD}" type="datetimeFigureOut">
               <a:rPr lang="pl-PL" smtClean="0"/>
-              <a:t>09.02.2020</a:t>
+              <a:t>11.05.2020</a:t>
             </a:fld>
             <a:endParaRPr lang="pl-PL"/>
           </a:p>
@@ -4393,7 +4394,7 @@
           <a:p>
             <a:fld id="{96D30BF6-FA71-4576-A5BC-BB4B1D1254CD}" type="datetimeFigureOut">
               <a:rPr lang="pl-PL" smtClean="0"/>
-              <a:t>09.02.2020</a:t>
+              <a:t>11.05.2020</a:t>
             </a:fld>
             <a:endParaRPr lang="pl-PL"/>
           </a:p>
@@ -4488,7 +4489,7 @@
           <a:p>
             <a:fld id="{96D30BF6-FA71-4576-A5BC-BB4B1D1254CD}" type="datetimeFigureOut">
               <a:rPr lang="pl-PL" smtClean="0"/>
-              <a:t>09.02.2020</a:t>
+              <a:t>11.05.2020</a:t>
             </a:fld>
             <a:endParaRPr lang="pl-PL"/>
           </a:p>
@@ -4761,7 +4762,7 @@
           <a:p>
             <a:fld id="{96D30BF6-FA71-4576-A5BC-BB4B1D1254CD}" type="datetimeFigureOut">
               <a:rPr lang="pl-PL" smtClean="0"/>
-              <a:t>09.02.2020</a:t>
+              <a:t>11.05.2020</a:t>
             </a:fld>
             <a:endParaRPr lang="pl-PL"/>
           </a:p>
@@ -5042,7 +5043,7 @@
           <a:p>
             <a:fld id="{96D30BF6-FA71-4576-A5BC-BB4B1D1254CD}" type="datetimeFigureOut">
               <a:rPr lang="pl-PL" smtClean="0"/>
-              <a:t>09.02.2020</a:t>
+              <a:t>11.05.2020</a:t>
             </a:fld>
             <a:endParaRPr lang="pl-PL"/>
           </a:p>
@@ -5282,7 +5283,7 @@
           <a:p>
             <a:fld id="{96D30BF6-FA71-4576-A5BC-BB4B1D1254CD}" type="datetimeFigureOut">
               <a:rPr lang="pl-PL" smtClean="0"/>
-              <a:t>09.02.2020</a:t>
+              <a:t>11.05.2020</a:t>
             </a:fld>
             <a:endParaRPr lang="pl-PL"/>
           </a:p>
@@ -5958,7 +5959,7 @@
             <a:pPr algn="r"/>
             <a:r>
               <a:rPr lang="pl-PL" dirty="0"/>
-              <a:t>11th January 2020</a:t>
+              <a:t>14th May 2020</a:t>
             </a:r>
           </a:p>
         </p:txBody>
@@ -6273,30 +6274,19 @@
             <p:ph type="title"/>
           </p:nvPr>
         </p:nvSpPr>
-        <p:spPr/>
+        <p:spPr>
+          <a:xfrm>
+            <a:off x="838200" y="365125"/>
+            <a:ext cx="10515600" cy="1325563"/>
+          </a:xfrm>
+        </p:spPr>
         <p:txBody>
           <a:bodyPr/>
           <a:lstStyle/>
           <a:p>
             <a:r>
-              <a:rPr lang="pl-PL" dirty="0" err="1"/>
-              <a:t>Clean</a:t>
-            </a:r>
-            <a:r>
-              <a:rPr lang="pl-PL" dirty="0"/>
-              <a:t> </a:t>
-            </a:r>
-            <a:r>
-              <a:rPr lang="pl-PL" dirty="0" err="1"/>
-              <a:t>architecture</a:t>
-            </a:r>
-            <a:r>
-              <a:rPr lang="pl-PL" dirty="0"/>
-              <a:t> – </a:t>
-            </a:r>
-            <a:r>
-              <a:rPr lang="pl-PL" dirty="0" err="1"/>
-              <a:t>features</a:t>
+              <a:rPr lang="pl-PL"/>
+              <a:t>Clean architecture – features</a:t>
             </a:r>
             <a:endParaRPr lang="pl-PL" dirty="0"/>
           </a:p>
@@ -6332,7 +6322,7 @@
             </a:pPr>
             <a:r>
               <a:rPr lang="pl-PL" dirty="0"/>
-              <a:t>i</a:t>
+              <a:t>I</a:t>
             </a:r>
             <a:r>
               <a:rPr lang="en-US" dirty="0" err="1"/>
@@ -6352,7 +6342,7 @@
             </a:pPr>
             <a:r>
               <a:rPr lang="pl-PL" dirty="0"/>
-              <a:t>t</a:t>
+              <a:t>T</a:t>
             </a:r>
             <a:r>
               <a:rPr lang="en-US" dirty="0" err="1"/>
@@ -6368,7 +6358,7 @@
             </a:pPr>
             <a:r>
               <a:rPr lang="pl-PL" dirty="0"/>
-              <a:t>i</a:t>
+              <a:t>I</a:t>
             </a:r>
             <a:r>
               <a:rPr lang="en-US" dirty="0" err="1"/>
@@ -6387,7 +6377,7 @@
             </a:pPr>
             <a:r>
               <a:rPr lang="pl-PL" dirty="0"/>
-              <a:t>i</a:t>
+              <a:t>I</a:t>
             </a:r>
             <a:r>
               <a:rPr lang="en-US" dirty="0" err="1"/>
@@ -6407,7 +6397,7 @@
             </a:pPr>
             <a:r>
               <a:rPr lang="pl-PL" dirty="0"/>
-              <a:t>i</a:t>
+              <a:t>I</a:t>
             </a:r>
             <a:r>
               <a:rPr lang="en-US" dirty="0" err="1"/>
@@ -6499,31 +6489,41 @@
           </a:p>
         </p:txBody>
       </p:sp>
-      <p:sp>
-        <p:nvSpPr>
-          <p:cNvPr id="3" name="Content Placeholder 2">
+      <p:pic>
+        <p:nvPicPr>
+          <p:cNvPr id="5" name="Content Placeholder 4" descr="A picture containing text&#10;&#10;Description automatically generated">
             <a:extLst>
               <a:ext uri="{FF2B5EF4-FFF2-40B4-BE49-F238E27FC236}">
-                <a16:creationId xmlns:a16="http://schemas.microsoft.com/office/drawing/2014/main" id="{CE4F6514-056B-4D1B-8D5C-3A59CDCEEAC0}"/>
+                <a16:creationId xmlns:a16="http://schemas.microsoft.com/office/drawing/2014/main" id="{16A8743F-531C-40AA-A99A-5DC68C513514}"/>
               </a:ext>
             </a:extLst>
           </p:cNvPr>
-          <p:cNvSpPr>
-            <a:spLocks noGrp="1"/>
-          </p:cNvSpPr>
+          <p:cNvPicPr>
+            <a:picLocks noGrp="1" noChangeAspect="1"/>
+          </p:cNvPicPr>
           <p:nvPr>
             <p:ph idx="1"/>
           </p:nvPr>
-        </p:nvSpPr>
-        <p:spPr/>
-        <p:txBody>
-          <a:bodyPr/>
-          <a:lstStyle/>
-          <a:p>
-            <a:endParaRPr lang="pl-PL"/>
-          </a:p>
-        </p:txBody>
-      </p:sp>
+        </p:nvPicPr>
+        <p:blipFill>
+          <a:blip r:embed="rId2">
+            <a:extLst>
+              <a:ext uri="{28A0092B-C50C-407E-A947-70E740481C1C}">
+                <a14:useLocalDpi xmlns:a14="http://schemas.microsoft.com/office/drawing/2010/main" val="0"/>
+              </a:ext>
+            </a:extLst>
+          </a:blip>
+          <a:stretch>
+            <a:fillRect/>
+          </a:stretch>
+        </p:blipFill>
+        <p:spPr>
+          <a:xfrm>
+            <a:off x="2185149" y="1575997"/>
+            <a:ext cx="7821701" cy="4916878"/>
+          </a:xfrm>
+        </p:spPr>
+      </p:pic>
     </p:spTree>
     <p:extLst>
       <p:ext uri="{BB962C8B-B14F-4D97-AF65-F5344CB8AC3E}">
@@ -6556,6 +6556,75 @@
       </p:grpSpPr>
       <p:sp>
         <p:nvSpPr>
+          <p:cNvPr id="4" name="Content Placeholder 3">
+            <a:extLst>
+              <a:ext uri="{FF2B5EF4-FFF2-40B4-BE49-F238E27FC236}">
+                <a16:creationId xmlns:a16="http://schemas.microsoft.com/office/drawing/2014/main" id="{52D2CFDB-CA12-4F70-B287-26C4C085268A}"/>
+              </a:ext>
+            </a:extLst>
+          </p:cNvPr>
+          <p:cNvSpPr>
+            <a:spLocks noGrp="1"/>
+          </p:cNvSpPr>
+          <p:nvPr>
+            <p:ph idx="1"/>
+          </p:nvPr>
+        </p:nvSpPr>
+        <p:spPr>
+          <a:xfrm>
+            <a:off x="1120000" y="585926"/>
+            <a:ext cx="10233800" cy="5591037"/>
+          </a:xfrm>
+        </p:spPr>
+        <p:txBody>
+          <a:bodyPr anchor="ctr">
+            <a:normAutofit/>
+          </a:bodyPr>
+          <a:lstStyle/>
+          <a:p>
+            <a:pPr marL="0" indent="0" algn="ctr">
+              <a:buNone/>
+            </a:pPr>
+            <a:r>
+              <a:rPr lang="en-US" sz="8800" dirty="0"/>
+              <a:t>Thank you!</a:t>
+            </a:r>
+            <a:endParaRPr lang="pl-PL" sz="8800" dirty="0"/>
+          </a:p>
+        </p:txBody>
+      </p:sp>
+    </p:spTree>
+    <p:extLst>
+      <p:ext uri="{BB962C8B-B14F-4D97-AF65-F5344CB8AC3E}">
+        <p14:creationId xmlns:p14="http://schemas.microsoft.com/office/powerpoint/2010/main" val="2416683795"/>
+      </p:ext>
+    </p:extLst>
+  </p:cSld>
+  <p:clrMapOvr>
+    <a:masterClrMapping/>
+  </p:clrMapOvr>
+</p:sld>
+</file>
+
+<file path=ppt/slides/slide15.xml><?xml version="1.0" encoding="utf-8"?>
+<p:sld xmlns:a="http://schemas.openxmlformats.org/drawingml/2006/main" xmlns:r="http://schemas.openxmlformats.org/officeDocument/2006/relationships" xmlns:p="http://schemas.openxmlformats.org/presentationml/2006/main">
+  <p:cSld>
+    <p:spTree>
+      <p:nvGrpSpPr>
+        <p:cNvPr id="1" name=""/>
+        <p:cNvGrpSpPr/>
+        <p:nvPr/>
+      </p:nvGrpSpPr>
+      <p:grpSpPr>
+        <a:xfrm>
+          <a:off x="0" y="0"/>
+          <a:ext cx="0" cy="0"/>
+          <a:chOff x="0" y="0"/>
+          <a:chExt cx="0" cy="0"/>
+        </a:xfrm>
+      </p:grpSpPr>
+      <p:sp>
+        <p:nvSpPr>
           <p:cNvPr id="2" name="Title 1">
             <a:extLst>
               <a:ext uri="{FF2B5EF4-FFF2-40B4-BE49-F238E27FC236}">
@@ -6687,6 +6756,22 @@
                 <a:hlinkClick r:id="rId6"/>
               </a:rPr>
               <a:t>https://images.ctfassets.net/1es3ne0caaid/2Qd2FVYAqIEowM0GySIMyM/5d6acdc87b8149732a6b750fcb09c4b7/clean-architecture-ex-2.jpeg</a:t>
+            </a:r>
+            <a:endParaRPr lang="pl-PL" sz="1600" dirty="0"/>
+          </a:p>
+          <a:p>
+            <a:pPr>
+              <a:lnSpc>
+                <a:spcPct val="110000"/>
+              </a:lnSpc>
+              <a:buFontTx/>
+              <a:buChar char="-"/>
+            </a:pPr>
+            <a:r>
+              <a:rPr lang="pl-PL" sz="1600" dirty="0">
+                <a:hlinkClick r:id="rId7"/>
+              </a:rPr>
+              <a:t>https://image.slidesharecdn.com/javadev-hexagonalarchitectureforjavaapplications-150202062634-conversion-gate01/95/hexagonal-architecture-for-java-applications-11-638.jpg?cb=1423245064</a:t>
             </a:r>
             <a:endParaRPr lang="pl-PL" sz="1600" dirty="0"/>
           </a:p>
@@ -6882,10 +6967,7 @@
               <a:rPr lang="pl-PL" dirty="0" err="1"/>
               <a:t>Questions</a:t>
             </a:r>
-            <a:r>
-              <a:rPr lang="pl-PL" dirty="0"/>
-              <a:t>?</a:t>
-            </a:r>
+            <a:endParaRPr lang="pl-PL" dirty="0"/>
           </a:p>
         </p:txBody>
       </p:sp>
@@ -7800,7 +7882,7 @@
             </a:pPr>
             <a:r>
               <a:rPr lang="pl-PL" dirty="0" err="1"/>
-              <a:t>decoupling</a:t>
+              <a:t>Decoupling</a:t>
             </a:r>
             <a:endParaRPr lang="pl-PL" dirty="0"/>
           </a:p>
@@ -7812,7 +7894,7 @@
             </a:pPr>
             <a:r>
               <a:rPr lang="pl-PL" dirty="0" err="1"/>
-              <a:t>dependency</a:t>
+              <a:t>Dependency</a:t>
             </a:r>
             <a:r>
               <a:rPr lang="pl-PL" dirty="0"/>
@@ -7836,7 +7918,7 @@
             </a:pPr>
             <a:r>
               <a:rPr lang="pl-PL" dirty="0" err="1"/>
-              <a:t>testability</a:t>
+              <a:t>Testability</a:t>
             </a:r>
             <a:endParaRPr lang="pl-PL" dirty="0"/>
           </a:p>
@@ -8447,8 +8529,32 @@
               </a:lnSpc>
             </a:pPr>
             <a:r>
+              <a:rPr lang="pl-PL" dirty="0"/>
+              <a:t>E</a:t>
+            </a:r>
+            <a:r>
+              <a:rPr lang="en-US" dirty="0" err="1"/>
+              <a:t>xpose</a:t>
+            </a:r>
+            <a:r>
               <a:rPr lang="en-US" dirty="0"/>
-              <a:t>expose what is needed by client - exception </a:t>
+              <a:t> what is needed by client - exception </a:t>
+            </a:r>
+            <a:r>
+              <a:rPr lang="pl-PL" dirty="0" err="1"/>
+              <a:t>is</a:t>
+            </a:r>
+            <a:r>
+              <a:rPr lang="pl-PL" dirty="0"/>
+              <a:t> </a:t>
+            </a:r>
+            <a:r>
+              <a:rPr lang="pl-PL" dirty="0" err="1"/>
+              <a:t>when</a:t>
+            </a:r>
+            <a:r>
+              <a:rPr lang="pl-PL" dirty="0"/>
+              <a:t> </a:t>
             </a:r>
             <a:r>
               <a:rPr lang="pl-PL" dirty="0" err="1"/>
@@ -8495,12 +8601,20 @@
               </a:lnSpc>
             </a:pPr>
             <a:r>
+              <a:rPr lang="pl-PL" dirty="0"/>
+              <a:t>C</a:t>
+            </a:r>
+            <a:r>
+              <a:rPr lang="en-US" dirty="0" err="1"/>
+              <a:t>arve</a:t>
+            </a:r>
+            <a:r>
               <a:rPr lang="en-US" dirty="0"/>
-              <a:t>carve out subcomponents with well defined </a:t>
+              <a:t> out subcomponents with well defined </a:t>
             </a:r>
             <a:r>
               <a:rPr lang="pl-PL" dirty="0" err="1"/>
-              <a:t>contract</a:t>
+              <a:t>contracts</a:t>
             </a:r>
             <a:endParaRPr lang="en-US" dirty="0"/>
           </a:p>
@@ -8512,7 +8626,7 @@
             </a:pPr>
             <a:r>
               <a:rPr lang="pl-PL" dirty="0"/>
-              <a:t>in </a:t>
+              <a:t>In </a:t>
             </a:r>
             <a:r>
               <a:rPr lang="pl-PL" dirty="0" err="1"/>

--- a/CleanCodeCleanArch/CleanCodeCleanArch.pptx
+++ b/CleanCodeCleanArch/CleanCodeCleanArch.pptx
@@ -2,24 +2,31 @@
 <file path=ppt/presentation.xml><?xml version="1.0" encoding="utf-8"?>
 <p:presentation xmlns:a="http://schemas.openxmlformats.org/drawingml/2006/main" xmlns:r="http://schemas.openxmlformats.org/officeDocument/2006/relationships" xmlns:p="http://schemas.openxmlformats.org/presentationml/2006/main" saveSubsetFonts="1">
   <p:sldMasterIdLst>
-    <p:sldMasterId id="2147484188" r:id="rId1"/>
+    <p:sldMasterId id="2147484188" r:id="rId4"/>
   </p:sldMasterIdLst>
+  <p:notesMasterIdLst>
+    <p:notesMasterId r:id="rId24"/>
+  </p:notesMasterIdLst>
   <p:sldIdLst>
-    <p:sldId id="256" r:id="rId2"/>
-    <p:sldId id="257" r:id="rId3"/>
-    <p:sldId id="266" r:id="rId4"/>
-    <p:sldId id="267" r:id="rId5"/>
-    <p:sldId id="268" r:id="rId6"/>
-    <p:sldId id="269" r:id="rId7"/>
-    <p:sldId id="270" r:id="rId8"/>
-    <p:sldId id="271" r:id="rId9"/>
-    <p:sldId id="272" r:id="rId10"/>
-    <p:sldId id="274" r:id="rId11"/>
-    <p:sldId id="275" r:id="rId12"/>
-    <p:sldId id="273" r:id="rId13"/>
-    <p:sldId id="276" r:id="rId14"/>
-    <p:sldId id="277" r:id="rId15"/>
-    <p:sldId id="265" r:id="rId16"/>
+    <p:sldId id="256" r:id="rId5"/>
+    <p:sldId id="257" r:id="rId6"/>
+    <p:sldId id="266" r:id="rId7"/>
+    <p:sldId id="267" r:id="rId8"/>
+    <p:sldId id="268" r:id="rId9"/>
+    <p:sldId id="269" r:id="rId10"/>
+    <p:sldId id="270" r:id="rId11"/>
+    <p:sldId id="271" r:id="rId12"/>
+    <p:sldId id="279" r:id="rId13"/>
+    <p:sldId id="280" r:id="rId14"/>
+    <p:sldId id="281" r:id="rId15"/>
+    <p:sldId id="272" r:id="rId16"/>
+    <p:sldId id="274" r:id="rId17"/>
+    <p:sldId id="275" r:id="rId18"/>
+    <p:sldId id="273" r:id="rId19"/>
+    <p:sldId id="277" r:id="rId20"/>
+    <p:sldId id="276" r:id="rId21"/>
+    <p:sldId id="278" r:id="rId22"/>
+    <p:sldId id="265" r:id="rId23"/>
   </p:sldIdLst>
   <p:sldSz cx="12192000" cy="6858000"/>
   <p:notesSz cx="6858000" cy="9144000"/>
@@ -126,6 +133,4478 @@
 </p:presentation>
 </file>
 
+<file path=ppt/commentAuthors.xml><?xml version="1.0" encoding="utf-8"?>
+<p:cmAuthorLst xmlns:a="http://schemas.openxmlformats.org/drawingml/2006/main" xmlns:r="http://schemas.openxmlformats.org/officeDocument/2006/relationships" xmlns:p="http://schemas.openxmlformats.org/presentationml/2006/main">
+  <p:cmAuthor id="1" name="Konrad Gałczyński" initials="KG" lastIdx="1" clrIdx="0">
+    <p:extLst>
+      <p:ext uri="{19B8F6BF-5375-455C-9EA6-DF929625EA0E}">
+        <p15:presenceInfo xmlns:p15="http://schemas.microsoft.com/office/powerpoint/2012/main" userId="S::konrad.galczynski@relativity.com::51b13968-ecbd-4db3-b52c-b25881b9a587" providerId="AD"/>
+      </p:ext>
+    </p:extLst>
+  </p:cmAuthor>
+</p:cmAuthorLst>
+</file>
+
+<file path=ppt/diagrams/colors1.xml><?xml version="1.0" encoding="utf-8"?>
+<dgm:colorsDef xmlns:dgm="http://schemas.openxmlformats.org/drawingml/2006/diagram" xmlns:a="http://schemas.openxmlformats.org/drawingml/2006/main" uniqueId="urn:microsoft.com/office/officeart/2018/5/colors/Iconchunking_neutralicon_colorful1">
+  <dgm:title val=""/>
+  <dgm:desc val=""/>
+  <dgm:catLst>
+    <dgm:cat type="colorful" pri="10100"/>
+  </dgm:catLst>
+  <dgm:styleLbl name="node0">
+    <dgm:fillClrLst meth="repeat">
+      <a:schemeClr val="accent1"/>
+    </dgm:fillClrLst>
+    <dgm:linClrLst meth="repeat">
+      <a:schemeClr val="lt1"/>
+    </dgm:linClrLst>
+    <dgm:effectClrLst/>
+    <dgm:txLinClrLst/>
+    <dgm:txFillClrLst/>
+    <dgm:txEffectClrLst/>
+  </dgm:styleLbl>
+  <dgm:styleLbl name="node1">
+    <dgm:fillClrLst meth="repeat">
+      <a:schemeClr val="bg1"/>
+    </dgm:fillClrLst>
+    <dgm:linClrLst meth="repeat">
+      <a:schemeClr val="lt1">
+        <a:alpha val="0"/>
+      </a:schemeClr>
+    </dgm:linClrLst>
+    <dgm:effectClrLst/>
+    <dgm:txLinClrLst/>
+    <dgm:txFillClrLst meth="repeat">
+      <a:schemeClr val="dk1"/>
+    </dgm:txFillClrLst>
+    <dgm:txEffectClrLst/>
+  </dgm:styleLbl>
+  <dgm:styleLbl name="alignNode1">
+    <dgm:fillClrLst meth="repeat">
+      <a:schemeClr val="accent2"/>
+      <a:schemeClr val="accent3"/>
+      <a:schemeClr val="accent4"/>
+      <a:schemeClr val="accent5"/>
+      <a:schemeClr val="accent6"/>
+    </dgm:fillClrLst>
+    <dgm:linClrLst meth="repeat">
+      <a:schemeClr val="accent2"/>
+      <a:schemeClr val="accent3"/>
+      <a:schemeClr val="accent4"/>
+      <a:schemeClr val="accent5"/>
+      <a:schemeClr val="accent6"/>
+    </dgm:linClrLst>
+    <dgm:effectClrLst/>
+    <dgm:txLinClrLst/>
+    <dgm:txFillClrLst/>
+    <dgm:txEffectClrLst/>
+  </dgm:styleLbl>
+  <dgm:styleLbl name="lnNode1">
+    <dgm:fillClrLst meth="repeat">
+      <a:schemeClr val="accent2"/>
+      <a:schemeClr val="accent3"/>
+      <a:schemeClr val="accent4"/>
+      <a:schemeClr val="accent5"/>
+      <a:schemeClr val="accent6"/>
+    </dgm:fillClrLst>
+    <dgm:linClrLst meth="repeat">
+      <a:schemeClr val="lt1"/>
+    </dgm:linClrLst>
+    <dgm:effectClrLst/>
+    <dgm:txLinClrLst/>
+    <dgm:txFillClrLst/>
+    <dgm:txEffectClrLst/>
+  </dgm:styleLbl>
+  <dgm:styleLbl name="vennNode1">
+    <dgm:fillClrLst meth="repeat">
+      <a:schemeClr val="accent2">
+        <a:alpha val="50000"/>
+      </a:schemeClr>
+      <a:schemeClr val="accent3">
+        <a:alpha val="50000"/>
+      </a:schemeClr>
+      <a:schemeClr val="accent4">
+        <a:alpha val="50000"/>
+      </a:schemeClr>
+      <a:schemeClr val="accent5">
+        <a:alpha val="50000"/>
+      </a:schemeClr>
+      <a:schemeClr val="accent6">
+        <a:alpha val="50000"/>
+      </a:schemeClr>
+    </dgm:fillClrLst>
+    <dgm:linClrLst meth="repeat">
+      <a:schemeClr val="lt1"/>
+    </dgm:linClrLst>
+    <dgm:effectClrLst/>
+    <dgm:txLinClrLst/>
+    <dgm:txFillClrLst/>
+    <dgm:txEffectClrLst/>
+  </dgm:styleLbl>
+  <dgm:styleLbl name="node2">
+    <dgm:fillClrLst>
+      <a:schemeClr val="accent2"/>
+    </dgm:fillClrLst>
+    <dgm:linClrLst meth="repeat">
+      <a:schemeClr val="lt1"/>
+    </dgm:linClrLst>
+    <dgm:effectClrLst/>
+    <dgm:txLinClrLst/>
+    <dgm:txFillClrLst/>
+    <dgm:txEffectClrLst/>
+  </dgm:styleLbl>
+  <dgm:styleLbl name="node3">
+    <dgm:fillClrLst>
+      <a:schemeClr val="accent3"/>
+    </dgm:fillClrLst>
+    <dgm:linClrLst meth="repeat">
+      <a:schemeClr val="lt1"/>
+    </dgm:linClrLst>
+    <dgm:effectClrLst/>
+    <dgm:txLinClrLst/>
+    <dgm:txFillClrLst/>
+    <dgm:txEffectClrLst/>
+  </dgm:styleLbl>
+  <dgm:styleLbl name="node4">
+    <dgm:fillClrLst>
+      <a:schemeClr val="accent4"/>
+    </dgm:fillClrLst>
+    <dgm:linClrLst meth="repeat">
+      <a:schemeClr val="lt1"/>
+    </dgm:linClrLst>
+    <dgm:effectClrLst/>
+    <dgm:txLinClrLst/>
+    <dgm:txFillClrLst/>
+    <dgm:txEffectClrLst/>
+  </dgm:styleLbl>
+  <dgm:styleLbl name="fgImgPlace1">
+    <dgm:fillClrLst meth="repeat">
+      <a:schemeClr val="accent2">
+        <a:tint val="50000"/>
+      </a:schemeClr>
+      <a:schemeClr val="accent3">
+        <a:tint val="50000"/>
+      </a:schemeClr>
+      <a:schemeClr val="accent4">
+        <a:tint val="50000"/>
+      </a:schemeClr>
+      <a:schemeClr val="accent5">
+        <a:tint val="50000"/>
+      </a:schemeClr>
+      <a:schemeClr val="accent6">
+        <a:tint val="50000"/>
+      </a:schemeClr>
+    </dgm:fillClrLst>
+    <dgm:linClrLst meth="repeat">
+      <a:schemeClr val="lt1"/>
+    </dgm:linClrLst>
+    <dgm:effectClrLst/>
+    <dgm:txLinClrLst/>
+    <dgm:txFillClrLst meth="repeat">
+      <a:schemeClr val="lt1"/>
+    </dgm:txFillClrLst>
+    <dgm:txEffectClrLst/>
+  </dgm:styleLbl>
+  <dgm:styleLbl name="alignImgPlace1">
+    <dgm:fillClrLst>
+      <a:schemeClr val="accent1">
+        <a:tint val="50000"/>
+      </a:schemeClr>
+      <a:schemeClr val="accent2">
+        <a:tint val="20000"/>
+      </a:schemeClr>
+    </dgm:fillClrLst>
+    <dgm:linClrLst meth="repeat">
+      <a:schemeClr val="lt1"/>
+    </dgm:linClrLst>
+    <dgm:effectClrLst/>
+    <dgm:txLinClrLst/>
+    <dgm:txFillClrLst meth="repeat">
+      <a:schemeClr val="lt1"/>
+    </dgm:txFillClrLst>
+    <dgm:txEffectClrLst/>
+  </dgm:styleLbl>
+  <dgm:styleLbl name="bgImgPlace1">
+    <dgm:fillClrLst>
+      <a:schemeClr val="accent1">
+        <a:tint val="50000"/>
+      </a:schemeClr>
+      <a:schemeClr val="accent2">
+        <a:tint val="20000"/>
+      </a:schemeClr>
+    </dgm:fillClrLst>
+    <dgm:linClrLst meth="repeat">
+      <a:schemeClr val="lt1"/>
+    </dgm:linClrLst>
+    <dgm:effectClrLst/>
+    <dgm:txLinClrLst/>
+    <dgm:txFillClrLst meth="repeat">
+      <a:schemeClr val="lt1"/>
+    </dgm:txFillClrLst>
+    <dgm:txEffectClrLst/>
+  </dgm:styleLbl>
+  <dgm:styleLbl name="sibTrans2D1">
+    <dgm:fillClrLst meth="repeat">
+      <a:schemeClr val="accent2"/>
+      <a:schemeClr val="accent3"/>
+      <a:schemeClr val="accent4"/>
+      <a:schemeClr val="accent5"/>
+      <a:schemeClr val="accent6"/>
+    </dgm:fillClrLst>
+    <dgm:linClrLst meth="cycle">
+      <a:schemeClr val="lt1"/>
+    </dgm:linClrLst>
+    <dgm:effectClrLst/>
+    <dgm:txLinClrLst/>
+    <dgm:txFillClrLst/>
+    <dgm:txEffectClrLst/>
+  </dgm:styleLbl>
+  <dgm:styleLbl name="fgSibTrans2D1">
+    <dgm:fillClrLst meth="repeat">
+      <a:schemeClr val="accent2"/>
+      <a:schemeClr val="accent3"/>
+      <a:schemeClr val="accent4"/>
+      <a:schemeClr val="accent5"/>
+      <a:schemeClr val="accent6"/>
+    </dgm:fillClrLst>
+    <dgm:linClrLst meth="cycle">
+      <a:schemeClr val="lt1"/>
+    </dgm:linClrLst>
+    <dgm:effectClrLst/>
+    <dgm:txLinClrLst/>
+    <dgm:txFillClrLst meth="repeat">
+      <a:schemeClr val="lt1"/>
+    </dgm:txFillClrLst>
+    <dgm:txEffectClrLst/>
+  </dgm:styleLbl>
+  <dgm:styleLbl name="bgSibTrans2D1">
+    <dgm:fillClrLst meth="repeat">
+      <a:schemeClr val="accent2"/>
+      <a:schemeClr val="accent3"/>
+      <a:schemeClr val="accent4"/>
+      <a:schemeClr val="accent5"/>
+      <a:schemeClr val="accent6"/>
+    </dgm:fillClrLst>
+    <dgm:linClrLst meth="cycle">
+      <a:schemeClr val="lt1"/>
+    </dgm:linClrLst>
+    <dgm:effectClrLst/>
+    <dgm:txLinClrLst/>
+    <dgm:txFillClrLst meth="repeat">
+      <a:schemeClr val="lt1"/>
+    </dgm:txFillClrLst>
+    <dgm:txEffectClrLst/>
+  </dgm:styleLbl>
+  <dgm:styleLbl name="sibTrans1D1">
+    <dgm:fillClrLst meth="repeat">
+      <a:schemeClr val="accent2"/>
+      <a:schemeClr val="accent3"/>
+      <a:schemeClr val="accent4"/>
+      <a:schemeClr val="accent5"/>
+      <a:schemeClr val="accent6"/>
+    </dgm:fillClrLst>
+    <dgm:linClrLst meth="repeat">
+      <a:schemeClr val="accent2"/>
+      <a:schemeClr val="accent3"/>
+      <a:schemeClr val="accent4"/>
+      <a:schemeClr val="accent5"/>
+      <a:schemeClr val="accent6"/>
+    </dgm:linClrLst>
+    <dgm:effectClrLst/>
+    <dgm:txLinClrLst/>
+    <dgm:txFillClrLst meth="repeat">
+      <a:schemeClr val="tx1"/>
+    </dgm:txFillClrLst>
+    <dgm:txEffectClrLst/>
+  </dgm:styleLbl>
+  <dgm:styleLbl name="callout">
+    <dgm:fillClrLst meth="repeat">
+      <a:schemeClr val="accent2"/>
+    </dgm:fillClrLst>
+    <dgm:linClrLst meth="repeat">
+      <a:schemeClr val="accent2">
+        <a:tint val="50000"/>
+      </a:schemeClr>
+    </dgm:linClrLst>
+    <dgm:effectClrLst/>
+    <dgm:txLinClrLst/>
+    <dgm:txFillClrLst meth="repeat">
+      <a:schemeClr val="tx1"/>
+    </dgm:txFillClrLst>
+    <dgm:txEffectClrLst/>
+  </dgm:styleLbl>
+  <dgm:styleLbl name="asst0">
+    <dgm:fillClrLst meth="repeat">
+      <a:schemeClr val="accent1"/>
+    </dgm:fillClrLst>
+    <dgm:linClrLst meth="repeat">
+      <a:schemeClr val="lt1"/>
+    </dgm:linClrLst>
+    <dgm:effectClrLst/>
+    <dgm:txLinClrLst/>
+    <dgm:txFillClrLst/>
+    <dgm:txEffectClrLst/>
+  </dgm:styleLbl>
+  <dgm:styleLbl name="asst1">
+    <dgm:fillClrLst meth="repeat">
+      <a:schemeClr val="accent2"/>
+    </dgm:fillClrLst>
+    <dgm:linClrLst meth="repeat">
+      <a:schemeClr val="lt1"/>
+    </dgm:linClrLst>
+    <dgm:effectClrLst/>
+    <dgm:txLinClrLst/>
+    <dgm:txFillClrLst/>
+    <dgm:txEffectClrLst/>
+  </dgm:styleLbl>
+  <dgm:styleLbl name="asst2">
+    <dgm:fillClrLst>
+      <a:schemeClr val="accent3"/>
+    </dgm:fillClrLst>
+    <dgm:linClrLst meth="repeat">
+      <a:schemeClr val="lt1"/>
+    </dgm:linClrLst>
+    <dgm:effectClrLst/>
+    <dgm:txLinClrLst/>
+    <dgm:txFillClrLst/>
+    <dgm:txEffectClrLst/>
+  </dgm:styleLbl>
+  <dgm:styleLbl name="asst3">
+    <dgm:fillClrLst>
+      <a:schemeClr val="accent4"/>
+    </dgm:fillClrLst>
+    <dgm:linClrLst meth="repeat">
+      <a:schemeClr val="lt1"/>
+    </dgm:linClrLst>
+    <dgm:effectClrLst/>
+    <dgm:txLinClrLst/>
+    <dgm:txFillClrLst/>
+    <dgm:txEffectClrLst/>
+  </dgm:styleLbl>
+  <dgm:styleLbl name="asst4">
+    <dgm:fillClrLst>
+      <a:schemeClr val="accent5"/>
+    </dgm:fillClrLst>
+    <dgm:linClrLst meth="repeat">
+      <a:schemeClr val="lt1"/>
+    </dgm:linClrLst>
+    <dgm:effectClrLst/>
+    <dgm:txLinClrLst/>
+    <dgm:txFillClrLst/>
+    <dgm:txEffectClrLst/>
+  </dgm:styleLbl>
+  <dgm:styleLbl name="parChTrans2D1">
+    <dgm:fillClrLst meth="repeat">
+      <a:schemeClr val="accent2"/>
+    </dgm:fillClrLst>
+    <dgm:linClrLst meth="repeat">
+      <a:schemeClr val="lt1"/>
+    </dgm:linClrLst>
+    <dgm:effectClrLst/>
+    <dgm:txLinClrLst/>
+    <dgm:txFillClrLst meth="repeat">
+      <a:schemeClr val="lt1"/>
+    </dgm:txFillClrLst>
+    <dgm:txEffectClrLst/>
+  </dgm:styleLbl>
+  <dgm:styleLbl name="parChTrans2D2">
+    <dgm:fillClrLst meth="repeat">
+      <a:schemeClr val="accent3"/>
+    </dgm:fillClrLst>
+    <dgm:linClrLst meth="repeat">
+      <a:schemeClr val="lt1"/>
+    </dgm:linClrLst>
+    <dgm:effectClrLst/>
+    <dgm:txLinClrLst/>
+    <dgm:txFillClrLst/>
+    <dgm:txEffectClrLst/>
+  </dgm:styleLbl>
+  <dgm:styleLbl name="parChTrans2D3">
+    <dgm:fillClrLst meth="repeat">
+      <a:schemeClr val="accent4"/>
+    </dgm:fillClrLst>
+    <dgm:linClrLst meth="repeat">
+      <a:schemeClr val="lt1"/>
+    </dgm:linClrLst>
+    <dgm:effectClrLst/>
+    <dgm:txLinClrLst/>
+    <dgm:txFillClrLst/>
+    <dgm:txEffectClrLst/>
+  </dgm:styleLbl>
+  <dgm:styleLbl name="parChTrans2D4">
+    <dgm:fillClrLst meth="repeat">
+      <a:schemeClr val="accent5"/>
+    </dgm:fillClrLst>
+    <dgm:linClrLst meth="repeat">
+      <a:schemeClr val="lt1"/>
+    </dgm:linClrLst>
+    <dgm:effectClrLst/>
+    <dgm:txLinClrLst/>
+    <dgm:txFillClrLst meth="repeat">
+      <a:schemeClr val="lt1"/>
+    </dgm:txFillClrLst>
+    <dgm:txEffectClrLst/>
+  </dgm:styleLbl>
+  <dgm:styleLbl name="parChTrans1D1">
+    <dgm:fillClrLst meth="repeat">
+      <a:schemeClr val="accent2"/>
+    </dgm:fillClrLst>
+    <dgm:linClrLst meth="repeat">
+      <a:schemeClr val="accent1"/>
+    </dgm:linClrLst>
+    <dgm:effectClrLst/>
+    <dgm:txLinClrLst/>
+    <dgm:txFillClrLst meth="repeat">
+      <a:schemeClr val="tx1"/>
+    </dgm:txFillClrLst>
+    <dgm:txEffectClrLst/>
+  </dgm:styleLbl>
+  <dgm:styleLbl name="parChTrans1D2">
+    <dgm:fillClrLst meth="repeat">
+      <a:schemeClr val="accent3">
+        <a:tint val="90000"/>
+      </a:schemeClr>
+    </dgm:fillClrLst>
+    <dgm:linClrLst meth="repeat">
+      <a:schemeClr val="accent2"/>
+    </dgm:linClrLst>
+    <dgm:effectClrLst/>
+    <dgm:txLinClrLst/>
+    <dgm:txFillClrLst meth="repeat">
+      <a:schemeClr val="tx1"/>
+    </dgm:txFillClrLst>
+    <dgm:txEffectClrLst/>
+  </dgm:styleLbl>
+  <dgm:styleLbl name="parChTrans1D3">
+    <dgm:fillClrLst meth="repeat">
+      <a:schemeClr val="accent4">
+        <a:tint val="70000"/>
+      </a:schemeClr>
+    </dgm:fillClrLst>
+    <dgm:linClrLst meth="repeat">
+      <a:schemeClr val="accent3"/>
+    </dgm:linClrLst>
+    <dgm:effectClrLst/>
+    <dgm:txLinClrLst/>
+    <dgm:txFillClrLst meth="repeat">
+      <a:schemeClr val="tx1"/>
+    </dgm:txFillClrLst>
+    <dgm:txEffectClrLst/>
+  </dgm:styleLbl>
+  <dgm:styleLbl name="parChTrans1D4">
+    <dgm:fillClrLst meth="repeat">
+      <a:schemeClr val="accent5">
+        <a:tint val="50000"/>
+      </a:schemeClr>
+    </dgm:fillClrLst>
+    <dgm:linClrLst meth="repeat">
+      <a:schemeClr val="accent4"/>
+    </dgm:linClrLst>
+    <dgm:effectClrLst/>
+    <dgm:txLinClrLst/>
+    <dgm:txFillClrLst meth="repeat">
+      <a:schemeClr val="tx1"/>
+    </dgm:txFillClrLst>
+    <dgm:txEffectClrLst/>
+  </dgm:styleLbl>
+  <dgm:styleLbl name="fgAcc1">
+    <dgm:fillClrLst meth="repeat">
+      <a:schemeClr val="lt1">
+        <a:alpha val="90000"/>
+      </a:schemeClr>
+    </dgm:fillClrLst>
+    <dgm:linClrLst meth="repeat">
+      <a:schemeClr val="accent2"/>
+      <a:schemeClr val="accent3"/>
+      <a:schemeClr val="accent4"/>
+      <a:schemeClr val="accent5"/>
+      <a:schemeClr val="accent6"/>
+    </dgm:linClrLst>
+    <dgm:effectClrLst/>
+    <dgm:txLinClrLst/>
+    <dgm:txFillClrLst meth="repeat">
+      <a:schemeClr val="dk1"/>
+    </dgm:txFillClrLst>
+    <dgm:txEffectClrLst/>
+  </dgm:styleLbl>
+  <dgm:styleLbl name="conFgAcc1">
+    <dgm:fillClrLst meth="repeat">
+      <a:schemeClr val="lt1">
+        <a:alpha val="90000"/>
+      </a:schemeClr>
+    </dgm:fillClrLst>
+    <dgm:linClrLst meth="repeat">
+      <a:schemeClr val="accent2"/>
+      <a:schemeClr val="accent3"/>
+      <a:schemeClr val="accent4"/>
+      <a:schemeClr val="accent5"/>
+      <a:schemeClr val="accent6"/>
+    </dgm:linClrLst>
+    <dgm:effectClrLst/>
+    <dgm:txLinClrLst/>
+    <dgm:txFillClrLst meth="repeat">
+      <a:schemeClr val="dk1"/>
+    </dgm:txFillClrLst>
+    <dgm:txEffectClrLst/>
+  </dgm:styleLbl>
+  <dgm:styleLbl name="alignAcc1">
+    <dgm:fillClrLst meth="repeat">
+      <a:schemeClr val="lt1">
+        <a:alpha val="90000"/>
+      </a:schemeClr>
+    </dgm:fillClrLst>
+    <dgm:linClrLst meth="repeat">
+      <a:schemeClr val="accent2"/>
+      <a:schemeClr val="accent3"/>
+      <a:schemeClr val="accent4"/>
+      <a:schemeClr val="accent5"/>
+      <a:schemeClr val="accent6"/>
+    </dgm:linClrLst>
+    <dgm:effectClrLst/>
+    <dgm:txLinClrLst/>
+    <dgm:txFillClrLst meth="repeat">
+      <a:schemeClr val="dk1"/>
+    </dgm:txFillClrLst>
+    <dgm:txEffectClrLst/>
+  </dgm:styleLbl>
+  <dgm:styleLbl name="trAlignAcc1">
+    <dgm:fillClrLst meth="repeat">
+      <a:schemeClr val="lt1">
+        <a:alpha val="40000"/>
+      </a:schemeClr>
+    </dgm:fillClrLst>
+    <dgm:linClrLst meth="repeat">
+      <a:schemeClr val="accent1"/>
+    </dgm:linClrLst>
+    <dgm:effectClrLst/>
+    <dgm:txLinClrLst/>
+    <dgm:txFillClrLst meth="repeat">
+      <a:schemeClr val="dk1"/>
+    </dgm:txFillClrLst>
+    <dgm:txEffectClrLst/>
+  </dgm:styleLbl>
+  <dgm:styleLbl name="bgAcc1">
+    <dgm:fillClrLst meth="repeat">
+      <a:schemeClr val="lt1">
+        <a:alpha val="90000"/>
+      </a:schemeClr>
+    </dgm:fillClrLst>
+    <dgm:linClrLst meth="repeat">
+      <a:schemeClr val="accent2"/>
+      <a:schemeClr val="accent3"/>
+      <a:schemeClr val="accent4"/>
+      <a:schemeClr val="accent5"/>
+      <a:schemeClr val="accent6"/>
+    </dgm:linClrLst>
+    <dgm:effectClrLst/>
+    <dgm:txLinClrLst/>
+    <dgm:txFillClrLst meth="repeat">
+      <a:schemeClr val="dk1"/>
+    </dgm:txFillClrLst>
+    <dgm:txEffectClrLst/>
+  </dgm:styleLbl>
+  <dgm:styleLbl name="solidFgAcc1">
+    <dgm:fillClrLst meth="repeat">
+      <a:schemeClr val="lt1"/>
+    </dgm:fillClrLst>
+    <dgm:linClrLst meth="repeat">
+      <a:schemeClr val="accent2"/>
+      <a:schemeClr val="accent3"/>
+      <a:schemeClr val="accent4"/>
+      <a:schemeClr val="accent5"/>
+      <a:schemeClr val="accent6"/>
+    </dgm:linClrLst>
+    <dgm:effectClrLst/>
+    <dgm:txLinClrLst/>
+    <dgm:txFillClrLst meth="repeat">
+      <a:schemeClr val="dk1"/>
+    </dgm:txFillClrLst>
+    <dgm:txEffectClrLst/>
+  </dgm:styleLbl>
+  <dgm:styleLbl name="solidAlignAcc1">
+    <dgm:fillClrLst meth="repeat">
+      <a:schemeClr val="lt1"/>
+    </dgm:fillClrLst>
+    <dgm:linClrLst meth="repeat">
+      <a:schemeClr val="accent2"/>
+      <a:schemeClr val="accent3"/>
+      <a:schemeClr val="accent4"/>
+      <a:schemeClr val="accent5"/>
+      <a:schemeClr val="accent6"/>
+    </dgm:linClrLst>
+    <dgm:effectClrLst/>
+    <dgm:txLinClrLst/>
+    <dgm:txFillClrLst meth="repeat">
+      <a:schemeClr val="dk1"/>
+    </dgm:txFillClrLst>
+    <dgm:txEffectClrLst/>
+  </dgm:styleLbl>
+  <dgm:styleLbl name="solidBgAcc1">
+    <dgm:fillClrLst meth="repeat">
+      <a:schemeClr val="lt1"/>
+    </dgm:fillClrLst>
+    <dgm:linClrLst meth="repeat">
+      <a:schemeClr val="accent2"/>
+      <a:schemeClr val="accent3"/>
+      <a:schemeClr val="accent4"/>
+      <a:schemeClr val="accent5"/>
+      <a:schemeClr val="accent6"/>
+    </dgm:linClrLst>
+    <dgm:effectClrLst/>
+    <dgm:txLinClrLst/>
+    <dgm:txFillClrLst meth="repeat">
+      <a:schemeClr val="dk1"/>
+    </dgm:txFillClrLst>
+    <dgm:txEffectClrLst/>
+  </dgm:styleLbl>
+  <dgm:styleLbl name="fgAccFollowNode1">
+    <dgm:fillClrLst meth="repeat">
+      <a:schemeClr val="accent2">
+        <a:tint val="40000"/>
+        <a:alpha val="90000"/>
+      </a:schemeClr>
+      <a:schemeClr val="accent3">
+        <a:tint val="40000"/>
+        <a:alpha val="90000"/>
+      </a:schemeClr>
+      <a:schemeClr val="accent4">
+        <a:tint val="40000"/>
+        <a:alpha val="90000"/>
+      </a:schemeClr>
+      <a:schemeClr val="accent5">
+        <a:tint val="40000"/>
+        <a:alpha val="90000"/>
+      </a:schemeClr>
+      <a:schemeClr val="accent6">
+        <a:tint val="40000"/>
+        <a:alpha val="90000"/>
+      </a:schemeClr>
+    </dgm:fillClrLst>
+    <dgm:linClrLst meth="repeat">
+      <a:schemeClr val="accent2">
+        <a:tint val="40000"/>
+        <a:alpha val="90000"/>
+      </a:schemeClr>
+      <a:schemeClr val="accent3">
+        <a:tint val="40000"/>
+        <a:alpha val="90000"/>
+      </a:schemeClr>
+      <a:schemeClr val="accent4">
+        <a:tint val="40000"/>
+        <a:alpha val="90000"/>
+      </a:schemeClr>
+      <a:schemeClr val="accent5">
+        <a:tint val="40000"/>
+        <a:alpha val="90000"/>
+      </a:schemeClr>
+      <a:schemeClr val="accent6">
+        <a:tint val="40000"/>
+        <a:alpha val="90000"/>
+      </a:schemeClr>
+    </dgm:linClrLst>
+    <dgm:effectClrLst/>
+    <dgm:txLinClrLst/>
+    <dgm:txFillClrLst meth="repeat">
+      <a:schemeClr val="dk1"/>
+    </dgm:txFillClrLst>
+    <dgm:txEffectClrLst/>
+  </dgm:styleLbl>
+  <dgm:styleLbl name="alignAccFollowNode1">
+    <dgm:fillClrLst meth="repeat">
+      <a:schemeClr val="accent2">
+        <a:tint val="40000"/>
+        <a:alpha val="90000"/>
+      </a:schemeClr>
+      <a:schemeClr val="accent3">
+        <a:tint val="40000"/>
+        <a:alpha val="90000"/>
+      </a:schemeClr>
+      <a:schemeClr val="accent4">
+        <a:tint val="40000"/>
+        <a:alpha val="90000"/>
+      </a:schemeClr>
+      <a:schemeClr val="accent5">
+        <a:tint val="40000"/>
+        <a:alpha val="90000"/>
+      </a:schemeClr>
+      <a:schemeClr val="accent6">
+        <a:tint val="40000"/>
+        <a:alpha val="90000"/>
+      </a:schemeClr>
+    </dgm:fillClrLst>
+    <dgm:linClrLst meth="repeat">
+      <a:schemeClr val="accent2">
+        <a:tint val="40000"/>
+        <a:alpha val="90000"/>
+      </a:schemeClr>
+      <a:schemeClr val="accent3">
+        <a:tint val="40000"/>
+        <a:alpha val="90000"/>
+      </a:schemeClr>
+      <a:schemeClr val="accent4">
+        <a:tint val="40000"/>
+        <a:alpha val="90000"/>
+      </a:schemeClr>
+      <a:schemeClr val="accent5">
+        <a:tint val="40000"/>
+        <a:alpha val="90000"/>
+      </a:schemeClr>
+      <a:schemeClr val="accent6">
+        <a:tint val="40000"/>
+        <a:alpha val="90000"/>
+      </a:schemeClr>
+    </dgm:linClrLst>
+    <dgm:effectClrLst/>
+    <dgm:txLinClrLst/>
+    <dgm:txFillClrLst meth="repeat">
+      <a:schemeClr val="dk1"/>
+    </dgm:txFillClrLst>
+    <dgm:txEffectClrLst/>
+  </dgm:styleLbl>
+  <dgm:styleLbl name="bgAccFollowNode1">
+    <dgm:fillClrLst meth="repeat">
+      <a:schemeClr val="accent2">
+        <a:tint val="40000"/>
+        <a:alpha val="90000"/>
+      </a:schemeClr>
+      <a:schemeClr val="accent3">
+        <a:tint val="40000"/>
+        <a:alpha val="90000"/>
+      </a:schemeClr>
+      <a:schemeClr val="accent4">
+        <a:tint val="40000"/>
+        <a:alpha val="90000"/>
+      </a:schemeClr>
+      <a:schemeClr val="accent5">
+        <a:tint val="40000"/>
+        <a:alpha val="90000"/>
+      </a:schemeClr>
+      <a:schemeClr val="accent6">
+        <a:tint val="40000"/>
+        <a:alpha val="90000"/>
+      </a:schemeClr>
+    </dgm:fillClrLst>
+    <dgm:linClrLst meth="repeat">
+      <a:schemeClr val="accent2">
+        <a:tint val="40000"/>
+        <a:alpha val="90000"/>
+      </a:schemeClr>
+      <a:schemeClr val="accent3">
+        <a:tint val="40000"/>
+        <a:alpha val="90000"/>
+      </a:schemeClr>
+      <a:schemeClr val="accent4">
+        <a:tint val="40000"/>
+        <a:alpha val="90000"/>
+      </a:schemeClr>
+      <a:schemeClr val="accent5">
+        <a:tint val="40000"/>
+        <a:alpha val="90000"/>
+      </a:schemeClr>
+      <a:schemeClr val="accent6">
+        <a:tint val="40000"/>
+        <a:alpha val="90000"/>
+      </a:schemeClr>
+    </dgm:linClrLst>
+    <dgm:effectClrLst/>
+    <dgm:txLinClrLst/>
+    <dgm:txFillClrLst meth="repeat">
+      <a:schemeClr val="dk1"/>
+    </dgm:txFillClrLst>
+    <dgm:txEffectClrLst/>
+  </dgm:styleLbl>
+  <dgm:styleLbl name="fgAcc0">
+    <dgm:fillClrLst meth="repeat">
+      <a:schemeClr val="lt1">
+        <a:alpha val="90000"/>
+      </a:schemeClr>
+    </dgm:fillClrLst>
+    <dgm:linClrLst>
+      <a:schemeClr val="accent1"/>
+    </dgm:linClrLst>
+    <dgm:effectClrLst/>
+    <dgm:txLinClrLst/>
+    <dgm:txFillClrLst meth="repeat">
+      <a:schemeClr val="dk1"/>
+    </dgm:txFillClrLst>
+    <dgm:txEffectClrLst/>
+  </dgm:styleLbl>
+  <dgm:styleLbl name="fgAcc2">
+    <dgm:fillClrLst meth="repeat">
+      <a:schemeClr val="lt1">
+        <a:alpha val="90000"/>
+      </a:schemeClr>
+    </dgm:fillClrLst>
+    <dgm:linClrLst>
+      <a:schemeClr val="accent2"/>
+    </dgm:linClrLst>
+    <dgm:effectClrLst/>
+    <dgm:txLinClrLst/>
+    <dgm:txFillClrLst meth="repeat">
+      <a:schemeClr val="dk1"/>
+    </dgm:txFillClrLst>
+    <dgm:txEffectClrLst/>
+  </dgm:styleLbl>
+  <dgm:styleLbl name="fgAcc3">
+    <dgm:fillClrLst meth="repeat">
+      <a:schemeClr val="lt1">
+        <a:alpha val="90000"/>
+      </a:schemeClr>
+    </dgm:fillClrLst>
+    <dgm:linClrLst>
+      <a:schemeClr val="accent3"/>
+    </dgm:linClrLst>
+    <dgm:effectClrLst/>
+    <dgm:txLinClrLst/>
+    <dgm:txFillClrLst meth="repeat">
+      <a:schemeClr val="dk1"/>
+    </dgm:txFillClrLst>
+    <dgm:txEffectClrLst/>
+  </dgm:styleLbl>
+  <dgm:styleLbl name="fgAcc4">
+    <dgm:fillClrLst meth="repeat">
+      <a:schemeClr val="lt1">
+        <a:alpha val="90000"/>
+      </a:schemeClr>
+    </dgm:fillClrLst>
+    <dgm:linClrLst>
+      <a:schemeClr val="accent4"/>
+    </dgm:linClrLst>
+    <dgm:effectClrLst/>
+    <dgm:txLinClrLst/>
+    <dgm:txFillClrLst meth="repeat">
+      <a:schemeClr val="dk1"/>
+    </dgm:txFillClrLst>
+    <dgm:txEffectClrLst/>
+  </dgm:styleLbl>
+  <dgm:styleLbl name="bgShp">
+    <dgm:fillClrLst meth="repeat">
+      <a:schemeClr val="accent2"/>
+      <a:schemeClr val="accent3"/>
+      <a:schemeClr val="accent4"/>
+      <a:schemeClr val="accent5"/>
+      <a:schemeClr val="accent6"/>
+    </dgm:fillClrLst>
+    <dgm:linClrLst meth="repeat">
+      <a:schemeClr val="lt1">
+        <a:alpha val="0"/>
+      </a:schemeClr>
+    </dgm:linClrLst>
+    <dgm:effectClrLst/>
+    <dgm:txLinClrLst/>
+    <dgm:txFillClrLst/>
+    <dgm:txEffectClrLst/>
+  </dgm:styleLbl>
+  <dgm:styleLbl name="dkBgShp">
+    <dgm:fillClrLst meth="repeat">
+      <a:schemeClr val="accent2">
+        <a:shade val="90000"/>
+      </a:schemeClr>
+    </dgm:fillClrLst>
+    <dgm:linClrLst meth="repeat">
+      <a:schemeClr val="dk1"/>
+    </dgm:linClrLst>
+    <dgm:effectClrLst/>
+    <dgm:txLinClrLst/>
+    <dgm:txFillClrLst meth="repeat">
+      <a:schemeClr val="lt1"/>
+    </dgm:txFillClrLst>
+    <dgm:txEffectClrLst/>
+  </dgm:styleLbl>
+  <dgm:styleLbl name="trBgShp">
+    <dgm:fillClrLst meth="repeat">
+      <a:schemeClr val="accent1">
+        <a:tint val="50000"/>
+        <a:alpha val="40000"/>
+      </a:schemeClr>
+    </dgm:fillClrLst>
+    <dgm:linClrLst meth="repeat">
+      <a:schemeClr val="accent2"/>
+    </dgm:linClrLst>
+    <dgm:effectClrLst/>
+    <dgm:txLinClrLst/>
+    <dgm:txFillClrLst meth="repeat">
+      <a:schemeClr val="lt1"/>
+    </dgm:txFillClrLst>
+    <dgm:txEffectClrLst/>
+  </dgm:styleLbl>
+  <dgm:styleLbl name="fgShp">
+    <dgm:fillClrLst meth="repeat">
+      <a:schemeClr val="accent2">
+        <a:tint val="40000"/>
+      </a:schemeClr>
+    </dgm:fillClrLst>
+    <dgm:linClrLst meth="repeat">
+      <a:schemeClr val="lt1"/>
+    </dgm:linClrLst>
+    <dgm:effectClrLst/>
+    <dgm:txLinClrLst/>
+    <dgm:txFillClrLst meth="repeat">
+      <a:schemeClr val="dk1"/>
+    </dgm:txFillClrLst>
+    <dgm:txEffectClrLst/>
+  </dgm:styleLbl>
+  <dgm:styleLbl name="revTx">
+    <dgm:fillClrLst meth="repeat">
+      <a:schemeClr val="lt1">
+        <a:alpha val="0"/>
+      </a:schemeClr>
+    </dgm:fillClrLst>
+    <dgm:linClrLst meth="repeat">
+      <a:schemeClr val="dk1">
+        <a:alpha val="0"/>
+      </a:schemeClr>
+    </dgm:linClrLst>
+    <dgm:effectClrLst/>
+    <dgm:txLinClrLst/>
+    <dgm:txFillClrLst meth="repeat">
+      <a:schemeClr val="tx1"/>
+    </dgm:txFillClrLst>
+    <dgm:txEffectClrLst/>
+  </dgm:styleLbl>
+</dgm:colorsDef>
+</file>
+
+<file path=ppt/diagrams/data1.xml><?xml version="1.0" encoding="utf-8"?>
+<dgm:dataModel xmlns:dgm="http://schemas.openxmlformats.org/drawingml/2006/diagram" xmlns:a="http://schemas.openxmlformats.org/drawingml/2006/main">
+  <dgm:ptLst>
+    <dgm:pt modelId="{AF03D74A-BC1D-4931-A796-A2C6BF631EAE}" type="doc">
+      <dgm:prSet loTypeId="urn:microsoft.com/office/officeart/2018/5/layout/IconLeafLabelList" loCatId="icon" qsTypeId="urn:microsoft.com/office/officeart/2005/8/quickstyle/simple1" qsCatId="simple" csTypeId="urn:microsoft.com/office/officeart/2018/5/colors/Iconchunking_neutralicon_colorful1" csCatId="colorful" phldr="1"/>
+      <dgm:spPr/>
+      <dgm:t>
+        <a:bodyPr/>
+        <a:lstStyle/>
+        <a:p>
+          <a:endParaRPr lang="en-US"/>
+        </a:p>
+      </dgm:t>
+    </dgm:pt>
+    <dgm:pt modelId="{F84DCECD-CB22-4EB4-B83B-DF06247DC059}">
+      <dgm:prSet/>
+      <dgm:spPr/>
+      <dgm:t>
+        <a:bodyPr/>
+        <a:lstStyle/>
+        <a:p>
+          <a:pPr>
+            <a:defRPr cap="all"/>
+          </a:pPr>
+          <a:r>
+            <a:rPr lang="pl-PL" dirty="0" err="1"/>
+            <a:t>What</a:t>
+          </a:r>
+          <a:r>
+            <a:rPr lang="pl-PL" dirty="0"/>
+            <a:t> </a:t>
+          </a:r>
+          <a:r>
+            <a:rPr lang="pl-PL" dirty="0" err="1"/>
+            <a:t>is</a:t>
+          </a:r>
+          <a:r>
+            <a:rPr lang="pl-PL" dirty="0"/>
+            <a:t> </a:t>
+          </a:r>
+          <a:r>
+            <a:rPr lang="pl-PL" dirty="0" err="1"/>
+            <a:t>clean</a:t>
+          </a:r>
+          <a:r>
+            <a:rPr lang="pl-PL" dirty="0"/>
+            <a:t> </a:t>
+          </a:r>
+          <a:r>
+            <a:rPr lang="pl-PL" dirty="0" err="1"/>
+            <a:t>code</a:t>
+          </a:r>
+          <a:r>
+            <a:rPr lang="pl-PL" dirty="0"/>
+            <a:t>?</a:t>
+          </a:r>
+          <a:endParaRPr lang="en-US" dirty="0"/>
+        </a:p>
+      </dgm:t>
+    </dgm:pt>
+    <dgm:pt modelId="{E9596609-F684-43A2-8750-0B87DF034CF0}" type="parTrans" cxnId="{7EC03AFE-03E4-415D-A8EA-2795E5CB1EA6}">
+      <dgm:prSet/>
+      <dgm:spPr/>
+      <dgm:t>
+        <a:bodyPr/>
+        <a:lstStyle/>
+        <a:p>
+          <a:endParaRPr lang="en-US"/>
+        </a:p>
+      </dgm:t>
+    </dgm:pt>
+    <dgm:pt modelId="{A7BD2CCC-3E5D-4536-98BA-03FC4B6DAB06}" type="sibTrans" cxnId="{7EC03AFE-03E4-415D-A8EA-2795E5CB1EA6}">
+      <dgm:prSet/>
+      <dgm:spPr/>
+      <dgm:t>
+        <a:bodyPr/>
+        <a:lstStyle/>
+        <a:p>
+          <a:endParaRPr lang="en-US"/>
+        </a:p>
+      </dgm:t>
+    </dgm:pt>
+    <dgm:pt modelId="{BA3744D3-9D53-4A15-BBE2-7E722144AD83}">
+      <dgm:prSet/>
+      <dgm:spPr/>
+      <dgm:t>
+        <a:bodyPr/>
+        <a:lstStyle/>
+        <a:p>
+          <a:pPr>
+            <a:defRPr cap="all"/>
+          </a:pPr>
+          <a:r>
+            <a:rPr lang="pl-PL"/>
+            <a:t>Handy practices</a:t>
+          </a:r>
+          <a:endParaRPr lang="en-US"/>
+        </a:p>
+      </dgm:t>
+    </dgm:pt>
+    <dgm:pt modelId="{3563F041-C9F9-4D7A-9720-0EC9BF468CD9}" type="parTrans" cxnId="{FC2CF3EE-1F80-4059-AB0E-7A338E02F770}">
+      <dgm:prSet/>
+      <dgm:spPr/>
+      <dgm:t>
+        <a:bodyPr/>
+        <a:lstStyle/>
+        <a:p>
+          <a:endParaRPr lang="en-US"/>
+        </a:p>
+      </dgm:t>
+    </dgm:pt>
+    <dgm:pt modelId="{CB038B40-B4FA-4CB6-B6DA-3388FB66FAFE}" type="sibTrans" cxnId="{FC2CF3EE-1F80-4059-AB0E-7A338E02F770}">
+      <dgm:prSet/>
+      <dgm:spPr/>
+      <dgm:t>
+        <a:bodyPr/>
+        <a:lstStyle/>
+        <a:p>
+          <a:endParaRPr lang="en-US"/>
+        </a:p>
+      </dgm:t>
+    </dgm:pt>
+    <dgm:pt modelId="{CB7BF656-FCC4-4CA2-965C-21C41935E921}">
+      <dgm:prSet/>
+      <dgm:spPr/>
+      <dgm:t>
+        <a:bodyPr/>
+        <a:lstStyle/>
+        <a:p>
+          <a:pPr>
+            <a:defRPr cap="all"/>
+          </a:pPr>
+          <a:r>
+            <a:rPr lang="pl-PL" dirty="0" err="1"/>
+            <a:t>Clean</a:t>
+          </a:r>
+          <a:r>
+            <a:rPr lang="pl-PL" dirty="0"/>
+            <a:t> </a:t>
+          </a:r>
+          <a:r>
+            <a:rPr lang="pl-PL" dirty="0" err="1"/>
+            <a:t>architecture</a:t>
+          </a:r>
+          <a:r>
+            <a:rPr lang="pl-PL" dirty="0"/>
+            <a:t> </a:t>
+          </a:r>
+          <a:r>
+            <a:rPr lang="pl-PL" dirty="0" err="1"/>
+            <a:t>overview</a:t>
+          </a:r>
+          <a:r>
+            <a:rPr lang="pl-PL" dirty="0"/>
+            <a:t> </a:t>
+          </a:r>
+          <a:endParaRPr lang="en-US" dirty="0"/>
+        </a:p>
+      </dgm:t>
+    </dgm:pt>
+    <dgm:pt modelId="{1FC166B6-2D98-424C-B56A-DFF371038258}" type="parTrans" cxnId="{6A37BB08-7177-4439-8CA5-7FB02EF8354A}">
+      <dgm:prSet/>
+      <dgm:spPr/>
+      <dgm:t>
+        <a:bodyPr/>
+        <a:lstStyle/>
+        <a:p>
+          <a:endParaRPr lang="en-US"/>
+        </a:p>
+      </dgm:t>
+    </dgm:pt>
+    <dgm:pt modelId="{33FCA695-C190-40B0-AE51-5CFFAB0E0EE3}" type="sibTrans" cxnId="{6A37BB08-7177-4439-8CA5-7FB02EF8354A}">
+      <dgm:prSet/>
+      <dgm:spPr/>
+      <dgm:t>
+        <a:bodyPr/>
+        <a:lstStyle/>
+        <a:p>
+          <a:endParaRPr lang="en-US"/>
+        </a:p>
+      </dgm:t>
+    </dgm:pt>
+    <dgm:pt modelId="{C5424BE9-FCB6-4942-9867-44F9E4739404}">
+      <dgm:prSet/>
+      <dgm:spPr/>
+      <dgm:t>
+        <a:bodyPr/>
+        <a:lstStyle/>
+        <a:p>
+          <a:pPr>
+            <a:defRPr cap="all"/>
+          </a:pPr>
+          <a:r>
+            <a:rPr lang="pl-PL"/>
+            <a:t>Questions?</a:t>
+          </a:r>
+          <a:endParaRPr lang="en-US"/>
+        </a:p>
+      </dgm:t>
+    </dgm:pt>
+    <dgm:pt modelId="{1DF7515C-3C0C-4CD4-9AFD-3BC747F7A4D2}" type="parTrans" cxnId="{3D42BF8A-44D5-458C-A864-1B3E4D493C83}">
+      <dgm:prSet/>
+      <dgm:spPr/>
+      <dgm:t>
+        <a:bodyPr/>
+        <a:lstStyle/>
+        <a:p>
+          <a:endParaRPr lang="en-US"/>
+        </a:p>
+      </dgm:t>
+    </dgm:pt>
+    <dgm:pt modelId="{A6D0B241-DFA2-45FD-ACE9-0FA3DC32FC49}" type="sibTrans" cxnId="{3D42BF8A-44D5-458C-A864-1B3E4D493C83}">
+      <dgm:prSet/>
+      <dgm:spPr/>
+      <dgm:t>
+        <a:bodyPr/>
+        <a:lstStyle/>
+        <a:p>
+          <a:endParaRPr lang="en-US"/>
+        </a:p>
+      </dgm:t>
+    </dgm:pt>
+    <dgm:pt modelId="{17F5825A-9DE3-478D-A6E2-32D9CEFC996C}" type="pres">
+      <dgm:prSet presAssocID="{AF03D74A-BC1D-4931-A796-A2C6BF631EAE}" presName="root" presStyleCnt="0">
+        <dgm:presLayoutVars>
+          <dgm:dir/>
+          <dgm:resizeHandles val="exact"/>
+        </dgm:presLayoutVars>
+      </dgm:prSet>
+      <dgm:spPr/>
+    </dgm:pt>
+    <dgm:pt modelId="{898C37DC-B0EB-4225-AA7D-A56710003C17}" type="pres">
+      <dgm:prSet presAssocID="{F84DCECD-CB22-4EB4-B83B-DF06247DC059}" presName="compNode" presStyleCnt="0"/>
+      <dgm:spPr/>
+    </dgm:pt>
+    <dgm:pt modelId="{EE5C5A24-E464-47AD-9907-6599920C29AE}" type="pres">
+      <dgm:prSet presAssocID="{F84DCECD-CB22-4EB4-B83B-DF06247DC059}" presName="iconBgRect" presStyleLbl="bgShp" presStyleIdx="0" presStyleCnt="4"/>
+      <dgm:spPr>
+        <a:prstGeom prst="round2DiagRect">
+          <a:avLst>
+            <a:gd name="adj1" fmla="val 29727"/>
+            <a:gd name="adj2" fmla="val 0"/>
+          </a:avLst>
+        </a:prstGeom>
+      </dgm:spPr>
+    </dgm:pt>
+    <dgm:pt modelId="{D9AEA811-41F2-46EE-B129-A1BC82C813D1}" type="pres">
+      <dgm:prSet presAssocID="{F84DCECD-CB22-4EB4-B83B-DF06247DC059}" presName="iconRect" presStyleLbl="node1" presStyleIdx="0" presStyleCnt="4"/>
+      <dgm:spPr>
+        <a:blipFill>
+          <a:blip xmlns:r="http://schemas.openxmlformats.org/officeDocument/2006/relationships" r:embed="rId1">
+            <a:extLst>
+              <a:ext uri="{96DAC541-7B7A-43D3-8B79-37D633B846F1}">
+                <asvg:svgBlip xmlns:asvg="http://schemas.microsoft.com/office/drawing/2016/SVG/main" r:embed="rId2"/>
+              </a:ext>
+            </a:extLst>
+          </a:blip>
+          <a:srcRect/>
+          <a:stretch>
+            <a:fillRect/>
+          </a:stretch>
+        </a:blipFill>
+        <a:ln>
+          <a:noFill/>
+        </a:ln>
+      </dgm:spPr>
+      <dgm:extLst>
+        <a:ext uri="{E40237B7-FDA0-4F09-8148-C483321AD2D9}">
+          <dgm14:cNvPr xmlns:dgm14="http://schemas.microsoft.com/office/drawing/2010/diagram" id="0" name="" descr="Question mark"/>
+        </a:ext>
+      </dgm:extLst>
+    </dgm:pt>
+    <dgm:pt modelId="{C4B109D1-8A58-43C3-A49F-EDA07409A6F2}" type="pres">
+      <dgm:prSet presAssocID="{F84DCECD-CB22-4EB4-B83B-DF06247DC059}" presName="spaceRect" presStyleCnt="0"/>
+      <dgm:spPr/>
+    </dgm:pt>
+    <dgm:pt modelId="{025B054F-F5E6-4463-B2E2-A137FA09ACBA}" type="pres">
+      <dgm:prSet presAssocID="{F84DCECD-CB22-4EB4-B83B-DF06247DC059}" presName="textRect" presStyleLbl="revTx" presStyleIdx="0" presStyleCnt="4">
+        <dgm:presLayoutVars>
+          <dgm:chMax val="1"/>
+          <dgm:chPref val="1"/>
+        </dgm:presLayoutVars>
+      </dgm:prSet>
+      <dgm:spPr/>
+    </dgm:pt>
+    <dgm:pt modelId="{8E6F35C1-A618-427A-8CD1-86C4A32D689B}" type="pres">
+      <dgm:prSet presAssocID="{A7BD2CCC-3E5D-4536-98BA-03FC4B6DAB06}" presName="sibTrans" presStyleCnt="0"/>
+      <dgm:spPr/>
+    </dgm:pt>
+    <dgm:pt modelId="{B84CEBA6-74FA-4F1F-B355-131ECAF3D7D0}" type="pres">
+      <dgm:prSet presAssocID="{BA3744D3-9D53-4A15-BBE2-7E722144AD83}" presName="compNode" presStyleCnt="0"/>
+      <dgm:spPr/>
+    </dgm:pt>
+    <dgm:pt modelId="{7054438D-740E-4200-8CB3-6545B047A9E7}" type="pres">
+      <dgm:prSet presAssocID="{BA3744D3-9D53-4A15-BBE2-7E722144AD83}" presName="iconBgRect" presStyleLbl="bgShp" presStyleIdx="1" presStyleCnt="4"/>
+      <dgm:spPr>
+        <a:prstGeom prst="round2DiagRect">
+          <a:avLst>
+            <a:gd name="adj1" fmla="val 29727"/>
+            <a:gd name="adj2" fmla="val 0"/>
+          </a:avLst>
+        </a:prstGeom>
+      </dgm:spPr>
+    </dgm:pt>
+    <dgm:pt modelId="{935DA558-5825-417E-8E92-79469BEA3655}" type="pres">
+      <dgm:prSet presAssocID="{BA3744D3-9D53-4A15-BBE2-7E722144AD83}" presName="iconRect" presStyleLbl="node1" presStyleIdx="1" presStyleCnt="4"/>
+      <dgm:spPr>
+        <a:blipFill>
+          <a:blip xmlns:r="http://schemas.openxmlformats.org/officeDocument/2006/relationships" r:embed="rId3">
+            <a:extLst>
+              <a:ext uri="{96DAC541-7B7A-43D3-8B79-37D633B846F1}">
+                <asvg:svgBlip xmlns:asvg="http://schemas.microsoft.com/office/drawing/2016/SVG/main" r:embed="rId4"/>
+              </a:ext>
+            </a:extLst>
+          </a:blip>
+          <a:srcRect/>
+          <a:stretch>
+            <a:fillRect/>
+          </a:stretch>
+        </a:blipFill>
+        <a:ln>
+          <a:noFill/>
+        </a:ln>
+      </dgm:spPr>
+      <dgm:extLst>
+        <a:ext uri="{E40237B7-FDA0-4F09-8148-C483321AD2D9}">
+          <dgm14:cNvPr xmlns:dgm14="http://schemas.microsoft.com/office/drawing/2010/diagram" id="0" name="" descr="Dance steps"/>
+        </a:ext>
+      </dgm:extLst>
+    </dgm:pt>
+    <dgm:pt modelId="{E33F9D17-E1AA-48D1-B0FF-7434D3ED6F57}" type="pres">
+      <dgm:prSet presAssocID="{BA3744D3-9D53-4A15-BBE2-7E722144AD83}" presName="spaceRect" presStyleCnt="0"/>
+      <dgm:spPr/>
+    </dgm:pt>
+    <dgm:pt modelId="{12FCDB0E-45B6-40D3-A4B0-98A75C8171FA}" type="pres">
+      <dgm:prSet presAssocID="{BA3744D3-9D53-4A15-BBE2-7E722144AD83}" presName="textRect" presStyleLbl="revTx" presStyleIdx="1" presStyleCnt="4">
+        <dgm:presLayoutVars>
+          <dgm:chMax val="1"/>
+          <dgm:chPref val="1"/>
+        </dgm:presLayoutVars>
+      </dgm:prSet>
+      <dgm:spPr/>
+    </dgm:pt>
+    <dgm:pt modelId="{583EC37D-774A-4A7C-89CD-791DA825F785}" type="pres">
+      <dgm:prSet presAssocID="{CB038B40-B4FA-4CB6-B6DA-3388FB66FAFE}" presName="sibTrans" presStyleCnt="0"/>
+      <dgm:spPr/>
+    </dgm:pt>
+    <dgm:pt modelId="{5905DE41-8602-4331-A873-732F0A479367}" type="pres">
+      <dgm:prSet presAssocID="{CB7BF656-FCC4-4CA2-965C-21C41935E921}" presName="compNode" presStyleCnt="0"/>
+      <dgm:spPr/>
+    </dgm:pt>
+    <dgm:pt modelId="{4BD3E295-DD57-45B8-A90C-5A16D568BF3B}" type="pres">
+      <dgm:prSet presAssocID="{CB7BF656-FCC4-4CA2-965C-21C41935E921}" presName="iconBgRect" presStyleLbl="bgShp" presStyleIdx="2" presStyleCnt="4"/>
+      <dgm:spPr>
+        <a:prstGeom prst="round2DiagRect">
+          <a:avLst>
+            <a:gd name="adj1" fmla="val 29727"/>
+            <a:gd name="adj2" fmla="val 0"/>
+          </a:avLst>
+        </a:prstGeom>
+      </dgm:spPr>
+    </dgm:pt>
+    <dgm:pt modelId="{09880F79-9076-4F04-898E-A0C4578878D0}" type="pres">
+      <dgm:prSet presAssocID="{CB7BF656-FCC4-4CA2-965C-21C41935E921}" presName="iconRect" presStyleLbl="node1" presStyleIdx="2" presStyleCnt="4"/>
+      <dgm:spPr>
+        <a:blipFill>
+          <a:blip xmlns:r="http://schemas.openxmlformats.org/officeDocument/2006/relationships" r:embed="rId5">
+            <a:extLst>
+              <a:ext uri="{96DAC541-7B7A-43D3-8B79-37D633B846F1}">
+                <asvg:svgBlip xmlns:asvg="http://schemas.microsoft.com/office/drawing/2016/SVG/main" r:embed="rId6"/>
+              </a:ext>
+            </a:extLst>
+          </a:blip>
+          <a:srcRect/>
+          <a:stretch>
+            <a:fillRect/>
+          </a:stretch>
+        </a:blipFill>
+        <a:ln>
+          <a:noFill/>
+        </a:ln>
+      </dgm:spPr>
+      <dgm:extLst>
+        <a:ext uri="{E40237B7-FDA0-4F09-8148-C483321AD2D9}">
+          <dgm14:cNvPr xmlns:dgm14="http://schemas.microsoft.com/office/drawing/2010/diagram" id="0" name="" descr="City"/>
+        </a:ext>
+      </dgm:extLst>
+    </dgm:pt>
+    <dgm:pt modelId="{6C9F0221-FF05-4BA4-8606-0B35D506FF57}" type="pres">
+      <dgm:prSet presAssocID="{CB7BF656-FCC4-4CA2-965C-21C41935E921}" presName="spaceRect" presStyleCnt="0"/>
+      <dgm:spPr/>
+    </dgm:pt>
+    <dgm:pt modelId="{082D04FA-12B4-47EC-B433-418C236770FA}" type="pres">
+      <dgm:prSet presAssocID="{CB7BF656-FCC4-4CA2-965C-21C41935E921}" presName="textRect" presStyleLbl="revTx" presStyleIdx="2" presStyleCnt="4">
+        <dgm:presLayoutVars>
+          <dgm:chMax val="1"/>
+          <dgm:chPref val="1"/>
+        </dgm:presLayoutVars>
+      </dgm:prSet>
+      <dgm:spPr/>
+    </dgm:pt>
+    <dgm:pt modelId="{8085794F-7C92-4CF5-90CE-F9EE53ACE0F2}" type="pres">
+      <dgm:prSet presAssocID="{33FCA695-C190-40B0-AE51-5CFFAB0E0EE3}" presName="sibTrans" presStyleCnt="0"/>
+      <dgm:spPr/>
+    </dgm:pt>
+    <dgm:pt modelId="{1FAFBF29-C1B9-4B74-8972-0CA161741538}" type="pres">
+      <dgm:prSet presAssocID="{C5424BE9-FCB6-4942-9867-44F9E4739404}" presName="compNode" presStyleCnt="0"/>
+      <dgm:spPr/>
+    </dgm:pt>
+    <dgm:pt modelId="{FACC293C-E9CD-4B53-BA92-14D91B63D5F7}" type="pres">
+      <dgm:prSet presAssocID="{C5424BE9-FCB6-4942-9867-44F9E4739404}" presName="iconBgRect" presStyleLbl="bgShp" presStyleIdx="3" presStyleCnt="4"/>
+      <dgm:spPr>
+        <a:prstGeom prst="round2DiagRect">
+          <a:avLst>
+            <a:gd name="adj1" fmla="val 29727"/>
+            <a:gd name="adj2" fmla="val 0"/>
+          </a:avLst>
+        </a:prstGeom>
+      </dgm:spPr>
+    </dgm:pt>
+    <dgm:pt modelId="{F5FE08FF-D0DC-4E58-BC44-D9A87DF5B9C3}" type="pres">
+      <dgm:prSet presAssocID="{C5424BE9-FCB6-4942-9867-44F9E4739404}" presName="iconRect" presStyleLbl="node1" presStyleIdx="3" presStyleCnt="4"/>
+      <dgm:spPr>
+        <a:blipFill>
+          <a:blip xmlns:r="http://schemas.openxmlformats.org/officeDocument/2006/relationships" r:embed="rId7">
+            <a:extLst>
+              <a:ext uri="{28A0092B-C50C-407E-A947-70E740481C1C}">
+                <a14:useLocalDpi xmlns:a14="http://schemas.microsoft.com/office/drawing/2010/main" val="0"/>
+              </a:ext>
+              <a:ext uri="{96DAC541-7B7A-43D3-8B79-37D633B846F1}">
+                <asvg:svgBlip xmlns:asvg="http://schemas.microsoft.com/office/drawing/2016/SVG/main" r:embed="rId8"/>
+              </a:ext>
+            </a:extLst>
+          </a:blip>
+          <a:stretch>
+            <a:fillRect/>
+          </a:stretch>
+        </a:blipFill>
+        <a:ln>
+          <a:noFill/>
+        </a:ln>
+      </dgm:spPr>
+      <dgm:extLst>
+        <a:ext uri="{E40237B7-FDA0-4F09-8148-C483321AD2D9}">
+          <dgm14:cNvPr xmlns:dgm14="http://schemas.microsoft.com/office/drawing/2010/diagram" id="0" name="" descr="Questions"/>
+        </a:ext>
+      </dgm:extLst>
+    </dgm:pt>
+    <dgm:pt modelId="{5686AB51-482B-4740-8D00-E3F5C6D4915D}" type="pres">
+      <dgm:prSet presAssocID="{C5424BE9-FCB6-4942-9867-44F9E4739404}" presName="spaceRect" presStyleCnt="0"/>
+      <dgm:spPr/>
+    </dgm:pt>
+    <dgm:pt modelId="{C0C4A855-EF90-4DDA-A263-C56957CAFF4B}" type="pres">
+      <dgm:prSet presAssocID="{C5424BE9-FCB6-4942-9867-44F9E4739404}" presName="textRect" presStyleLbl="revTx" presStyleIdx="3" presStyleCnt="4">
+        <dgm:presLayoutVars>
+          <dgm:chMax val="1"/>
+          <dgm:chPref val="1"/>
+        </dgm:presLayoutVars>
+      </dgm:prSet>
+      <dgm:spPr/>
+    </dgm:pt>
+  </dgm:ptLst>
+  <dgm:cxnLst>
+    <dgm:cxn modelId="{F6D63706-0374-4B56-B8B8-3D5CD2AD6925}" type="presOf" srcId="{F84DCECD-CB22-4EB4-B83B-DF06247DC059}" destId="{025B054F-F5E6-4463-B2E2-A137FA09ACBA}" srcOrd="0" destOrd="0" presId="urn:microsoft.com/office/officeart/2018/5/layout/IconLeafLabelList"/>
+    <dgm:cxn modelId="{6A37BB08-7177-4439-8CA5-7FB02EF8354A}" srcId="{AF03D74A-BC1D-4931-A796-A2C6BF631EAE}" destId="{CB7BF656-FCC4-4CA2-965C-21C41935E921}" srcOrd="2" destOrd="0" parTransId="{1FC166B6-2D98-424C-B56A-DFF371038258}" sibTransId="{33FCA695-C190-40B0-AE51-5CFFAB0E0EE3}"/>
+    <dgm:cxn modelId="{AF1AC60E-A82C-499A-80D2-0D8E98463E77}" type="presOf" srcId="{BA3744D3-9D53-4A15-BBE2-7E722144AD83}" destId="{12FCDB0E-45B6-40D3-A4B0-98A75C8171FA}" srcOrd="0" destOrd="0" presId="urn:microsoft.com/office/officeart/2018/5/layout/IconLeafLabelList"/>
+    <dgm:cxn modelId="{0451F548-DF6D-4665-ABF3-F5D18828D0F6}" type="presOf" srcId="{AF03D74A-BC1D-4931-A796-A2C6BF631EAE}" destId="{17F5825A-9DE3-478D-A6E2-32D9CEFC996C}" srcOrd="0" destOrd="0" presId="urn:microsoft.com/office/officeart/2018/5/layout/IconLeafLabelList"/>
+    <dgm:cxn modelId="{92447072-57C6-4905-B5EF-4217418E9A2C}" type="presOf" srcId="{C5424BE9-FCB6-4942-9867-44F9E4739404}" destId="{C0C4A855-EF90-4DDA-A263-C56957CAFF4B}" srcOrd="0" destOrd="0" presId="urn:microsoft.com/office/officeart/2018/5/layout/IconLeafLabelList"/>
+    <dgm:cxn modelId="{3D42BF8A-44D5-458C-A864-1B3E4D493C83}" srcId="{AF03D74A-BC1D-4931-A796-A2C6BF631EAE}" destId="{C5424BE9-FCB6-4942-9867-44F9E4739404}" srcOrd="3" destOrd="0" parTransId="{1DF7515C-3C0C-4CD4-9AFD-3BC747F7A4D2}" sibTransId="{A6D0B241-DFA2-45FD-ACE9-0FA3DC32FC49}"/>
+    <dgm:cxn modelId="{0A17A0A2-6BA3-4B81-A02D-EF0179B90470}" type="presOf" srcId="{CB7BF656-FCC4-4CA2-965C-21C41935E921}" destId="{082D04FA-12B4-47EC-B433-418C236770FA}" srcOrd="0" destOrd="0" presId="urn:microsoft.com/office/officeart/2018/5/layout/IconLeafLabelList"/>
+    <dgm:cxn modelId="{FC2CF3EE-1F80-4059-AB0E-7A338E02F770}" srcId="{AF03D74A-BC1D-4931-A796-A2C6BF631EAE}" destId="{BA3744D3-9D53-4A15-BBE2-7E722144AD83}" srcOrd="1" destOrd="0" parTransId="{3563F041-C9F9-4D7A-9720-0EC9BF468CD9}" sibTransId="{CB038B40-B4FA-4CB6-B6DA-3388FB66FAFE}"/>
+    <dgm:cxn modelId="{7EC03AFE-03E4-415D-A8EA-2795E5CB1EA6}" srcId="{AF03D74A-BC1D-4931-A796-A2C6BF631EAE}" destId="{F84DCECD-CB22-4EB4-B83B-DF06247DC059}" srcOrd="0" destOrd="0" parTransId="{E9596609-F684-43A2-8750-0B87DF034CF0}" sibTransId="{A7BD2CCC-3E5D-4536-98BA-03FC4B6DAB06}"/>
+    <dgm:cxn modelId="{038BA716-F121-4A91-A1C8-F7EFCDCE0875}" type="presParOf" srcId="{17F5825A-9DE3-478D-A6E2-32D9CEFC996C}" destId="{898C37DC-B0EB-4225-AA7D-A56710003C17}" srcOrd="0" destOrd="0" presId="urn:microsoft.com/office/officeart/2018/5/layout/IconLeafLabelList"/>
+    <dgm:cxn modelId="{58989DFC-2332-4018-8772-BA90375E310A}" type="presParOf" srcId="{898C37DC-B0EB-4225-AA7D-A56710003C17}" destId="{EE5C5A24-E464-47AD-9907-6599920C29AE}" srcOrd="0" destOrd="0" presId="urn:microsoft.com/office/officeart/2018/5/layout/IconLeafLabelList"/>
+    <dgm:cxn modelId="{3D8192A2-1BFD-4138-AE17-C2A172DDDA1A}" type="presParOf" srcId="{898C37DC-B0EB-4225-AA7D-A56710003C17}" destId="{D9AEA811-41F2-46EE-B129-A1BC82C813D1}" srcOrd="1" destOrd="0" presId="urn:microsoft.com/office/officeart/2018/5/layout/IconLeafLabelList"/>
+    <dgm:cxn modelId="{DC79EFE7-EB1F-41A8-A7B2-9D54A4B0E8FE}" type="presParOf" srcId="{898C37DC-B0EB-4225-AA7D-A56710003C17}" destId="{C4B109D1-8A58-43C3-A49F-EDA07409A6F2}" srcOrd="2" destOrd="0" presId="urn:microsoft.com/office/officeart/2018/5/layout/IconLeafLabelList"/>
+    <dgm:cxn modelId="{9860E421-A64E-42FD-AA64-32EC70646F9E}" type="presParOf" srcId="{898C37DC-B0EB-4225-AA7D-A56710003C17}" destId="{025B054F-F5E6-4463-B2E2-A137FA09ACBA}" srcOrd="3" destOrd="0" presId="urn:microsoft.com/office/officeart/2018/5/layout/IconLeafLabelList"/>
+    <dgm:cxn modelId="{19D98538-7E4F-467A-8549-3DEC5737BEDA}" type="presParOf" srcId="{17F5825A-9DE3-478D-A6E2-32D9CEFC996C}" destId="{8E6F35C1-A618-427A-8CD1-86C4A32D689B}" srcOrd="1" destOrd="0" presId="urn:microsoft.com/office/officeart/2018/5/layout/IconLeafLabelList"/>
+    <dgm:cxn modelId="{0EB84569-82C8-46E8-A7D4-2571C0E33D74}" type="presParOf" srcId="{17F5825A-9DE3-478D-A6E2-32D9CEFC996C}" destId="{B84CEBA6-74FA-4F1F-B355-131ECAF3D7D0}" srcOrd="2" destOrd="0" presId="urn:microsoft.com/office/officeart/2018/5/layout/IconLeafLabelList"/>
+    <dgm:cxn modelId="{7B742A0F-0513-410F-B8C5-D22CFF58F17E}" type="presParOf" srcId="{B84CEBA6-74FA-4F1F-B355-131ECAF3D7D0}" destId="{7054438D-740E-4200-8CB3-6545B047A9E7}" srcOrd="0" destOrd="0" presId="urn:microsoft.com/office/officeart/2018/5/layout/IconLeafLabelList"/>
+    <dgm:cxn modelId="{1359494A-3BCF-4DF2-B7DC-3D68E0F8C022}" type="presParOf" srcId="{B84CEBA6-74FA-4F1F-B355-131ECAF3D7D0}" destId="{935DA558-5825-417E-8E92-79469BEA3655}" srcOrd="1" destOrd="0" presId="urn:microsoft.com/office/officeart/2018/5/layout/IconLeafLabelList"/>
+    <dgm:cxn modelId="{C322263F-7739-422A-8F63-CB1D30AE4D74}" type="presParOf" srcId="{B84CEBA6-74FA-4F1F-B355-131ECAF3D7D0}" destId="{E33F9D17-E1AA-48D1-B0FF-7434D3ED6F57}" srcOrd="2" destOrd="0" presId="urn:microsoft.com/office/officeart/2018/5/layout/IconLeafLabelList"/>
+    <dgm:cxn modelId="{90D6370B-177F-41FE-BCD5-462F7E9D4F08}" type="presParOf" srcId="{B84CEBA6-74FA-4F1F-B355-131ECAF3D7D0}" destId="{12FCDB0E-45B6-40D3-A4B0-98A75C8171FA}" srcOrd="3" destOrd="0" presId="urn:microsoft.com/office/officeart/2018/5/layout/IconLeafLabelList"/>
+    <dgm:cxn modelId="{D5BBFDBA-3CD3-43C6-A4D7-9F8475FE3D69}" type="presParOf" srcId="{17F5825A-9DE3-478D-A6E2-32D9CEFC996C}" destId="{583EC37D-774A-4A7C-89CD-791DA825F785}" srcOrd="3" destOrd="0" presId="urn:microsoft.com/office/officeart/2018/5/layout/IconLeafLabelList"/>
+    <dgm:cxn modelId="{2F527106-743F-4E4D-8366-371A05191E63}" type="presParOf" srcId="{17F5825A-9DE3-478D-A6E2-32D9CEFC996C}" destId="{5905DE41-8602-4331-A873-732F0A479367}" srcOrd="4" destOrd="0" presId="urn:microsoft.com/office/officeart/2018/5/layout/IconLeafLabelList"/>
+    <dgm:cxn modelId="{9735494F-DDC0-46ED-AA62-EFF5BA1A5876}" type="presParOf" srcId="{5905DE41-8602-4331-A873-732F0A479367}" destId="{4BD3E295-DD57-45B8-A90C-5A16D568BF3B}" srcOrd="0" destOrd="0" presId="urn:microsoft.com/office/officeart/2018/5/layout/IconLeafLabelList"/>
+    <dgm:cxn modelId="{3C2A48C4-C095-4343-BBD4-AE1A9E2CF258}" type="presParOf" srcId="{5905DE41-8602-4331-A873-732F0A479367}" destId="{09880F79-9076-4F04-898E-A0C4578878D0}" srcOrd="1" destOrd="0" presId="urn:microsoft.com/office/officeart/2018/5/layout/IconLeafLabelList"/>
+    <dgm:cxn modelId="{CD32A22B-EF2D-4EDC-86A6-9F7075660517}" type="presParOf" srcId="{5905DE41-8602-4331-A873-732F0A479367}" destId="{6C9F0221-FF05-4BA4-8606-0B35D506FF57}" srcOrd="2" destOrd="0" presId="urn:microsoft.com/office/officeart/2018/5/layout/IconLeafLabelList"/>
+    <dgm:cxn modelId="{1FCC154E-BFEE-4002-ACD7-30B96C855F3C}" type="presParOf" srcId="{5905DE41-8602-4331-A873-732F0A479367}" destId="{082D04FA-12B4-47EC-B433-418C236770FA}" srcOrd="3" destOrd="0" presId="urn:microsoft.com/office/officeart/2018/5/layout/IconLeafLabelList"/>
+    <dgm:cxn modelId="{968F1D33-934D-41B9-B536-502FD19B4213}" type="presParOf" srcId="{17F5825A-9DE3-478D-A6E2-32D9CEFC996C}" destId="{8085794F-7C92-4CF5-90CE-F9EE53ACE0F2}" srcOrd="5" destOrd="0" presId="urn:microsoft.com/office/officeart/2018/5/layout/IconLeafLabelList"/>
+    <dgm:cxn modelId="{A7A69080-EA1B-46DE-BC0E-21BA5213237B}" type="presParOf" srcId="{17F5825A-9DE3-478D-A6E2-32D9CEFC996C}" destId="{1FAFBF29-C1B9-4B74-8972-0CA161741538}" srcOrd="6" destOrd="0" presId="urn:microsoft.com/office/officeart/2018/5/layout/IconLeafLabelList"/>
+    <dgm:cxn modelId="{AB0472DE-705F-4FE2-9A6A-52F0A841255C}" type="presParOf" srcId="{1FAFBF29-C1B9-4B74-8972-0CA161741538}" destId="{FACC293C-E9CD-4B53-BA92-14D91B63D5F7}" srcOrd="0" destOrd="0" presId="urn:microsoft.com/office/officeart/2018/5/layout/IconLeafLabelList"/>
+    <dgm:cxn modelId="{3CCC7927-0318-4FC7-9D5C-656797FEA195}" type="presParOf" srcId="{1FAFBF29-C1B9-4B74-8972-0CA161741538}" destId="{F5FE08FF-D0DC-4E58-BC44-D9A87DF5B9C3}" srcOrd="1" destOrd="0" presId="urn:microsoft.com/office/officeart/2018/5/layout/IconLeafLabelList"/>
+    <dgm:cxn modelId="{814E728A-2CDF-4949-AB9C-B4D4E3EDD175}" type="presParOf" srcId="{1FAFBF29-C1B9-4B74-8972-0CA161741538}" destId="{5686AB51-482B-4740-8D00-E3F5C6D4915D}" srcOrd="2" destOrd="0" presId="urn:microsoft.com/office/officeart/2018/5/layout/IconLeafLabelList"/>
+    <dgm:cxn modelId="{CF704E48-4FB2-4803-82BD-FF3B97A17E1D}" type="presParOf" srcId="{1FAFBF29-C1B9-4B74-8972-0CA161741538}" destId="{C0C4A855-EF90-4DDA-A263-C56957CAFF4B}" srcOrd="3" destOrd="0" presId="urn:microsoft.com/office/officeart/2018/5/layout/IconLeafLabelList"/>
+  </dgm:cxnLst>
+  <dgm:bg/>
+  <dgm:whole/>
+  <dgm:extLst>
+    <a:ext uri="http://schemas.microsoft.com/office/drawing/2008/diagram">
+      <dsp:dataModelExt xmlns:dsp="http://schemas.microsoft.com/office/drawing/2008/diagram" relId="rId7" minVer="http://schemas.openxmlformats.org/drawingml/2006/diagram"/>
+    </a:ext>
+  </dgm:extLst>
+</dgm:dataModel>
+</file>
+
+<file path=ppt/diagrams/drawing1.xml><?xml version="1.0" encoding="utf-8"?>
+<dsp:drawing xmlns:dgm="http://schemas.openxmlformats.org/drawingml/2006/diagram" xmlns:dsp="http://schemas.microsoft.com/office/drawing/2008/diagram" xmlns:a="http://schemas.openxmlformats.org/drawingml/2006/main">
+  <dsp:spTree>
+    <dsp:nvGrpSpPr>
+      <dsp:cNvPr id="0" name=""/>
+      <dsp:cNvGrpSpPr/>
+    </dsp:nvGrpSpPr>
+    <dsp:grpSpPr/>
+    <dsp:sp modelId="{EE5C5A24-E464-47AD-9907-6599920C29AE}">
+      <dsp:nvSpPr>
+        <dsp:cNvPr id="0" name=""/>
+        <dsp:cNvSpPr/>
+      </dsp:nvSpPr>
+      <dsp:spPr>
+        <a:xfrm>
+          <a:off x="1564455" y="87889"/>
+          <a:ext cx="1292904" cy="1292904"/>
+        </a:xfrm>
+        <a:prstGeom prst="round2DiagRect">
+          <a:avLst>
+            <a:gd name="adj1" fmla="val 29727"/>
+            <a:gd name="adj2" fmla="val 0"/>
+          </a:avLst>
+        </a:prstGeom>
+        <a:solidFill>
+          <a:schemeClr val="accent2">
+            <a:hueOff val="0"/>
+            <a:satOff val="0"/>
+            <a:lumOff val="0"/>
+            <a:alphaOff val="0"/>
+          </a:schemeClr>
+        </a:solidFill>
+        <a:ln>
+          <a:noFill/>
+        </a:ln>
+        <a:effectLst/>
+      </dsp:spPr>
+      <dsp:style>
+        <a:lnRef idx="0">
+          <a:scrgbClr r="0" g="0" b="0"/>
+        </a:lnRef>
+        <a:fillRef idx="1">
+          <a:scrgbClr r="0" g="0" b="0"/>
+        </a:fillRef>
+        <a:effectRef idx="0">
+          <a:scrgbClr r="0" g="0" b="0"/>
+        </a:effectRef>
+        <a:fontRef idx="minor"/>
+      </dsp:style>
+    </dsp:sp>
+    <dsp:sp modelId="{D9AEA811-41F2-46EE-B129-A1BC82C813D1}">
+      <dsp:nvSpPr>
+        <dsp:cNvPr id="0" name=""/>
+        <dsp:cNvSpPr/>
+      </dsp:nvSpPr>
+      <dsp:spPr>
+        <a:xfrm>
+          <a:off x="1839992" y="363426"/>
+          <a:ext cx="741830" cy="741830"/>
+        </a:xfrm>
+        <a:prstGeom prst="rect">
+          <a:avLst/>
+        </a:prstGeom>
+        <a:blipFill>
+          <a:blip xmlns:r="http://schemas.openxmlformats.org/officeDocument/2006/relationships" r:embed="rId1">
+            <a:extLst>
+              <a:ext uri="{96DAC541-7B7A-43D3-8B79-37D633B846F1}">
+                <asvg:svgBlip xmlns:asvg="http://schemas.microsoft.com/office/drawing/2016/SVG/main" r:embed="rId2"/>
+              </a:ext>
+            </a:extLst>
+          </a:blip>
+          <a:srcRect/>
+          <a:stretch>
+            <a:fillRect/>
+          </a:stretch>
+        </a:blipFill>
+        <a:ln w="12700" cap="flat" cmpd="sng" algn="ctr">
+          <a:noFill/>
+          <a:prstDash val="solid"/>
+          <a:miter lim="800000"/>
+        </a:ln>
+        <a:effectLst/>
+      </dsp:spPr>
+      <dsp:style>
+        <a:lnRef idx="2">
+          <a:scrgbClr r="0" g="0" b="0"/>
+        </a:lnRef>
+        <a:fillRef idx="1">
+          <a:scrgbClr r="0" g="0" b="0"/>
+        </a:fillRef>
+        <a:effectRef idx="0">
+          <a:scrgbClr r="0" g="0" b="0"/>
+        </a:effectRef>
+        <a:fontRef idx="minor">
+          <a:schemeClr val="lt1"/>
+        </a:fontRef>
+      </dsp:style>
+    </dsp:sp>
+    <dsp:sp modelId="{025B054F-F5E6-4463-B2E2-A137FA09ACBA}">
+      <dsp:nvSpPr>
+        <dsp:cNvPr id="0" name=""/>
+        <dsp:cNvSpPr/>
+      </dsp:nvSpPr>
+      <dsp:spPr>
+        <a:xfrm>
+          <a:off x="1151149" y="1783502"/>
+          <a:ext cx="2119515" cy="720000"/>
+        </a:xfrm>
+        <a:prstGeom prst="rect">
+          <a:avLst/>
+        </a:prstGeom>
+        <a:noFill/>
+        <a:ln>
+          <a:noFill/>
+        </a:ln>
+        <a:effectLst/>
+      </dsp:spPr>
+      <dsp:style>
+        <a:lnRef idx="0">
+          <a:scrgbClr r="0" g="0" b="0"/>
+        </a:lnRef>
+        <a:fillRef idx="0">
+          <a:scrgbClr r="0" g="0" b="0"/>
+        </a:fillRef>
+        <a:effectRef idx="0">
+          <a:scrgbClr r="0" g="0" b="0"/>
+        </a:effectRef>
+        <a:fontRef idx="minor"/>
+      </dsp:style>
+      <dsp:txBody>
+        <a:bodyPr spcFirstLastPara="0" vert="horz" wrap="square" lIns="0" tIns="0" rIns="0" bIns="0" numCol="1" spcCol="1270" anchor="t" anchorCtr="0">
+          <a:noAutofit/>
+        </a:bodyPr>
+        <a:lstStyle/>
+        <a:p>
+          <a:pPr marL="0" lvl="0" indent="0" algn="ctr" defTabSz="755650">
+            <a:lnSpc>
+              <a:spcPct val="90000"/>
+            </a:lnSpc>
+            <a:spcBef>
+              <a:spcPct val="0"/>
+            </a:spcBef>
+            <a:spcAft>
+              <a:spcPct val="35000"/>
+            </a:spcAft>
+            <a:buNone/>
+            <a:defRPr cap="all"/>
+          </a:pPr>
+          <a:r>
+            <a:rPr lang="pl-PL" sz="1700" kern="1200" dirty="0" err="1"/>
+            <a:t>What</a:t>
+          </a:r>
+          <a:r>
+            <a:rPr lang="pl-PL" sz="1700" kern="1200" dirty="0"/>
+            <a:t> </a:t>
+          </a:r>
+          <a:r>
+            <a:rPr lang="pl-PL" sz="1700" kern="1200" dirty="0" err="1"/>
+            <a:t>is</a:t>
+          </a:r>
+          <a:r>
+            <a:rPr lang="pl-PL" sz="1700" kern="1200" dirty="0"/>
+            <a:t> </a:t>
+          </a:r>
+          <a:r>
+            <a:rPr lang="pl-PL" sz="1700" kern="1200" dirty="0" err="1"/>
+            <a:t>clean</a:t>
+          </a:r>
+          <a:r>
+            <a:rPr lang="pl-PL" sz="1700" kern="1200" dirty="0"/>
+            <a:t> </a:t>
+          </a:r>
+          <a:r>
+            <a:rPr lang="pl-PL" sz="1700" kern="1200" dirty="0" err="1"/>
+            <a:t>code</a:t>
+          </a:r>
+          <a:r>
+            <a:rPr lang="pl-PL" sz="1700" kern="1200" dirty="0"/>
+            <a:t>?</a:t>
+          </a:r>
+          <a:endParaRPr lang="en-US" sz="1700" kern="1200" dirty="0"/>
+        </a:p>
+      </dsp:txBody>
+      <dsp:txXfrm>
+        <a:off x="1151149" y="1783502"/>
+        <a:ext cx="2119515" cy="720000"/>
+      </dsp:txXfrm>
+    </dsp:sp>
+    <dsp:sp modelId="{7054438D-740E-4200-8CB3-6545B047A9E7}">
+      <dsp:nvSpPr>
+        <dsp:cNvPr id="0" name=""/>
+        <dsp:cNvSpPr/>
+      </dsp:nvSpPr>
+      <dsp:spPr>
+        <a:xfrm>
+          <a:off x="4054885" y="87889"/>
+          <a:ext cx="1292904" cy="1292904"/>
+        </a:xfrm>
+        <a:prstGeom prst="round2DiagRect">
+          <a:avLst>
+            <a:gd name="adj1" fmla="val 29727"/>
+            <a:gd name="adj2" fmla="val 0"/>
+          </a:avLst>
+        </a:prstGeom>
+        <a:solidFill>
+          <a:schemeClr val="accent3">
+            <a:hueOff val="0"/>
+            <a:satOff val="0"/>
+            <a:lumOff val="0"/>
+            <a:alphaOff val="0"/>
+          </a:schemeClr>
+        </a:solidFill>
+        <a:ln>
+          <a:noFill/>
+        </a:ln>
+        <a:effectLst/>
+      </dsp:spPr>
+      <dsp:style>
+        <a:lnRef idx="0">
+          <a:scrgbClr r="0" g="0" b="0"/>
+        </a:lnRef>
+        <a:fillRef idx="1">
+          <a:scrgbClr r="0" g="0" b="0"/>
+        </a:fillRef>
+        <a:effectRef idx="0">
+          <a:scrgbClr r="0" g="0" b="0"/>
+        </a:effectRef>
+        <a:fontRef idx="minor"/>
+      </dsp:style>
+    </dsp:sp>
+    <dsp:sp modelId="{935DA558-5825-417E-8E92-79469BEA3655}">
+      <dsp:nvSpPr>
+        <dsp:cNvPr id="0" name=""/>
+        <dsp:cNvSpPr/>
+      </dsp:nvSpPr>
+      <dsp:spPr>
+        <a:xfrm>
+          <a:off x="4330422" y="363426"/>
+          <a:ext cx="741830" cy="741830"/>
+        </a:xfrm>
+        <a:prstGeom prst="rect">
+          <a:avLst/>
+        </a:prstGeom>
+        <a:blipFill>
+          <a:blip xmlns:r="http://schemas.openxmlformats.org/officeDocument/2006/relationships" r:embed="rId3">
+            <a:extLst>
+              <a:ext uri="{96DAC541-7B7A-43D3-8B79-37D633B846F1}">
+                <asvg:svgBlip xmlns:asvg="http://schemas.microsoft.com/office/drawing/2016/SVG/main" r:embed="rId4"/>
+              </a:ext>
+            </a:extLst>
+          </a:blip>
+          <a:srcRect/>
+          <a:stretch>
+            <a:fillRect/>
+          </a:stretch>
+        </a:blipFill>
+        <a:ln w="12700" cap="flat" cmpd="sng" algn="ctr">
+          <a:noFill/>
+          <a:prstDash val="solid"/>
+          <a:miter lim="800000"/>
+        </a:ln>
+        <a:effectLst/>
+      </dsp:spPr>
+      <dsp:style>
+        <a:lnRef idx="2">
+          <a:scrgbClr r="0" g="0" b="0"/>
+        </a:lnRef>
+        <a:fillRef idx="1">
+          <a:scrgbClr r="0" g="0" b="0"/>
+        </a:fillRef>
+        <a:effectRef idx="0">
+          <a:scrgbClr r="0" g="0" b="0"/>
+        </a:effectRef>
+        <a:fontRef idx="minor">
+          <a:schemeClr val="lt1"/>
+        </a:fontRef>
+      </dsp:style>
+    </dsp:sp>
+    <dsp:sp modelId="{12FCDB0E-45B6-40D3-A4B0-98A75C8171FA}">
+      <dsp:nvSpPr>
+        <dsp:cNvPr id="0" name=""/>
+        <dsp:cNvSpPr/>
+      </dsp:nvSpPr>
+      <dsp:spPr>
+        <a:xfrm>
+          <a:off x="3641580" y="1783502"/>
+          <a:ext cx="2119515" cy="720000"/>
+        </a:xfrm>
+        <a:prstGeom prst="rect">
+          <a:avLst/>
+        </a:prstGeom>
+        <a:noFill/>
+        <a:ln>
+          <a:noFill/>
+        </a:ln>
+        <a:effectLst/>
+      </dsp:spPr>
+      <dsp:style>
+        <a:lnRef idx="0">
+          <a:scrgbClr r="0" g="0" b="0"/>
+        </a:lnRef>
+        <a:fillRef idx="0">
+          <a:scrgbClr r="0" g="0" b="0"/>
+        </a:fillRef>
+        <a:effectRef idx="0">
+          <a:scrgbClr r="0" g="0" b="0"/>
+        </a:effectRef>
+        <a:fontRef idx="minor"/>
+      </dsp:style>
+      <dsp:txBody>
+        <a:bodyPr spcFirstLastPara="0" vert="horz" wrap="square" lIns="0" tIns="0" rIns="0" bIns="0" numCol="1" spcCol="1270" anchor="t" anchorCtr="0">
+          <a:noAutofit/>
+        </a:bodyPr>
+        <a:lstStyle/>
+        <a:p>
+          <a:pPr marL="0" lvl="0" indent="0" algn="ctr" defTabSz="755650">
+            <a:lnSpc>
+              <a:spcPct val="90000"/>
+            </a:lnSpc>
+            <a:spcBef>
+              <a:spcPct val="0"/>
+            </a:spcBef>
+            <a:spcAft>
+              <a:spcPct val="35000"/>
+            </a:spcAft>
+            <a:buNone/>
+            <a:defRPr cap="all"/>
+          </a:pPr>
+          <a:r>
+            <a:rPr lang="pl-PL" sz="1700" kern="1200"/>
+            <a:t>Handy practices</a:t>
+          </a:r>
+          <a:endParaRPr lang="en-US" sz="1700" kern="1200"/>
+        </a:p>
+      </dsp:txBody>
+      <dsp:txXfrm>
+        <a:off x="3641580" y="1783502"/>
+        <a:ext cx="2119515" cy="720000"/>
+      </dsp:txXfrm>
+    </dsp:sp>
+    <dsp:sp modelId="{4BD3E295-DD57-45B8-A90C-5A16D568BF3B}">
+      <dsp:nvSpPr>
+        <dsp:cNvPr id="0" name=""/>
+        <dsp:cNvSpPr/>
+      </dsp:nvSpPr>
+      <dsp:spPr>
+        <a:xfrm>
+          <a:off x="1564455" y="3033380"/>
+          <a:ext cx="1292904" cy="1292904"/>
+        </a:xfrm>
+        <a:prstGeom prst="round2DiagRect">
+          <a:avLst>
+            <a:gd name="adj1" fmla="val 29727"/>
+            <a:gd name="adj2" fmla="val 0"/>
+          </a:avLst>
+        </a:prstGeom>
+        <a:solidFill>
+          <a:schemeClr val="accent4">
+            <a:hueOff val="0"/>
+            <a:satOff val="0"/>
+            <a:lumOff val="0"/>
+            <a:alphaOff val="0"/>
+          </a:schemeClr>
+        </a:solidFill>
+        <a:ln>
+          <a:noFill/>
+        </a:ln>
+        <a:effectLst/>
+      </dsp:spPr>
+      <dsp:style>
+        <a:lnRef idx="0">
+          <a:scrgbClr r="0" g="0" b="0"/>
+        </a:lnRef>
+        <a:fillRef idx="1">
+          <a:scrgbClr r="0" g="0" b="0"/>
+        </a:fillRef>
+        <a:effectRef idx="0">
+          <a:scrgbClr r="0" g="0" b="0"/>
+        </a:effectRef>
+        <a:fontRef idx="minor"/>
+      </dsp:style>
+    </dsp:sp>
+    <dsp:sp modelId="{09880F79-9076-4F04-898E-A0C4578878D0}">
+      <dsp:nvSpPr>
+        <dsp:cNvPr id="0" name=""/>
+        <dsp:cNvSpPr/>
+      </dsp:nvSpPr>
+      <dsp:spPr>
+        <a:xfrm>
+          <a:off x="1839992" y="3308917"/>
+          <a:ext cx="741830" cy="741830"/>
+        </a:xfrm>
+        <a:prstGeom prst="rect">
+          <a:avLst/>
+        </a:prstGeom>
+        <a:blipFill>
+          <a:blip xmlns:r="http://schemas.openxmlformats.org/officeDocument/2006/relationships" r:embed="rId5">
+            <a:extLst>
+              <a:ext uri="{96DAC541-7B7A-43D3-8B79-37D633B846F1}">
+                <asvg:svgBlip xmlns:asvg="http://schemas.microsoft.com/office/drawing/2016/SVG/main" r:embed="rId6"/>
+              </a:ext>
+            </a:extLst>
+          </a:blip>
+          <a:srcRect/>
+          <a:stretch>
+            <a:fillRect/>
+          </a:stretch>
+        </a:blipFill>
+        <a:ln w="12700" cap="flat" cmpd="sng" algn="ctr">
+          <a:noFill/>
+          <a:prstDash val="solid"/>
+          <a:miter lim="800000"/>
+        </a:ln>
+        <a:effectLst/>
+      </dsp:spPr>
+      <dsp:style>
+        <a:lnRef idx="2">
+          <a:scrgbClr r="0" g="0" b="0"/>
+        </a:lnRef>
+        <a:fillRef idx="1">
+          <a:scrgbClr r="0" g="0" b="0"/>
+        </a:fillRef>
+        <a:effectRef idx="0">
+          <a:scrgbClr r="0" g="0" b="0"/>
+        </a:effectRef>
+        <a:fontRef idx="minor">
+          <a:schemeClr val="lt1"/>
+        </a:fontRef>
+      </dsp:style>
+    </dsp:sp>
+    <dsp:sp modelId="{082D04FA-12B4-47EC-B433-418C236770FA}">
+      <dsp:nvSpPr>
+        <dsp:cNvPr id="0" name=""/>
+        <dsp:cNvSpPr/>
+      </dsp:nvSpPr>
+      <dsp:spPr>
+        <a:xfrm>
+          <a:off x="1151149" y="4728993"/>
+          <a:ext cx="2119515" cy="720000"/>
+        </a:xfrm>
+        <a:prstGeom prst="rect">
+          <a:avLst/>
+        </a:prstGeom>
+        <a:noFill/>
+        <a:ln>
+          <a:noFill/>
+        </a:ln>
+        <a:effectLst/>
+      </dsp:spPr>
+      <dsp:style>
+        <a:lnRef idx="0">
+          <a:scrgbClr r="0" g="0" b="0"/>
+        </a:lnRef>
+        <a:fillRef idx="0">
+          <a:scrgbClr r="0" g="0" b="0"/>
+        </a:fillRef>
+        <a:effectRef idx="0">
+          <a:scrgbClr r="0" g="0" b="0"/>
+        </a:effectRef>
+        <a:fontRef idx="minor"/>
+      </dsp:style>
+      <dsp:txBody>
+        <a:bodyPr spcFirstLastPara="0" vert="horz" wrap="square" lIns="0" tIns="0" rIns="0" bIns="0" numCol="1" spcCol="1270" anchor="t" anchorCtr="0">
+          <a:noAutofit/>
+        </a:bodyPr>
+        <a:lstStyle/>
+        <a:p>
+          <a:pPr marL="0" lvl="0" indent="0" algn="ctr" defTabSz="755650">
+            <a:lnSpc>
+              <a:spcPct val="90000"/>
+            </a:lnSpc>
+            <a:spcBef>
+              <a:spcPct val="0"/>
+            </a:spcBef>
+            <a:spcAft>
+              <a:spcPct val="35000"/>
+            </a:spcAft>
+            <a:buNone/>
+            <a:defRPr cap="all"/>
+          </a:pPr>
+          <a:r>
+            <a:rPr lang="pl-PL" sz="1700" kern="1200" dirty="0" err="1"/>
+            <a:t>Clean</a:t>
+          </a:r>
+          <a:r>
+            <a:rPr lang="pl-PL" sz="1700" kern="1200" dirty="0"/>
+            <a:t> </a:t>
+          </a:r>
+          <a:r>
+            <a:rPr lang="pl-PL" sz="1700" kern="1200" dirty="0" err="1"/>
+            <a:t>architecture</a:t>
+          </a:r>
+          <a:r>
+            <a:rPr lang="pl-PL" sz="1700" kern="1200" dirty="0"/>
+            <a:t> </a:t>
+          </a:r>
+          <a:r>
+            <a:rPr lang="pl-PL" sz="1700" kern="1200" dirty="0" err="1"/>
+            <a:t>overview</a:t>
+          </a:r>
+          <a:r>
+            <a:rPr lang="pl-PL" sz="1700" kern="1200" dirty="0"/>
+            <a:t> </a:t>
+          </a:r>
+          <a:endParaRPr lang="en-US" sz="1700" kern="1200" dirty="0"/>
+        </a:p>
+      </dsp:txBody>
+      <dsp:txXfrm>
+        <a:off x="1151149" y="4728993"/>
+        <a:ext cx="2119515" cy="720000"/>
+      </dsp:txXfrm>
+    </dsp:sp>
+    <dsp:sp modelId="{FACC293C-E9CD-4B53-BA92-14D91B63D5F7}">
+      <dsp:nvSpPr>
+        <dsp:cNvPr id="0" name=""/>
+        <dsp:cNvSpPr/>
+      </dsp:nvSpPr>
+      <dsp:spPr>
+        <a:xfrm>
+          <a:off x="4054885" y="3033380"/>
+          <a:ext cx="1292904" cy="1292904"/>
+        </a:xfrm>
+        <a:prstGeom prst="round2DiagRect">
+          <a:avLst>
+            <a:gd name="adj1" fmla="val 29727"/>
+            <a:gd name="adj2" fmla="val 0"/>
+          </a:avLst>
+        </a:prstGeom>
+        <a:solidFill>
+          <a:schemeClr val="accent5">
+            <a:hueOff val="0"/>
+            <a:satOff val="0"/>
+            <a:lumOff val="0"/>
+            <a:alphaOff val="0"/>
+          </a:schemeClr>
+        </a:solidFill>
+        <a:ln>
+          <a:noFill/>
+        </a:ln>
+        <a:effectLst/>
+      </dsp:spPr>
+      <dsp:style>
+        <a:lnRef idx="0">
+          <a:scrgbClr r="0" g="0" b="0"/>
+        </a:lnRef>
+        <a:fillRef idx="1">
+          <a:scrgbClr r="0" g="0" b="0"/>
+        </a:fillRef>
+        <a:effectRef idx="0">
+          <a:scrgbClr r="0" g="0" b="0"/>
+        </a:effectRef>
+        <a:fontRef idx="minor"/>
+      </dsp:style>
+    </dsp:sp>
+    <dsp:sp modelId="{F5FE08FF-D0DC-4E58-BC44-D9A87DF5B9C3}">
+      <dsp:nvSpPr>
+        <dsp:cNvPr id="0" name=""/>
+        <dsp:cNvSpPr/>
+      </dsp:nvSpPr>
+      <dsp:spPr>
+        <a:xfrm>
+          <a:off x="4330422" y="3308917"/>
+          <a:ext cx="741830" cy="741830"/>
+        </a:xfrm>
+        <a:prstGeom prst="rect">
+          <a:avLst/>
+        </a:prstGeom>
+        <a:blipFill>
+          <a:blip xmlns:r="http://schemas.openxmlformats.org/officeDocument/2006/relationships" r:embed="rId7">
+            <a:extLst>
+              <a:ext uri="{28A0092B-C50C-407E-A947-70E740481C1C}">
+                <a14:useLocalDpi xmlns:a14="http://schemas.microsoft.com/office/drawing/2010/main" val="0"/>
+              </a:ext>
+              <a:ext uri="{96DAC541-7B7A-43D3-8B79-37D633B846F1}">
+                <asvg:svgBlip xmlns:asvg="http://schemas.microsoft.com/office/drawing/2016/SVG/main" r:embed="rId8"/>
+              </a:ext>
+            </a:extLst>
+          </a:blip>
+          <a:stretch>
+            <a:fillRect/>
+          </a:stretch>
+        </a:blipFill>
+        <a:ln w="12700" cap="flat" cmpd="sng" algn="ctr">
+          <a:noFill/>
+          <a:prstDash val="solid"/>
+          <a:miter lim="800000"/>
+        </a:ln>
+        <a:effectLst/>
+      </dsp:spPr>
+      <dsp:style>
+        <a:lnRef idx="2">
+          <a:scrgbClr r="0" g="0" b="0"/>
+        </a:lnRef>
+        <a:fillRef idx="1">
+          <a:scrgbClr r="0" g="0" b="0"/>
+        </a:fillRef>
+        <a:effectRef idx="0">
+          <a:scrgbClr r="0" g="0" b="0"/>
+        </a:effectRef>
+        <a:fontRef idx="minor">
+          <a:schemeClr val="lt1"/>
+        </a:fontRef>
+      </dsp:style>
+    </dsp:sp>
+    <dsp:sp modelId="{C0C4A855-EF90-4DDA-A263-C56957CAFF4B}">
+      <dsp:nvSpPr>
+        <dsp:cNvPr id="0" name=""/>
+        <dsp:cNvSpPr/>
+      </dsp:nvSpPr>
+      <dsp:spPr>
+        <a:xfrm>
+          <a:off x="3641580" y="4728993"/>
+          <a:ext cx="2119515" cy="720000"/>
+        </a:xfrm>
+        <a:prstGeom prst="rect">
+          <a:avLst/>
+        </a:prstGeom>
+        <a:noFill/>
+        <a:ln>
+          <a:noFill/>
+        </a:ln>
+        <a:effectLst/>
+      </dsp:spPr>
+      <dsp:style>
+        <a:lnRef idx="0">
+          <a:scrgbClr r="0" g="0" b="0"/>
+        </a:lnRef>
+        <a:fillRef idx="0">
+          <a:scrgbClr r="0" g="0" b="0"/>
+        </a:fillRef>
+        <a:effectRef idx="0">
+          <a:scrgbClr r="0" g="0" b="0"/>
+        </a:effectRef>
+        <a:fontRef idx="minor"/>
+      </dsp:style>
+      <dsp:txBody>
+        <a:bodyPr spcFirstLastPara="0" vert="horz" wrap="square" lIns="0" tIns="0" rIns="0" bIns="0" numCol="1" spcCol="1270" anchor="t" anchorCtr="0">
+          <a:noAutofit/>
+        </a:bodyPr>
+        <a:lstStyle/>
+        <a:p>
+          <a:pPr marL="0" lvl="0" indent="0" algn="ctr" defTabSz="755650">
+            <a:lnSpc>
+              <a:spcPct val="90000"/>
+            </a:lnSpc>
+            <a:spcBef>
+              <a:spcPct val="0"/>
+            </a:spcBef>
+            <a:spcAft>
+              <a:spcPct val="35000"/>
+            </a:spcAft>
+            <a:buNone/>
+            <a:defRPr cap="all"/>
+          </a:pPr>
+          <a:r>
+            <a:rPr lang="pl-PL" sz="1700" kern="1200"/>
+            <a:t>Questions?</a:t>
+          </a:r>
+          <a:endParaRPr lang="en-US" sz="1700" kern="1200"/>
+        </a:p>
+      </dsp:txBody>
+      <dsp:txXfrm>
+        <a:off x="3641580" y="4728993"/>
+        <a:ext cx="2119515" cy="720000"/>
+      </dsp:txXfrm>
+    </dsp:sp>
+  </dsp:spTree>
+</dsp:drawing>
+</file>
+
+<file path=ppt/diagrams/layout1.xml><?xml version="1.0" encoding="utf-8"?>
+<dgm:layoutDef xmlns:dgm="http://schemas.openxmlformats.org/drawingml/2006/diagram" xmlns:a="http://schemas.openxmlformats.org/drawingml/2006/main" uniqueId="urn:microsoft.com/office/officeart/2018/5/layout/IconLeafLabelList">
+  <dgm:title val="Icon Leaf Label List"/>
+  <dgm:desc val="Use to show non-sequential or grouped chunks of information accompanied by a related visuals. Works best with icons or small pictures with short text captions."/>
+  <dgm:catLst>
+    <dgm:cat type="icon" pri="500"/>
+  </dgm:catLst>
+  <dgm:sampData useDef="1">
+    <dgm:dataModel>
+      <dgm:ptLst/>
+      <dgm:bg/>
+      <dgm:whole/>
+    </dgm:dataModel>
+  </dgm:sampData>
+  <dgm:styleData useDef="1">
+    <dgm:dataModel>
+      <dgm:ptLst/>
+      <dgm:bg/>
+      <dgm:whole/>
+    </dgm:dataModel>
+  </dgm:styleData>
+  <dgm:clrData useDef="1">
+    <dgm:dataModel>
+      <dgm:ptLst/>
+      <dgm:bg/>
+      <dgm:whole/>
+    </dgm:dataModel>
+  </dgm:clrData>
+  <dgm:layoutNode name="root">
+    <dgm:varLst>
+      <dgm:dir/>
+      <dgm:resizeHandles val="exact"/>
+    </dgm:varLst>
+    <dgm:choose name="Name0">
+      <dgm:if name="Name1" axis="self" func="var" arg="dir" op="equ" val="norm">
+        <dgm:alg type="snake">
+          <dgm:param type="grDir" val="tL"/>
+          <dgm:param type="flowDir" val="row"/>
+          <dgm:param type="contDir" val="sameDir"/>
+          <dgm:param type="off" val="ctr"/>
+          <dgm:param type="vertAlign" val="mid"/>
+          <dgm:param type="horzAlign" val="ctr"/>
+        </dgm:alg>
+      </dgm:if>
+      <dgm:else name="Name2">
+        <dgm:alg type="snake">
+          <dgm:param type="grDir" val="tR"/>
+          <dgm:param type="flowDir" val="row"/>
+          <dgm:param type="contDir" val="sameDir"/>
+          <dgm:param type="off" val="ctr"/>
+          <dgm:param type="vertAlign" val="mid"/>
+          <dgm:param type="horzAlign" val="ctr"/>
+        </dgm:alg>
+      </dgm:else>
+    </dgm:choose>
+    <dgm:shape xmlns:r="http://schemas.openxmlformats.org/officeDocument/2006/relationships" r:blip="">
+      <dgm:adjLst/>
+    </dgm:shape>
+    <dgm:presOf/>
+    <dgm:choose name="Name3">
+      <dgm:if name="Name4" axis="ch" ptType="node" func="cnt" op="lte" val="2">
+        <dgm:constrLst>
+          <dgm:constr type="h" for="ch" forName="compNode" refType="h" fact="0.4"/>
+          <dgm:constr type="w" for="ch" forName="compNode" val="100"/>
+          <dgm:constr type="w" for="ch" forName="sibTrans" refType="w" refFor="ch" refForName="compNode" fact="0.175"/>
+          <dgm:constr type="sp" refType="w" refFor="ch" refForName="compNode" op="equ" fact="0.25"/>
+          <dgm:constr type="primFontSz" for="des" ptType="node" op="equ" val="44"/>
+          <dgm:constr type="h" for="des" forName="compNode" op="equ"/>
+          <dgm:constr type="h" for="des" forName="textRect" op="equ"/>
+        </dgm:constrLst>
+      </dgm:if>
+      <dgm:if name="Name5" axis="ch" ptType="node" func="cnt" op="lte" val="3">
+        <dgm:constrLst>
+          <dgm:constr type="h" for="ch" forName="compNode" refType="h" fact="0.4"/>
+          <dgm:constr type="w" for="ch" forName="compNode" val="100"/>
+          <dgm:constr type="w" for="ch" forName="sibTrans" refType="w" refFor="ch" refForName="compNode" fact="0.175"/>
+          <dgm:constr type="sp" refType="w" refFor="ch" refForName="compNode" op="equ" fact="0.25"/>
+          <dgm:constr type="primFontSz" for="des" ptType="node" op="equ" val="40"/>
+          <dgm:constr type="h" for="des" forName="compNode" op="equ"/>
+          <dgm:constr type="h" for="des" forName="textRect" op="equ"/>
+        </dgm:constrLst>
+      </dgm:if>
+      <dgm:if name="Name6" axis="ch" ptType="node" func="cnt" op="lte" val="4">
+        <dgm:constrLst>
+          <dgm:constr type="h" for="ch" forName="compNode" refType="h" fact="0.4"/>
+          <dgm:constr type="w" for="ch" forName="compNode" refType="w"/>
+          <dgm:constr type="w" for="ch" forName="sibTrans" refType="w" refFor="ch" refForName="compNode" fact="0.175"/>
+          <dgm:constr type="sp" refType="w" refFor="ch" refForName="compNode" op="equ" fact="0.25"/>
+          <dgm:constr type="primFontSz" for="des" ptType="node" op="equ" val="32"/>
+          <dgm:constr type="h" for="des" forName="compNode" op="equ"/>
+          <dgm:constr type="h" for="des" forName="textRect" op="equ"/>
+        </dgm:constrLst>
+      </dgm:if>
+      <dgm:else name="Name7">
+        <dgm:constrLst>
+          <dgm:constr type="h" for="ch" forName="compNode" refType="h" fact="0.4"/>
+          <dgm:constr type="w" for="ch" forName="compNode" refType="w"/>
+          <dgm:constr type="w" for="ch" forName="sibTrans" refType="w" refFor="ch" refForName="compNode" fact="0.175"/>
+          <dgm:constr type="sp" refType="w" refFor="ch" refForName="compNode" op="equ" fact="0.25"/>
+          <dgm:constr type="primFontSz" for="des" ptType="node" op="equ" val="24"/>
+          <dgm:constr type="h" for="des" forName="compNode" op="equ"/>
+          <dgm:constr type="h" for="des" forName="textRect" op="equ"/>
+        </dgm:constrLst>
+      </dgm:else>
+    </dgm:choose>
+    <dgm:ruleLst>
+      <dgm:rule type="w" for="ch" forName="compNode" val="50" fact="NaN" max="NaN"/>
+    </dgm:ruleLst>
+    <dgm:forEach name="Name8" axis="ch" ptType="node">
+      <dgm:layoutNode name="compNode">
+        <dgm:alg type="composite"/>
+        <dgm:shape xmlns:r="http://schemas.openxmlformats.org/officeDocument/2006/relationships" r:blip="">
+          <dgm:adjLst/>
+        </dgm:shape>
+        <dgm:presOf axis="self"/>
+        <dgm:constrLst>
+          <dgm:constr type="w" for="ch" forName="iconBgRect" refType="w" fact="0.61"/>
+          <dgm:constr type="h" for="ch" forName="iconBgRect" refType="w" refFor="ch" refForName="iconBgRect"/>
+          <dgm:constr type="t" for="ch" forName="iconBgRect"/>
+          <dgm:constr type="ctrX" for="ch" forName="iconBgRect" refType="w" fact="0.5"/>
+          <dgm:constr type="w" for="ch" forName="iconRect" refType="w" fact="0.35"/>
+          <dgm:constr type="h" for="ch" forName="iconRect" refType="w" refFor="ch" refForName="iconRect"/>
+          <dgm:constr type="ctrX" for="ch" forName="iconRect" refType="ctrX" refFor="ch" refForName="iconBgRect"/>
+          <dgm:constr type="ctrY" for="ch" forName="iconRect" refType="ctrY" refFor="ch" refForName="iconBgRect"/>
+          <dgm:constr type="h" for="ch" forName="spaceRect" refType="w" fact="0.19"/>
+          <dgm:constr type="w" for="ch" forName="spaceRect" refType="w"/>
+          <dgm:constr type="l" for="ch" forName="spaceRect"/>
+          <dgm:constr type="t" for="ch" forName="spaceRect" refType="b" refFor="ch" refForName="iconBgRect"/>
+          <dgm:constr type="h" for="ch" forName="textRect" val="20"/>
+          <dgm:constr type="w" for="ch" forName="textRect" refType="w"/>
+          <dgm:constr type="l" for="ch" forName="textRect"/>
+          <dgm:constr type="t" for="ch" forName="textRect" refType="b" refFor="ch" refForName="spaceRect"/>
+        </dgm:constrLst>
+        <dgm:ruleLst>
+          <dgm:rule type="h" val="INF" fact="NaN" max="NaN"/>
+        </dgm:ruleLst>
+        <dgm:layoutNode name="iconBgRect" styleLbl="bgShp">
+          <dgm:alg type="sp"/>
+          <dgm:shape xmlns:r="http://schemas.openxmlformats.org/officeDocument/2006/relationships" type="round2DiagRect" r:blip="">
+            <dgm:adjLst/>
+            <dgm:extLst>
+              <a:ext uri="{B698B0E9-8C71-41B9-8309-B3DCBF30829C}">
+                <dgm1612:spPr xmlns:dgm1612="http://schemas.microsoft.com/office/drawing/2016/12/diagram">
+                  <a:prstGeom prst="round2DiagRect">
+                    <a:avLst>
+                      <a:gd name="adj1" fmla="val 29727"/>
+                      <a:gd name="adj2" fmla="val 0"/>
+                    </a:avLst>
+                  </a:prstGeom>
+                </dgm1612:spPr>
+              </a:ext>
+            </dgm:extLst>
+          </dgm:shape>
+          <dgm:presOf/>
+          <dgm:constrLst/>
+          <dgm:ruleLst/>
+        </dgm:layoutNode>
+        <dgm:layoutNode name="iconRect" styleLbl="node1">
+          <dgm:alg type="sp"/>
+          <dgm:shape xmlns:r="http://schemas.openxmlformats.org/officeDocument/2006/relationships" type="rect" r:blip="" blipPhldr="1">
+            <dgm:adjLst/>
+          </dgm:shape>
+          <dgm:presOf/>
+          <dgm:constrLst/>
+          <dgm:ruleLst/>
+        </dgm:layoutNode>
+        <dgm:layoutNode name="spaceRect">
+          <dgm:alg type="sp"/>
+          <dgm:shape xmlns:r="http://schemas.openxmlformats.org/officeDocument/2006/relationships" r:blip="">
+            <dgm:adjLst/>
+          </dgm:shape>
+          <dgm:presOf/>
+          <dgm:constrLst/>
+          <dgm:ruleLst/>
+        </dgm:layoutNode>
+        <dgm:layoutNode name="textRect" styleLbl="revTx">
+          <dgm:varLst>
+            <dgm:chMax val="1"/>
+            <dgm:chPref val="1"/>
+          </dgm:varLst>
+          <dgm:alg type="tx">
+            <dgm:param type="txAnchorVert" val="t"/>
+          </dgm:alg>
+          <dgm:shape xmlns:r="http://schemas.openxmlformats.org/officeDocument/2006/relationships" type="rect" r:blip="">
+            <dgm:adjLst/>
+          </dgm:shape>
+          <dgm:presOf axis="self" ptType="node"/>
+          <dgm:constrLst>
+            <dgm:constr type="lMarg"/>
+            <dgm:constr type="rMarg"/>
+            <dgm:constr type="tMarg"/>
+            <dgm:constr type="bMarg"/>
+          </dgm:constrLst>
+          <dgm:ruleLst>
+            <dgm:rule type="primFontSz" val="11" fact="NaN" max="NaN"/>
+            <dgm:rule type="h" val="INF" fact="NaN" max="NaN"/>
+          </dgm:ruleLst>
+        </dgm:layoutNode>
+      </dgm:layoutNode>
+      <dgm:forEach name="Name9" axis="followSib" ptType="sibTrans" cnt="1">
+        <dgm:layoutNode name="sibTrans">
+          <dgm:alg type="sp"/>
+          <dgm:shape xmlns:r="http://schemas.openxmlformats.org/officeDocument/2006/relationships" r:blip="">
+            <dgm:adjLst/>
+          </dgm:shape>
+          <dgm:presOf axis="self"/>
+          <dgm:constrLst/>
+          <dgm:ruleLst/>
+        </dgm:layoutNode>
+      </dgm:forEach>
+    </dgm:forEach>
+  </dgm:layoutNode>
+  <dgm:extLst>
+    <a:ext uri="{68A01E43-0DF5-4B5B-8FA6-DAF915123BFB}">
+      <dgm1612:lstStyle xmlns:dgm1612="http://schemas.microsoft.com/office/drawing/2016/12/diagram">
+        <a:lvl1pPr>
+          <a:lnSpc>
+            <a:spcPct val="100000"/>
+          </a:lnSpc>
+          <a:defRPr cap="all"/>
+        </a:lvl1pPr>
+      </dgm1612:lstStyle>
+    </a:ext>
+  </dgm:extLst>
+</dgm:layoutDef>
+</file>
+
+<file path=ppt/diagrams/quickStyle1.xml><?xml version="1.0" encoding="utf-8"?>
+<dgm:styleDef xmlns:dgm="http://schemas.openxmlformats.org/drawingml/2006/diagram" xmlns:a="http://schemas.openxmlformats.org/drawingml/2006/main" uniqueId="urn:microsoft.com/office/officeart/2005/8/quickstyle/simple1">
+  <dgm:title val=""/>
+  <dgm:desc val=""/>
+  <dgm:catLst>
+    <dgm:cat type="simple" pri="10100"/>
+  </dgm:catLst>
+  <dgm:scene3d>
+    <a:camera prst="orthographicFront"/>
+    <a:lightRig rig="threePt" dir="t"/>
+  </dgm:scene3d>
+  <dgm:styleLbl name="node0">
+    <dgm:scene3d>
+      <a:camera prst="orthographicFront"/>
+      <a:lightRig rig="threePt" dir="t"/>
+    </dgm:scene3d>
+    <dgm:sp3d/>
+    <dgm:txPr/>
+    <dgm:style>
+      <a:lnRef idx="2">
+        <a:scrgbClr r="0" g="0" b="0"/>
+      </a:lnRef>
+      <a:fillRef idx="1">
+        <a:scrgbClr r="0" g="0" b="0"/>
+      </a:fillRef>
+      <a:effectRef idx="0">
+        <a:scrgbClr r="0" g="0" b="0"/>
+      </a:effectRef>
+      <a:fontRef idx="minor">
+        <a:schemeClr val="lt1"/>
+      </a:fontRef>
+    </dgm:style>
+  </dgm:styleLbl>
+  <dgm:styleLbl name="lnNode1">
+    <dgm:scene3d>
+      <a:camera prst="orthographicFront"/>
+      <a:lightRig rig="threePt" dir="t"/>
+    </dgm:scene3d>
+    <dgm:sp3d/>
+    <dgm:txPr/>
+    <dgm:style>
+      <a:lnRef idx="2">
+        <a:scrgbClr r="0" g="0" b="0"/>
+      </a:lnRef>
+      <a:fillRef idx="1">
+        <a:scrgbClr r="0" g="0" b="0"/>
+      </a:fillRef>
+      <a:effectRef idx="0">
+        <a:scrgbClr r="0" g="0" b="0"/>
+      </a:effectRef>
+      <a:fontRef idx="minor">
+        <a:schemeClr val="lt1"/>
+      </a:fontRef>
+    </dgm:style>
+  </dgm:styleLbl>
+  <dgm:styleLbl name="vennNode1">
+    <dgm:scene3d>
+      <a:camera prst="orthographicFront"/>
+      <a:lightRig rig="threePt" dir="t"/>
+    </dgm:scene3d>
+    <dgm:sp3d/>
+    <dgm:txPr/>
+    <dgm:style>
+      <a:lnRef idx="2">
+        <a:scrgbClr r="0" g="0" b="0"/>
+      </a:lnRef>
+      <a:fillRef idx="1">
+        <a:scrgbClr r="0" g="0" b="0"/>
+      </a:fillRef>
+      <a:effectRef idx="0">
+        <a:scrgbClr r="0" g="0" b="0"/>
+      </a:effectRef>
+      <a:fontRef idx="minor">
+        <a:schemeClr val="tx1"/>
+      </a:fontRef>
+    </dgm:style>
+  </dgm:styleLbl>
+  <dgm:styleLbl name="alignNode1">
+    <dgm:scene3d>
+      <a:camera prst="orthographicFront"/>
+      <a:lightRig rig="threePt" dir="t"/>
+    </dgm:scene3d>
+    <dgm:sp3d/>
+    <dgm:txPr/>
+    <dgm:style>
+      <a:lnRef idx="2">
+        <a:scrgbClr r="0" g="0" b="0"/>
+      </a:lnRef>
+      <a:fillRef idx="1">
+        <a:scrgbClr r="0" g="0" b="0"/>
+      </a:fillRef>
+      <a:effectRef idx="0">
+        <a:scrgbClr r="0" g="0" b="0"/>
+      </a:effectRef>
+      <a:fontRef idx="minor">
+        <a:schemeClr val="lt1"/>
+      </a:fontRef>
+    </dgm:style>
+  </dgm:styleLbl>
+  <dgm:styleLbl name="node1">
+    <dgm:scene3d>
+      <a:camera prst="orthographicFront"/>
+      <a:lightRig rig="threePt" dir="t"/>
+    </dgm:scene3d>
+    <dgm:sp3d/>
+    <dgm:txPr/>
+    <dgm:style>
+      <a:lnRef idx="2">
+        <a:scrgbClr r="0" g="0" b="0"/>
+      </a:lnRef>
+      <a:fillRef idx="1">
+        <a:scrgbClr r="0" g="0" b="0"/>
+      </a:fillRef>
+      <a:effectRef idx="0">
+        <a:scrgbClr r="0" g="0" b="0"/>
+      </a:effectRef>
+      <a:fontRef idx="minor">
+        <a:schemeClr val="lt1"/>
+      </a:fontRef>
+    </dgm:style>
+  </dgm:styleLbl>
+  <dgm:styleLbl name="node2">
+    <dgm:scene3d>
+      <a:camera prst="orthographicFront"/>
+      <a:lightRig rig="threePt" dir="t"/>
+    </dgm:scene3d>
+    <dgm:sp3d/>
+    <dgm:txPr/>
+    <dgm:style>
+      <a:lnRef idx="2">
+        <a:scrgbClr r="0" g="0" b="0"/>
+      </a:lnRef>
+      <a:fillRef idx="1">
+        <a:scrgbClr r="0" g="0" b="0"/>
+      </a:fillRef>
+      <a:effectRef idx="0">
+        <a:scrgbClr r="0" g="0" b="0"/>
+      </a:effectRef>
+      <a:fontRef idx="minor">
+        <a:schemeClr val="lt1"/>
+      </a:fontRef>
+    </dgm:style>
+  </dgm:styleLbl>
+  <dgm:styleLbl name="node3">
+    <dgm:scene3d>
+      <a:camera prst="orthographicFront"/>
+      <a:lightRig rig="threePt" dir="t"/>
+    </dgm:scene3d>
+    <dgm:sp3d/>
+    <dgm:txPr/>
+    <dgm:style>
+      <a:lnRef idx="2">
+        <a:scrgbClr r="0" g="0" b="0"/>
+      </a:lnRef>
+      <a:fillRef idx="1">
+        <a:scrgbClr r="0" g="0" b="0"/>
+      </a:fillRef>
+      <a:effectRef idx="0">
+        <a:scrgbClr r="0" g="0" b="0"/>
+      </a:effectRef>
+      <a:fontRef idx="minor">
+        <a:schemeClr val="lt1"/>
+      </a:fontRef>
+    </dgm:style>
+  </dgm:styleLbl>
+  <dgm:styleLbl name="node4">
+    <dgm:scene3d>
+      <a:camera prst="orthographicFront"/>
+      <a:lightRig rig="threePt" dir="t"/>
+    </dgm:scene3d>
+    <dgm:sp3d/>
+    <dgm:txPr/>
+    <dgm:style>
+      <a:lnRef idx="2">
+        <a:scrgbClr r="0" g="0" b="0"/>
+      </a:lnRef>
+      <a:fillRef idx="1">
+        <a:scrgbClr r="0" g="0" b="0"/>
+      </a:fillRef>
+      <a:effectRef idx="0">
+        <a:scrgbClr r="0" g="0" b="0"/>
+      </a:effectRef>
+      <a:fontRef idx="minor">
+        <a:schemeClr val="lt1"/>
+      </a:fontRef>
+    </dgm:style>
+  </dgm:styleLbl>
+  <dgm:styleLbl name="fgImgPlace1">
+    <dgm:scene3d>
+      <a:camera prst="orthographicFront"/>
+      <a:lightRig rig="threePt" dir="t"/>
+    </dgm:scene3d>
+    <dgm:sp3d/>
+    <dgm:txPr/>
+    <dgm:style>
+      <a:lnRef idx="2">
+        <a:scrgbClr r="0" g="0" b="0"/>
+      </a:lnRef>
+      <a:fillRef idx="1">
+        <a:scrgbClr r="0" g="0" b="0"/>
+      </a:fillRef>
+      <a:effectRef idx="0">
+        <a:scrgbClr r="0" g="0" b="0"/>
+      </a:effectRef>
+      <a:fontRef idx="minor"/>
+    </dgm:style>
+  </dgm:styleLbl>
+  <dgm:styleLbl name="alignImgPlace1">
+    <dgm:scene3d>
+      <a:camera prst="orthographicFront"/>
+      <a:lightRig rig="threePt" dir="t"/>
+    </dgm:scene3d>
+    <dgm:sp3d/>
+    <dgm:txPr/>
+    <dgm:style>
+      <a:lnRef idx="2">
+        <a:scrgbClr r="0" g="0" b="0"/>
+      </a:lnRef>
+      <a:fillRef idx="1">
+        <a:scrgbClr r="0" g="0" b="0"/>
+      </a:fillRef>
+      <a:effectRef idx="0">
+        <a:scrgbClr r="0" g="0" b="0"/>
+      </a:effectRef>
+      <a:fontRef idx="minor"/>
+    </dgm:style>
+  </dgm:styleLbl>
+  <dgm:styleLbl name="bgImgPlace1">
+    <dgm:scene3d>
+      <a:camera prst="orthographicFront"/>
+      <a:lightRig rig="threePt" dir="t"/>
+    </dgm:scene3d>
+    <dgm:sp3d/>
+    <dgm:txPr/>
+    <dgm:style>
+      <a:lnRef idx="2">
+        <a:scrgbClr r="0" g="0" b="0"/>
+      </a:lnRef>
+      <a:fillRef idx="1">
+        <a:scrgbClr r="0" g="0" b="0"/>
+      </a:fillRef>
+      <a:effectRef idx="0">
+        <a:scrgbClr r="0" g="0" b="0"/>
+      </a:effectRef>
+      <a:fontRef idx="minor"/>
+    </dgm:style>
+  </dgm:styleLbl>
+  <dgm:styleLbl name="sibTrans2D1">
+    <dgm:scene3d>
+      <a:camera prst="orthographicFront"/>
+      <a:lightRig rig="threePt" dir="t"/>
+    </dgm:scene3d>
+    <dgm:sp3d/>
+    <dgm:txPr/>
+    <dgm:style>
+      <a:lnRef idx="0">
+        <a:scrgbClr r="0" g="0" b="0"/>
+      </a:lnRef>
+      <a:fillRef idx="1">
+        <a:scrgbClr r="0" g="0" b="0"/>
+      </a:fillRef>
+      <a:effectRef idx="0">
+        <a:scrgbClr r="0" g="0" b="0"/>
+      </a:effectRef>
+      <a:fontRef idx="minor">
+        <a:schemeClr val="lt1"/>
+      </a:fontRef>
+    </dgm:style>
+  </dgm:styleLbl>
+  <dgm:styleLbl name="fgSibTrans2D1">
+    <dgm:scene3d>
+      <a:camera prst="orthographicFront"/>
+      <a:lightRig rig="threePt" dir="t"/>
+    </dgm:scene3d>
+    <dgm:sp3d/>
+    <dgm:txPr/>
+    <dgm:style>
+      <a:lnRef idx="0">
+        <a:scrgbClr r="0" g="0" b="0"/>
+      </a:lnRef>
+      <a:fillRef idx="1">
+        <a:scrgbClr r="0" g="0" b="0"/>
+      </a:fillRef>
+      <a:effectRef idx="0">
+        <a:scrgbClr r="0" g="0" b="0"/>
+      </a:effectRef>
+      <a:fontRef idx="minor">
+        <a:schemeClr val="lt1"/>
+      </a:fontRef>
+    </dgm:style>
+  </dgm:styleLbl>
+  <dgm:styleLbl name="bgSibTrans2D1">
+    <dgm:scene3d>
+      <a:camera prst="orthographicFront"/>
+      <a:lightRig rig="threePt" dir="t"/>
+    </dgm:scene3d>
+    <dgm:sp3d/>
+    <dgm:txPr/>
+    <dgm:style>
+      <a:lnRef idx="0">
+        <a:scrgbClr r="0" g="0" b="0"/>
+      </a:lnRef>
+      <a:fillRef idx="1">
+        <a:scrgbClr r="0" g="0" b="0"/>
+      </a:fillRef>
+      <a:effectRef idx="0">
+        <a:scrgbClr r="0" g="0" b="0"/>
+      </a:effectRef>
+      <a:fontRef idx="minor">
+        <a:schemeClr val="lt1"/>
+      </a:fontRef>
+    </dgm:style>
+  </dgm:styleLbl>
+  <dgm:styleLbl name="sibTrans1D1">
+    <dgm:scene3d>
+      <a:camera prst="orthographicFront"/>
+      <a:lightRig rig="threePt" dir="t"/>
+    </dgm:scene3d>
+    <dgm:sp3d/>
+    <dgm:txPr/>
+    <dgm:style>
+      <a:lnRef idx="1">
+        <a:scrgbClr r="0" g="0" b="0"/>
+      </a:lnRef>
+      <a:fillRef idx="0">
+        <a:scrgbClr r="0" g="0" b="0"/>
+      </a:fillRef>
+      <a:effectRef idx="0">
+        <a:scrgbClr r="0" g="0" b="0"/>
+      </a:effectRef>
+      <a:fontRef idx="minor"/>
+    </dgm:style>
+  </dgm:styleLbl>
+  <dgm:styleLbl name="callout">
+    <dgm:scene3d>
+      <a:camera prst="orthographicFront"/>
+      <a:lightRig rig="threePt" dir="t"/>
+    </dgm:scene3d>
+    <dgm:sp3d/>
+    <dgm:txPr/>
+    <dgm:style>
+      <a:lnRef idx="2">
+        <a:scrgbClr r="0" g="0" b="0"/>
+      </a:lnRef>
+      <a:fillRef idx="1">
+        <a:scrgbClr r="0" g="0" b="0"/>
+      </a:fillRef>
+      <a:effectRef idx="0">
+        <a:scrgbClr r="0" g="0" b="0"/>
+      </a:effectRef>
+      <a:fontRef idx="minor"/>
+    </dgm:style>
+  </dgm:styleLbl>
+  <dgm:styleLbl name="asst0">
+    <dgm:scene3d>
+      <a:camera prst="orthographicFront"/>
+      <a:lightRig rig="threePt" dir="t"/>
+    </dgm:scene3d>
+    <dgm:sp3d/>
+    <dgm:txPr/>
+    <dgm:style>
+      <a:lnRef idx="2">
+        <a:scrgbClr r="0" g="0" b="0"/>
+      </a:lnRef>
+      <a:fillRef idx="1">
+        <a:scrgbClr r="0" g="0" b="0"/>
+      </a:fillRef>
+      <a:effectRef idx="0">
+        <a:scrgbClr r="0" g="0" b="0"/>
+      </a:effectRef>
+      <a:fontRef idx="minor">
+        <a:schemeClr val="lt1"/>
+      </a:fontRef>
+    </dgm:style>
+  </dgm:styleLbl>
+  <dgm:styleLbl name="asst1">
+    <dgm:scene3d>
+      <a:camera prst="orthographicFront"/>
+      <a:lightRig rig="threePt" dir="t"/>
+    </dgm:scene3d>
+    <dgm:sp3d/>
+    <dgm:txPr/>
+    <dgm:style>
+      <a:lnRef idx="2">
+        <a:scrgbClr r="0" g="0" b="0"/>
+      </a:lnRef>
+      <a:fillRef idx="1">
+        <a:scrgbClr r="0" g="0" b="0"/>
+      </a:fillRef>
+      <a:effectRef idx="0">
+        <a:scrgbClr r="0" g="0" b="0"/>
+      </a:effectRef>
+      <a:fontRef idx="minor">
+        <a:schemeClr val="lt1"/>
+      </a:fontRef>
+    </dgm:style>
+  </dgm:styleLbl>
+  <dgm:styleLbl name="asst2">
+    <dgm:scene3d>
+      <a:camera prst="orthographicFront"/>
+      <a:lightRig rig="threePt" dir="t"/>
+    </dgm:scene3d>
+    <dgm:sp3d/>
+    <dgm:txPr/>
+    <dgm:style>
+      <a:lnRef idx="2">
+        <a:scrgbClr r="0" g="0" b="0"/>
+      </a:lnRef>
+      <a:fillRef idx="1">
+        <a:scrgbClr r="0" g="0" b="0"/>
+      </a:fillRef>
+      <a:effectRef idx="0">
+        <a:scrgbClr r="0" g="0" b="0"/>
+      </a:effectRef>
+      <a:fontRef idx="minor">
+        <a:schemeClr val="lt1"/>
+      </a:fontRef>
+    </dgm:style>
+  </dgm:styleLbl>
+  <dgm:styleLbl name="asst3">
+    <dgm:scene3d>
+      <a:camera prst="orthographicFront"/>
+      <a:lightRig rig="threePt" dir="t"/>
+    </dgm:scene3d>
+    <dgm:sp3d/>
+    <dgm:txPr/>
+    <dgm:style>
+      <a:lnRef idx="2">
+        <a:scrgbClr r="0" g="0" b="0"/>
+      </a:lnRef>
+      <a:fillRef idx="1">
+        <a:scrgbClr r="0" g="0" b="0"/>
+      </a:fillRef>
+      <a:effectRef idx="0">
+        <a:scrgbClr r="0" g="0" b="0"/>
+      </a:effectRef>
+      <a:fontRef idx="minor">
+        <a:schemeClr val="lt1"/>
+      </a:fontRef>
+    </dgm:style>
+  </dgm:styleLbl>
+  <dgm:styleLbl name="asst4">
+    <dgm:scene3d>
+      <a:camera prst="orthographicFront"/>
+      <a:lightRig rig="threePt" dir="t"/>
+    </dgm:scene3d>
+    <dgm:sp3d/>
+    <dgm:txPr/>
+    <dgm:style>
+      <a:lnRef idx="2">
+        <a:scrgbClr r="0" g="0" b="0"/>
+      </a:lnRef>
+      <a:fillRef idx="1">
+        <a:scrgbClr r="0" g="0" b="0"/>
+      </a:fillRef>
+      <a:effectRef idx="0">
+        <a:scrgbClr r="0" g="0" b="0"/>
+      </a:effectRef>
+      <a:fontRef idx="minor">
+        <a:schemeClr val="lt1"/>
+      </a:fontRef>
+    </dgm:style>
+  </dgm:styleLbl>
+  <dgm:styleLbl name="parChTrans2D1">
+    <dgm:scene3d>
+      <a:camera prst="orthographicFront"/>
+      <a:lightRig rig="threePt" dir="t"/>
+    </dgm:scene3d>
+    <dgm:sp3d/>
+    <dgm:txPr/>
+    <dgm:style>
+      <a:lnRef idx="2">
+        <a:scrgbClr r="0" g="0" b="0"/>
+      </a:lnRef>
+      <a:fillRef idx="1">
+        <a:scrgbClr r="0" g="0" b="0"/>
+      </a:fillRef>
+      <a:effectRef idx="0">
+        <a:scrgbClr r="0" g="0" b="0"/>
+      </a:effectRef>
+      <a:fontRef idx="minor">
+        <a:schemeClr val="lt1"/>
+      </a:fontRef>
+    </dgm:style>
+  </dgm:styleLbl>
+  <dgm:styleLbl name="parChTrans2D2">
+    <dgm:scene3d>
+      <a:camera prst="orthographicFront"/>
+      <a:lightRig rig="threePt" dir="t"/>
+    </dgm:scene3d>
+    <dgm:sp3d/>
+    <dgm:txPr/>
+    <dgm:style>
+      <a:lnRef idx="2">
+        <a:scrgbClr r="0" g="0" b="0"/>
+      </a:lnRef>
+      <a:fillRef idx="1">
+        <a:scrgbClr r="0" g="0" b="0"/>
+      </a:fillRef>
+      <a:effectRef idx="0">
+        <a:scrgbClr r="0" g="0" b="0"/>
+      </a:effectRef>
+      <a:fontRef idx="minor">
+        <a:schemeClr val="lt1"/>
+      </a:fontRef>
+    </dgm:style>
+  </dgm:styleLbl>
+  <dgm:styleLbl name="parChTrans2D3">
+    <dgm:scene3d>
+      <a:camera prst="orthographicFront"/>
+      <a:lightRig rig="threePt" dir="t"/>
+    </dgm:scene3d>
+    <dgm:sp3d/>
+    <dgm:txPr/>
+    <dgm:style>
+      <a:lnRef idx="2">
+        <a:scrgbClr r="0" g="0" b="0"/>
+      </a:lnRef>
+      <a:fillRef idx="1">
+        <a:scrgbClr r="0" g="0" b="0"/>
+      </a:fillRef>
+      <a:effectRef idx="0">
+        <a:scrgbClr r="0" g="0" b="0"/>
+      </a:effectRef>
+      <a:fontRef idx="minor">
+        <a:schemeClr val="lt1"/>
+      </a:fontRef>
+    </dgm:style>
+  </dgm:styleLbl>
+  <dgm:styleLbl name="parChTrans2D4">
+    <dgm:scene3d>
+      <a:camera prst="orthographicFront"/>
+      <a:lightRig rig="threePt" dir="t"/>
+    </dgm:scene3d>
+    <dgm:sp3d/>
+    <dgm:txPr/>
+    <dgm:style>
+      <a:lnRef idx="2">
+        <a:scrgbClr r="0" g="0" b="0"/>
+      </a:lnRef>
+      <a:fillRef idx="1">
+        <a:scrgbClr r="0" g="0" b="0"/>
+      </a:fillRef>
+      <a:effectRef idx="0">
+        <a:scrgbClr r="0" g="0" b="0"/>
+      </a:effectRef>
+      <a:fontRef idx="minor">
+        <a:schemeClr val="lt1"/>
+      </a:fontRef>
+    </dgm:style>
+  </dgm:styleLbl>
+  <dgm:styleLbl name="parChTrans1D1">
+    <dgm:scene3d>
+      <a:camera prst="orthographicFront"/>
+      <a:lightRig rig="threePt" dir="t"/>
+    </dgm:scene3d>
+    <dgm:sp3d/>
+    <dgm:txPr/>
+    <dgm:style>
+      <a:lnRef idx="2">
+        <a:scrgbClr r="0" g="0" b="0"/>
+      </a:lnRef>
+      <a:fillRef idx="0">
+        <a:scrgbClr r="0" g="0" b="0"/>
+      </a:fillRef>
+      <a:effectRef idx="0">
+        <a:scrgbClr r="0" g="0" b="0"/>
+      </a:effectRef>
+      <a:fontRef idx="minor"/>
+    </dgm:style>
+  </dgm:styleLbl>
+  <dgm:styleLbl name="parChTrans1D2">
+    <dgm:scene3d>
+      <a:camera prst="orthographicFront"/>
+      <a:lightRig rig="threePt" dir="t"/>
+    </dgm:scene3d>
+    <dgm:sp3d/>
+    <dgm:txPr/>
+    <dgm:style>
+      <a:lnRef idx="2">
+        <a:scrgbClr r="0" g="0" b="0"/>
+      </a:lnRef>
+      <a:fillRef idx="0">
+        <a:scrgbClr r="0" g="0" b="0"/>
+      </a:fillRef>
+      <a:effectRef idx="0">
+        <a:scrgbClr r="0" g="0" b="0"/>
+      </a:effectRef>
+      <a:fontRef idx="minor"/>
+    </dgm:style>
+  </dgm:styleLbl>
+  <dgm:styleLbl name="parChTrans1D3">
+    <dgm:scene3d>
+      <a:camera prst="orthographicFront"/>
+      <a:lightRig rig="threePt" dir="t"/>
+    </dgm:scene3d>
+    <dgm:sp3d/>
+    <dgm:txPr/>
+    <dgm:style>
+      <a:lnRef idx="2">
+        <a:scrgbClr r="0" g="0" b="0"/>
+      </a:lnRef>
+      <a:fillRef idx="0">
+        <a:scrgbClr r="0" g="0" b="0"/>
+      </a:fillRef>
+      <a:effectRef idx="0">
+        <a:scrgbClr r="0" g="0" b="0"/>
+      </a:effectRef>
+      <a:fontRef idx="minor"/>
+    </dgm:style>
+  </dgm:styleLbl>
+  <dgm:styleLbl name="parChTrans1D4">
+    <dgm:scene3d>
+      <a:camera prst="orthographicFront"/>
+      <a:lightRig rig="threePt" dir="t"/>
+    </dgm:scene3d>
+    <dgm:sp3d/>
+    <dgm:txPr/>
+    <dgm:style>
+      <a:lnRef idx="2">
+        <a:scrgbClr r="0" g="0" b="0"/>
+      </a:lnRef>
+      <a:fillRef idx="0">
+        <a:scrgbClr r="0" g="0" b="0"/>
+      </a:fillRef>
+      <a:effectRef idx="0">
+        <a:scrgbClr r="0" g="0" b="0"/>
+      </a:effectRef>
+      <a:fontRef idx="minor"/>
+    </dgm:style>
+  </dgm:styleLbl>
+  <dgm:styleLbl name="fgAcc1">
+    <dgm:scene3d>
+      <a:camera prst="orthographicFront"/>
+      <a:lightRig rig="threePt" dir="t"/>
+    </dgm:scene3d>
+    <dgm:sp3d/>
+    <dgm:txPr/>
+    <dgm:style>
+      <a:lnRef idx="2">
+        <a:scrgbClr r="0" g="0" b="0"/>
+      </a:lnRef>
+      <a:fillRef idx="1">
+        <a:scrgbClr r="0" g="0" b="0"/>
+      </a:fillRef>
+      <a:effectRef idx="0">
+        <a:scrgbClr r="0" g="0" b="0"/>
+      </a:effectRef>
+      <a:fontRef idx="minor"/>
+    </dgm:style>
+  </dgm:styleLbl>
+  <dgm:styleLbl name="conFgAcc1">
+    <dgm:scene3d>
+      <a:camera prst="orthographicFront"/>
+      <a:lightRig rig="threePt" dir="t"/>
+    </dgm:scene3d>
+    <dgm:sp3d/>
+    <dgm:txPr/>
+    <dgm:style>
+      <a:lnRef idx="2">
+        <a:scrgbClr r="0" g="0" b="0"/>
+      </a:lnRef>
+      <a:fillRef idx="1">
+        <a:scrgbClr r="0" g="0" b="0"/>
+      </a:fillRef>
+      <a:effectRef idx="0">
+        <a:scrgbClr r="0" g="0" b="0"/>
+      </a:effectRef>
+      <a:fontRef idx="minor"/>
+    </dgm:style>
+  </dgm:styleLbl>
+  <dgm:styleLbl name="alignAcc1">
+    <dgm:scene3d>
+      <a:camera prst="orthographicFront"/>
+      <a:lightRig rig="threePt" dir="t"/>
+    </dgm:scene3d>
+    <dgm:sp3d/>
+    <dgm:txPr/>
+    <dgm:style>
+      <a:lnRef idx="2">
+        <a:scrgbClr r="0" g="0" b="0"/>
+      </a:lnRef>
+      <a:fillRef idx="1">
+        <a:scrgbClr r="0" g="0" b="0"/>
+      </a:fillRef>
+      <a:effectRef idx="0">
+        <a:scrgbClr r="0" g="0" b="0"/>
+      </a:effectRef>
+      <a:fontRef idx="minor"/>
+    </dgm:style>
+  </dgm:styleLbl>
+  <dgm:styleLbl name="trAlignAcc1">
+    <dgm:scene3d>
+      <a:camera prst="orthographicFront"/>
+      <a:lightRig rig="threePt" dir="t"/>
+    </dgm:scene3d>
+    <dgm:sp3d/>
+    <dgm:txPr/>
+    <dgm:style>
+      <a:lnRef idx="1">
+        <a:scrgbClr r="0" g="0" b="0"/>
+      </a:lnRef>
+      <a:fillRef idx="1">
+        <a:scrgbClr r="0" g="0" b="0"/>
+      </a:fillRef>
+      <a:effectRef idx="0">
+        <a:scrgbClr r="0" g="0" b="0"/>
+      </a:effectRef>
+      <a:fontRef idx="minor"/>
+    </dgm:style>
+  </dgm:styleLbl>
+  <dgm:styleLbl name="bgAcc1">
+    <dgm:scene3d>
+      <a:camera prst="orthographicFront"/>
+      <a:lightRig rig="threePt" dir="t"/>
+    </dgm:scene3d>
+    <dgm:sp3d/>
+    <dgm:txPr/>
+    <dgm:style>
+      <a:lnRef idx="2">
+        <a:scrgbClr r="0" g="0" b="0"/>
+      </a:lnRef>
+      <a:fillRef idx="1">
+        <a:scrgbClr r="0" g="0" b="0"/>
+      </a:fillRef>
+      <a:effectRef idx="0">
+        <a:scrgbClr r="0" g="0" b="0"/>
+      </a:effectRef>
+      <a:fontRef idx="minor"/>
+    </dgm:style>
+  </dgm:styleLbl>
+  <dgm:styleLbl name="solidFgAcc1">
+    <dgm:scene3d>
+      <a:camera prst="orthographicFront"/>
+      <a:lightRig rig="threePt" dir="t"/>
+    </dgm:scene3d>
+    <dgm:sp3d/>
+    <dgm:txPr/>
+    <dgm:style>
+      <a:lnRef idx="2">
+        <a:scrgbClr r="0" g="0" b="0"/>
+      </a:lnRef>
+      <a:fillRef idx="1">
+        <a:scrgbClr r="0" g="0" b="0"/>
+      </a:fillRef>
+      <a:effectRef idx="0">
+        <a:scrgbClr r="0" g="0" b="0"/>
+      </a:effectRef>
+      <a:fontRef idx="minor"/>
+    </dgm:style>
+  </dgm:styleLbl>
+  <dgm:styleLbl name="solidAlignAcc1">
+    <dgm:scene3d>
+      <a:camera prst="orthographicFront"/>
+      <a:lightRig rig="threePt" dir="t"/>
+    </dgm:scene3d>
+    <dgm:sp3d/>
+    <dgm:txPr/>
+    <dgm:style>
+      <a:lnRef idx="2">
+        <a:scrgbClr r="0" g="0" b="0"/>
+      </a:lnRef>
+      <a:fillRef idx="1">
+        <a:scrgbClr r="0" g="0" b="0"/>
+      </a:fillRef>
+      <a:effectRef idx="0">
+        <a:scrgbClr r="0" g="0" b="0"/>
+      </a:effectRef>
+      <a:fontRef idx="minor"/>
+    </dgm:style>
+  </dgm:styleLbl>
+  <dgm:styleLbl name="solidBgAcc1">
+    <dgm:scene3d>
+      <a:camera prst="orthographicFront"/>
+      <a:lightRig rig="threePt" dir="t"/>
+    </dgm:scene3d>
+    <dgm:sp3d/>
+    <dgm:txPr/>
+    <dgm:style>
+      <a:lnRef idx="2">
+        <a:scrgbClr r="0" g="0" b="0"/>
+      </a:lnRef>
+      <a:fillRef idx="1">
+        <a:scrgbClr r="0" g="0" b="0"/>
+      </a:fillRef>
+      <a:effectRef idx="0">
+        <a:scrgbClr r="0" g="0" b="0"/>
+      </a:effectRef>
+      <a:fontRef idx="minor"/>
+    </dgm:style>
+  </dgm:styleLbl>
+  <dgm:styleLbl name="fgAccFollowNode1">
+    <dgm:scene3d>
+      <a:camera prst="orthographicFront"/>
+      <a:lightRig rig="threePt" dir="t"/>
+    </dgm:scene3d>
+    <dgm:sp3d/>
+    <dgm:txPr/>
+    <dgm:style>
+      <a:lnRef idx="2">
+        <a:scrgbClr r="0" g="0" b="0"/>
+      </a:lnRef>
+      <a:fillRef idx="1">
+        <a:scrgbClr r="0" g="0" b="0"/>
+      </a:fillRef>
+      <a:effectRef idx="0">
+        <a:scrgbClr r="0" g="0" b="0"/>
+      </a:effectRef>
+      <a:fontRef idx="minor"/>
+    </dgm:style>
+  </dgm:styleLbl>
+  <dgm:styleLbl name="alignAccFollowNode1">
+    <dgm:scene3d>
+      <a:camera prst="orthographicFront"/>
+      <a:lightRig rig="threePt" dir="t"/>
+    </dgm:scene3d>
+    <dgm:sp3d/>
+    <dgm:txPr/>
+    <dgm:style>
+      <a:lnRef idx="2">
+        <a:scrgbClr r="0" g="0" b="0"/>
+      </a:lnRef>
+      <a:fillRef idx="1">
+        <a:scrgbClr r="0" g="0" b="0"/>
+      </a:fillRef>
+      <a:effectRef idx="0">
+        <a:scrgbClr r="0" g="0" b="0"/>
+      </a:effectRef>
+      <a:fontRef idx="minor"/>
+    </dgm:style>
+  </dgm:styleLbl>
+  <dgm:styleLbl name="bgAccFollowNode1">
+    <dgm:scene3d>
+      <a:camera prst="orthographicFront"/>
+      <a:lightRig rig="threePt" dir="t"/>
+    </dgm:scene3d>
+    <dgm:sp3d/>
+    <dgm:txPr/>
+    <dgm:style>
+      <a:lnRef idx="2">
+        <a:scrgbClr r="0" g="0" b="0"/>
+      </a:lnRef>
+      <a:fillRef idx="1">
+        <a:scrgbClr r="0" g="0" b="0"/>
+      </a:fillRef>
+      <a:effectRef idx="0">
+        <a:scrgbClr r="0" g="0" b="0"/>
+      </a:effectRef>
+      <a:fontRef idx="minor"/>
+    </dgm:style>
+  </dgm:styleLbl>
+  <dgm:styleLbl name="fgAcc0">
+    <dgm:scene3d>
+      <a:camera prst="orthographicFront"/>
+      <a:lightRig rig="threePt" dir="t"/>
+    </dgm:scene3d>
+    <dgm:sp3d/>
+    <dgm:txPr/>
+    <dgm:style>
+      <a:lnRef idx="2">
+        <a:scrgbClr r="0" g="0" b="0"/>
+      </a:lnRef>
+      <a:fillRef idx="1">
+        <a:scrgbClr r="0" g="0" b="0"/>
+      </a:fillRef>
+      <a:effectRef idx="0">
+        <a:scrgbClr r="0" g="0" b="0"/>
+      </a:effectRef>
+      <a:fontRef idx="minor"/>
+    </dgm:style>
+  </dgm:styleLbl>
+  <dgm:styleLbl name="fgAcc2">
+    <dgm:scene3d>
+      <a:camera prst="orthographicFront"/>
+      <a:lightRig rig="threePt" dir="t"/>
+    </dgm:scene3d>
+    <dgm:sp3d/>
+    <dgm:txPr/>
+    <dgm:style>
+      <a:lnRef idx="2">
+        <a:scrgbClr r="0" g="0" b="0"/>
+      </a:lnRef>
+      <a:fillRef idx="1">
+        <a:scrgbClr r="0" g="0" b="0"/>
+      </a:fillRef>
+      <a:effectRef idx="0">
+        <a:scrgbClr r="0" g="0" b="0"/>
+      </a:effectRef>
+      <a:fontRef idx="minor"/>
+    </dgm:style>
+  </dgm:styleLbl>
+  <dgm:styleLbl name="fgAcc3">
+    <dgm:scene3d>
+      <a:camera prst="orthographicFront"/>
+      <a:lightRig rig="threePt" dir="t"/>
+    </dgm:scene3d>
+    <dgm:sp3d/>
+    <dgm:txPr/>
+    <dgm:style>
+      <a:lnRef idx="2">
+        <a:scrgbClr r="0" g="0" b="0"/>
+      </a:lnRef>
+      <a:fillRef idx="1">
+        <a:scrgbClr r="0" g="0" b="0"/>
+      </a:fillRef>
+      <a:effectRef idx="0">
+        <a:scrgbClr r="0" g="0" b="0"/>
+      </a:effectRef>
+      <a:fontRef idx="minor"/>
+    </dgm:style>
+  </dgm:styleLbl>
+  <dgm:styleLbl name="fgAcc4">
+    <dgm:scene3d>
+      <a:camera prst="orthographicFront"/>
+      <a:lightRig rig="threePt" dir="t"/>
+    </dgm:scene3d>
+    <dgm:sp3d/>
+    <dgm:txPr/>
+    <dgm:style>
+      <a:lnRef idx="2">
+        <a:scrgbClr r="0" g="0" b="0"/>
+      </a:lnRef>
+      <a:fillRef idx="1">
+        <a:scrgbClr r="0" g="0" b="0"/>
+      </a:fillRef>
+      <a:effectRef idx="0">
+        <a:scrgbClr r="0" g="0" b="0"/>
+      </a:effectRef>
+      <a:fontRef idx="minor"/>
+    </dgm:style>
+  </dgm:styleLbl>
+  <dgm:styleLbl name="bgShp">
+    <dgm:scene3d>
+      <a:camera prst="orthographicFront"/>
+      <a:lightRig rig="threePt" dir="t"/>
+    </dgm:scene3d>
+    <dgm:sp3d/>
+    <dgm:txPr/>
+    <dgm:style>
+      <a:lnRef idx="0">
+        <a:scrgbClr r="0" g="0" b="0"/>
+      </a:lnRef>
+      <a:fillRef idx="1">
+        <a:scrgbClr r="0" g="0" b="0"/>
+      </a:fillRef>
+      <a:effectRef idx="0">
+        <a:scrgbClr r="0" g="0" b="0"/>
+      </a:effectRef>
+      <a:fontRef idx="minor"/>
+    </dgm:style>
+  </dgm:styleLbl>
+  <dgm:styleLbl name="dkBgShp">
+    <dgm:scene3d>
+      <a:camera prst="orthographicFront"/>
+      <a:lightRig rig="threePt" dir="t"/>
+    </dgm:scene3d>
+    <dgm:sp3d/>
+    <dgm:txPr/>
+    <dgm:style>
+      <a:lnRef idx="0">
+        <a:scrgbClr r="0" g="0" b="0"/>
+      </a:lnRef>
+      <a:fillRef idx="1">
+        <a:scrgbClr r="0" g="0" b="0"/>
+      </a:fillRef>
+      <a:effectRef idx="0">
+        <a:scrgbClr r="0" g="0" b="0"/>
+      </a:effectRef>
+      <a:fontRef idx="minor"/>
+    </dgm:style>
+  </dgm:styleLbl>
+  <dgm:styleLbl name="trBgShp">
+    <dgm:scene3d>
+      <a:camera prst="orthographicFront"/>
+      <a:lightRig rig="threePt" dir="t"/>
+    </dgm:scene3d>
+    <dgm:sp3d/>
+    <dgm:txPr/>
+    <dgm:style>
+      <a:lnRef idx="0">
+        <a:scrgbClr r="0" g="0" b="0"/>
+      </a:lnRef>
+      <a:fillRef idx="1">
+        <a:scrgbClr r="0" g="0" b="0"/>
+      </a:fillRef>
+      <a:effectRef idx="0">
+        <a:scrgbClr r="0" g="0" b="0"/>
+      </a:effectRef>
+      <a:fontRef idx="minor"/>
+    </dgm:style>
+  </dgm:styleLbl>
+  <dgm:styleLbl name="fgShp">
+    <dgm:scene3d>
+      <a:camera prst="orthographicFront"/>
+      <a:lightRig rig="threePt" dir="t"/>
+    </dgm:scene3d>
+    <dgm:sp3d/>
+    <dgm:txPr/>
+    <dgm:style>
+      <a:lnRef idx="2">
+        <a:scrgbClr r="0" g="0" b="0"/>
+      </a:lnRef>
+      <a:fillRef idx="1">
+        <a:scrgbClr r="0" g="0" b="0"/>
+      </a:fillRef>
+      <a:effectRef idx="0">
+        <a:scrgbClr r="0" g="0" b="0"/>
+      </a:effectRef>
+      <a:fontRef idx="minor"/>
+    </dgm:style>
+  </dgm:styleLbl>
+  <dgm:styleLbl name="revTx">
+    <dgm:scene3d>
+      <a:camera prst="orthographicFront"/>
+      <a:lightRig rig="threePt" dir="t"/>
+    </dgm:scene3d>
+    <dgm:sp3d/>
+    <dgm:txPr/>
+    <dgm:style>
+      <a:lnRef idx="0">
+        <a:scrgbClr r="0" g="0" b="0"/>
+      </a:lnRef>
+      <a:fillRef idx="0">
+        <a:scrgbClr r="0" g="0" b="0"/>
+      </a:fillRef>
+      <a:effectRef idx="0">
+        <a:scrgbClr r="0" g="0" b="0"/>
+      </a:effectRef>
+      <a:fontRef idx="minor"/>
+    </dgm:style>
+  </dgm:styleLbl>
+</dgm:styleDef>
+</file>
+
+<file path=ppt/notesMasters/notesMaster1.xml><?xml version="1.0" encoding="utf-8"?>
+<p:notesMaster xmlns:a="http://schemas.openxmlformats.org/drawingml/2006/main" xmlns:r="http://schemas.openxmlformats.org/officeDocument/2006/relationships" xmlns:p="http://schemas.openxmlformats.org/presentationml/2006/main">
+  <p:cSld>
+    <p:bg>
+      <p:bgRef idx="1001">
+        <a:schemeClr val="bg1"/>
+      </p:bgRef>
+    </p:bg>
+    <p:spTree>
+      <p:nvGrpSpPr>
+        <p:cNvPr id="1" name=""/>
+        <p:cNvGrpSpPr/>
+        <p:nvPr/>
+      </p:nvGrpSpPr>
+      <p:grpSpPr>
+        <a:xfrm>
+          <a:off x="0" y="0"/>
+          <a:ext cx="0" cy="0"/>
+          <a:chOff x="0" y="0"/>
+          <a:chExt cx="0" cy="0"/>
+        </a:xfrm>
+      </p:grpSpPr>
+      <p:sp>
+        <p:nvSpPr>
+          <p:cNvPr id="2" name="Header Placeholder 1"/>
+          <p:cNvSpPr>
+            <a:spLocks noGrp="1"/>
+          </p:cNvSpPr>
+          <p:nvPr>
+            <p:ph type="hdr" sz="quarter"/>
+          </p:nvPr>
+        </p:nvSpPr>
+        <p:spPr>
+          <a:xfrm>
+            <a:off x="0" y="0"/>
+            <a:ext cx="2971800" cy="458788"/>
+          </a:xfrm>
+          <a:prstGeom prst="rect">
+            <a:avLst/>
+          </a:prstGeom>
+        </p:spPr>
+        <p:txBody>
+          <a:bodyPr vert="horz" lIns="91440" tIns="45720" rIns="91440" bIns="45720" rtlCol="0"/>
+          <a:lstStyle>
+            <a:lvl1pPr algn="l">
+              <a:defRPr sz="1200"/>
+            </a:lvl1pPr>
+          </a:lstStyle>
+          <a:p>
+            <a:endParaRPr lang="pl-PL"/>
+          </a:p>
+        </p:txBody>
+      </p:sp>
+      <p:sp>
+        <p:nvSpPr>
+          <p:cNvPr id="3" name="Date Placeholder 2"/>
+          <p:cNvSpPr>
+            <a:spLocks noGrp="1"/>
+          </p:cNvSpPr>
+          <p:nvPr>
+            <p:ph type="dt" idx="1"/>
+          </p:nvPr>
+        </p:nvSpPr>
+        <p:spPr>
+          <a:xfrm>
+            <a:off x="3884613" y="0"/>
+            <a:ext cx="2971800" cy="458788"/>
+          </a:xfrm>
+          <a:prstGeom prst="rect">
+            <a:avLst/>
+          </a:prstGeom>
+        </p:spPr>
+        <p:txBody>
+          <a:bodyPr vert="horz" lIns="91440" tIns="45720" rIns="91440" bIns="45720" rtlCol="0"/>
+          <a:lstStyle>
+            <a:lvl1pPr algn="r">
+              <a:defRPr sz="1200"/>
+            </a:lvl1pPr>
+          </a:lstStyle>
+          <a:p>
+            <a:fld id="{C30C270E-9714-422B-B7EA-B510AECAFD34}" type="datetimeFigureOut">
+              <a:rPr lang="pl-PL" smtClean="0"/>
+              <a:t>14.05.2020</a:t>
+            </a:fld>
+            <a:endParaRPr lang="pl-PL"/>
+          </a:p>
+        </p:txBody>
+      </p:sp>
+      <p:sp>
+        <p:nvSpPr>
+          <p:cNvPr id="4" name="Slide Image Placeholder 3"/>
+          <p:cNvSpPr>
+            <a:spLocks noGrp="1" noRot="1" noChangeAspect="1"/>
+          </p:cNvSpPr>
+          <p:nvPr>
+            <p:ph type="sldImg" idx="2"/>
+          </p:nvPr>
+        </p:nvSpPr>
+        <p:spPr>
+          <a:xfrm>
+            <a:off x="685800" y="1143000"/>
+            <a:ext cx="5486400" cy="3086100"/>
+          </a:xfrm>
+          <a:prstGeom prst="rect">
+            <a:avLst/>
+          </a:prstGeom>
+          <a:noFill/>
+          <a:ln w="12700">
+            <a:solidFill>
+              <a:prstClr val="black"/>
+            </a:solidFill>
+          </a:ln>
+        </p:spPr>
+        <p:txBody>
+          <a:bodyPr vert="horz" lIns="91440" tIns="45720" rIns="91440" bIns="45720" rtlCol="0" anchor="ctr"/>
+          <a:lstStyle/>
+          <a:p>
+            <a:endParaRPr lang="pl-PL"/>
+          </a:p>
+        </p:txBody>
+      </p:sp>
+      <p:sp>
+        <p:nvSpPr>
+          <p:cNvPr id="5" name="Notes Placeholder 4"/>
+          <p:cNvSpPr>
+            <a:spLocks noGrp="1"/>
+          </p:cNvSpPr>
+          <p:nvPr>
+            <p:ph type="body" sz="quarter" idx="3"/>
+          </p:nvPr>
+        </p:nvSpPr>
+        <p:spPr>
+          <a:xfrm>
+            <a:off x="685800" y="4400550"/>
+            <a:ext cx="5486400" cy="3600450"/>
+          </a:xfrm>
+          <a:prstGeom prst="rect">
+            <a:avLst/>
+          </a:prstGeom>
+        </p:spPr>
+        <p:txBody>
+          <a:bodyPr vert="horz" lIns="91440" tIns="45720" rIns="91440" bIns="45720" rtlCol="0"/>
+          <a:lstStyle/>
+          <a:p>
+            <a:pPr lvl="0"/>
+            <a:r>
+              <a:rPr lang="en-US"/>
+              <a:t>Click to edit Master text styles</a:t>
+            </a:r>
+          </a:p>
+          <a:p>
+            <a:pPr lvl="1"/>
+            <a:r>
+              <a:rPr lang="en-US"/>
+              <a:t>Second level</a:t>
+            </a:r>
+          </a:p>
+          <a:p>
+            <a:pPr lvl="2"/>
+            <a:r>
+              <a:rPr lang="en-US"/>
+              <a:t>Third level</a:t>
+            </a:r>
+          </a:p>
+          <a:p>
+            <a:pPr lvl="3"/>
+            <a:r>
+              <a:rPr lang="en-US"/>
+              <a:t>Fourth level</a:t>
+            </a:r>
+          </a:p>
+          <a:p>
+            <a:pPr lvl="4"/>
+            <a:r>
+              <a:rPr lang="en-US"/>
+              <a:t>Fifth level</a:t>
+            </a:r>
+            <a:endParaRPr lang="pl-PL"/>
+          </a:p>
+        </p:txBody>
+      </p:sp>
+      <p:sp>
+        <p:nvSpPr>
+          <p:cNvPr id="6" name="Footer Placeholder 5"/>
+          <p:cNvSpPr>
+            <a:spLocks noGrp="1"/>
+          </p:cNvSpPr>
+          <p:nvPr>
+            <p:ph type="ftr" sz="quarter" idx="4"/>
+          </p:nvPr>
+        </p:nvSpPr>
+        <p:spPr>
+          <a:xfrm>
+            <a:off x="0" y="8685213"/>
+            <a:ext cx="2971800" cy="458787"/>
+          </a:xfrm>
+          <a:prstGeom prst="rect">
+            <a:avLst/>
+          </a:prstGeom>
+        </p:spPr>
+        <p:txBody>
+          <a:bodyPr vert="horz" lIns="91440" tIns="45720" rIns="91440" bIns="45720" rtlCol="0" anchor="b"/>
+          <a:lstStyle>
+            <a:lvl1pPr algn="l">
+              <a:defRPr sz="1200"/>
+            </a:lvl1pPr>
+          </a:lstStyle>
+          <a:p>
+            <a:endParaRPr lang="pl-PL"/>
+          </a:p>
+        </p:txBody>
+      </p:sp>
+      <p:sp>
+        <p:nvSpPr>
+          <p:cNvPr id="7" name="Slide Number Placeholder 6"/>
+          <p:cNvSpPr>
+            <a:spLocks noGrp="1"/>
+          </p:cNvSpPr>
+          <p:nvPr>
+            <p:ph type="sldNum" sz="quarter" idx="5"/>
+          </p:nvPr>
+        </p:nvSpPr>
+        <p:spPr>
+          <a:xfrm>
+            <a:off x="3884613" y="8685213"/>
+            <a:ext cx="2971800" cy="458787"/>
+          </a:xfrm>
+          <a:prstGeom prst="rect">
+            <a:avLst/>
+          </a:prstGeom>
+        </p:spPr>
+        <p:txBody>
+          <a:bodyPr vert="horz" lIns="91440" tIns="45720" rIns="91440" bIns="45720" rtlCol="0" anchor="b"/>
+          <a:lstStyle>
+            <a:lvl1pPr algn="r">
+              <a:defRPr sz="1200"/>
+            </a:lvl1pPr>
+          </a:lstStyle>
+          <a:p>
+            <a:fld id="{7F58F548-D456-4D1A-A703-1CFCC1D7DDD4}" type="slidenum">
+              <a:rPr lang="pl-PL" smtClean="0"/>
+              <a:t>‹#›</a:t>
+            </a:fld>
+            <a:endParaRPr lang="pl-PL"/>
+          </a:p>
+        </p:txBody>
+      </p:sp>
+    </p:spTree>
+    <p:extLst>
+      <p:ext uri="{BB962C8B-B14F-4D97-AF65-F5344CB8AC3E}">
+        <p14:creationId xmlns:p14="http://schemas.microsoft.com/office/powerpoint/2010/main" val="2341759396"/>
+      </p:ext>
+    </p:extLst>
+  </p:cSld>
+  <p:clrMap bg1="lt1" tx1="dk1" bg2="lt2" tx2="dk2" accent1="accent1" accent2="accent2" accent3="accent3" accent4="accent4" accent5="accent5" accent6="accent6" hlink="hlink" folHlink="folHlink"/>
+  <p:notesStyle>
+    <a:lvl1pPr marL="0" algn="l" defTabSz="914400" rtl="0" eaLnBrk="1" latinLnBrk="0" hangingPunct="1">
+      <a:defRPr sz="1200" kern="1200">
+        <a:solidFill>
+          <a:schemeClr val="tx1"/>
+        </a:solidFill>
+        <a:latin typeface="+mn-lt"/>
+        <a:ea typeface="+mn-ea"/>
+        <a:cs typeface="+mn-cs"/>
+      </a:defRPr>
+    </a:lvl1pPr>
+    <a:lvl2pPr marL="457200" algn="l" defTabSz="914400" rtl="0" eaLnBrk="1" latinLnBrk="0" hangingPunct="1">
+      <a:defRPr sz="1200" kern="1200">
+        <a:solidFill>
+          <a:schemeClr val="tx1"/>
+        </a:solidFill>
+        <a:latin typeface="+mn-lt"/>
+        <a:ea typeface="+mn-ea"/>
+        <a:cs typeface="+mn-cs"/>
+      </a:defRPr>
+    </a:lvl2pPr>
+    <a:lvl3pPr marL="914400" algn="l" defTabSz="914400" rtl="0" eaLnBrk="1" latinLnBrk="0" hangingPunct="1">
+      <a:defRPr sz="1200" kern="1200">
+        <a:solidFill>
+          <a:schemeClr val="tx1"/>
+        </a:solidFill>
+        <a:latin typeface="+mn-lt"/>
+        <a:ea typeface="+mn-ea"/>
+        <a:cs typeface="+mn-cs"/>
+      </a:defRPr>
+    </a:lvl3pPr>
+    <a:lvl4pPr marL="1371600" algn="l" defTabSz="914400" rtl="0" eaLnBrk="1" latinLnBrk="0" hangingPunct="1">
+      <a:defRPr sz="1200" kern="1200">
+        <a:solidFill>
+          <a:schemeClr val="tx1"/>
+        </a:solidFill>
+        <a:latin typeface="+mn-lt"/>
+        <a:ea typeface="+mn-ea"/>
+        <a:cs typeface="+mn-cs"/>
+      </a:defRPr>
+    </a:lvl4pPr>
+    <a:lvl5pPr marL="1828800" algn="l" defTabSz="914400" rtl="0" eaLnBrk="1" latinLnBrk="0" hangingPunct="1">
+      <a:defRPr sz="1200" kern="1200">
+        <a:solidFill>
+          <a:schemeClr val="tx1"/>
+        </a:solidFill>
+        <a:latin typeface="+mn-lt"/>
+        <a:ea typeface="+mn-ea"/>
+        <a:cs typeface="+mn-cs"/>
+      </a:defRPr>
+    </a:lvl5pPr>
+    <a:lvl6pPr marL="2286000" algn="l" defTabSz="914400" rtl="0" eaLnBrk="1" latinLnBrk="0" hangingPunct="1">
+      <a:defRPr sz="1200" kern="1200">
+        <a:solidFill>
+          <a:schemeClr val="tx1"/>
+        </a:solidFill>
+        <a:latin typeface="+mn-lt"/>
+        <a:ea typeface="+mn-ea"/>
+        <a:cs typeface="+mn-cs"/>
+      </a:defRPr>
+    </a:lvl6pPr>
+    <a:lvl7pPr marL="2743200" algn="l" defTabSz="914400" rtl="0" eaLnBrk="1" latinLnBrk="0" hangingPunct="1">
+      <a:defRPr sz="1200" kern="1200">
+        <a:solidFill>
+          <a:schemeClr val="tx1"/>
+        </a:solidFill>
+        <a:latin typeface="+mn-lt"/>
+        <a:ea typeface="+mn-ea"/>
+        <a:cs typeface="+mn-cs"/>
+      </a:defRPr>
+    </a:lvl7pPr>
+    <a:lvl8pPr marL="3200400" algn="l" defTabSz="914400" rtl="0" eaLnBrk="1" latinLnBrk="0" hangingPunct="1">
+      <a:defRPr sz="1200" kern="1200">
+        <a:solidFill>
+          <a:schemeClr val="tx1"/>
+        </a:solidFill>
+        <a:latin typeface="+mn-lt"/>
+        <a:ea typeface="+mn-ea"/>
+        <a:cs typeface="+mn-cs"/>
+      </a:defRPr>
+    </a:lvl8pPr>
+    <a:lvl9pPr marL="3657600" algn="l" defTabSz="914400" rtl="0" eaLnBrk="1" latinLnBrk="0" hangingPunct="1">
+      <a:defRPr sz="1200" kern="1200">
+        <a:solidFill>
+          <a:schemeClr val="tx1"/>
+        </a:solidFill>
+        <a:latin typeface="+mn-lt"/>
+        <a:ea typeface="+mn-ea"/>
+        <a:cs typeface="+mn-cs"/>
+      </a:defRPr>
+    </a:lvl9pPr>
+  </p:notesStyle>
+</p:notesMaster>
+</file>
+
+<file path=ppt/notesSlides/notesSlide1.xml><?xml version="1.0" encoding="utf-8"?>
+<p:notes xmlns:a="http://schemas.openxmlformats.org/drawingml/2006/main" xmlns:r="http://schemas.openxmlformats.org/officeDocument/2006/relationships" xmlns:p="http://schemas.openxmlformats.org/presentationml/2006/main">
+  <p:cSld>
+    <p:spTree>
+      <p:nvGrpSpPr>
+        <p:cNvPr id="1" name=""/>
+        <p:cNvGrpSpPr/>
+        <p:nvPr/>
+      </p:nvGrpSpPr>
+      <p:grpSpPr>
+        <a:xfrm>
+          <a:off x="0" y="0"/>
+          <a:ext cx="0" cy="0"/>
+          <a:chOff x="0" y="0"/>
+          <a:chExt cx="0" cy="0"/>
+        </a:xfrm>
+      </p:grpSpPr>
+      <p:sp>
+        <p:nvSpPr>
+          <p:cNvPr id="2" name="Slide Image Placeholder 1"/>
+          <p:cNvSpPr>
+            <a:spLocks noGrp="1" noRot="1" noChangeAspect="1"/>
+          </p:cNvSpPr>
+          <p:nvPr>
+            <p:ph type="sldImg"/>
+          </p:nvPr>
+        </p:nvSpPr>
+        <p:spPr/>
+      </p:sp>
+      <p:sp>
+        <p:nvSpPr>
+          <p:cNvPr id="3" name="Notes Placeholder 2"/>
+          <p:cNvSpPr>
+            <a:spLocks noGrp="1"/>
+          </p:cNvSpPr>
+          <p:nvPr>
+            <p:ph type="body" idx="1"/>
+          </p:nvPr>
+        </p:nvSpPr>
+        <p:spPr/>
+        <p:txBody>
+          <a:bodyPr/>
+          <a:lstStyle/>
+          <a:p>
+            <a:endParaRPr lang="pl-PL" dirty="0"/>
+          </a:p>
+        </p:txBody>
+      </p:sp>
+      <p:sp>
+        <p:nvSpPr>
+          <p:cNvPr id="4" name="Slide Number Placeholder 3"/>
+          <p:cNvSpPr>
+            <a:spLocks noGrp="1"/>
+          </p:cNvSpPr>
+          <p:nvPr>
+            <p:ph type="sldNum" sz="quarter" idx="5"/>
+          </p:nvPr>
+        </p:nvSpPr>
+        <p:spPr/>
+        <p:txBody>
+          <a:bodyPr/>
+          <a:lstStyle/>
+          <a:p>
+            <a:fld id="{7F58F548-D456-4D1A-A703-1CFCC1D7DDD4}" type="slidenum">
+              <a:rPr lang="pl-PL" smtClean="0"/>
+              <a:t>9</a:t>
+            </a:fld>
+            <a:endParaRPr lang="pl-PL"/>
+          </a:p>
+        </p:txBody>
+      </p:sp>
+    </p:spTree>
+    <p:extLst>
+      <p:ext uri="{BB962C8B-B14F-4D97-AF65-F5344CB8AC3E}">
+        <p14:creationId xmlns:p14="http://schemas.microsoft.com/office/powerpoint/2010/main" val="1438877137"/>
+      </p:ext>
+    </p:extLst>
+  </p:cSld>
+  <p:clrMapOvr>
+    <a:masterClrMapping/>
+  </p:clrMapOvr>
+</p:notes>
+</file>
+
+<file path=ppt/notesSlides/notesSlide2.xml><?xml version="1.0" encoding="utf-8"?>
+<p:notes xmlns:a="http://schemas.openxmlformats.org/drawingml/2006/main" xmlns:r="http://schemas.openxmlformats.org/officeDocument/2006/relationships" xmlns:p="http://schemas.openxmlformats.org/presentationml/2006/main">
+  <p:cSld>
+    <p:spTree>
+      <p:nvGrpSpPr>
+        <p:cNvPr id="1" name=""/>
+        <p:cNvGrpSpPr/>
+        <p:nvPr/>
+      </p:nvGrpSpPr>
+      <p:grpSpPr>
+        <a:xfrm>
+          <a:off x="0" y="0"/>
+          <a:ext cx="0" cy="0"/>
+          <a:chOff x="0" y="0"/>
+          <a:chExt cx="0" cy="0"/>
+        </a:xfrm>
+      </p:grpSpPr>
+      <p:sp>
+        <p:nvSpPr>
+          <p:cNvPr id="2" name="Slide Image Placeholder 1"/>
+          <p:cNvSpPr>
+            <a:spLocks noGrp="1" noRot="1" noChangeAspect="1"/>
+          </p:cNvSpPr>
+          <p:nvPr>
+            <p:ph type="sldImg"/>
+          </p:nvPr>
+        </p:nvSpPr>
+        <p:spPr/>
+      </p:sp>
+      <p:sp>
+        <p:nvSpPr>
+          <p:cNvPr id="3" name="Notes Placeholder 2"/>
+          <p:cNvSpPr>
+            <a:spLocks noGrp="1"/>
+          </p:cNvSpPr>
+          <p:nvPr>
+            <p:ph type="body" idx="1"/>
+          </p:nvPr>
+        </p:nvSpPr>
+        <p:spPr/>
+        <p:txBody>
+          <a:bodyPr/>
+          <a:lstStyle/>
+          <a:p>
+            <a:endParaRPr lang="pl-PL" dirty="0"/>
+          </a:p>
+        </p:txBody>
+      </p:sp>
+      <p:sp>
+        <p:nvSpPr>
+          <p:cNvPr id="4" name="Slide Number Placeholder 3"/>
+          <p:cNvSpPr>
+            <a:spLocks noGrp="1"/>
+          </p:cNvSpPr>
+          <p:nvPr>
+            <p:ph type="sldNum" sz="quarter" idx="5"/>
+          </p:nvPr>
+        </p:nvSpPr>
+        <p:spPr/>
+        <p:txBody>
+          <a:bodyPr/>
+          <a:lstStyle/>
+          <a:p>
+            <a:fld id="{7F58F548-D456-4D1A-A703-1CFCC1D7DDD4}" type="slidenum">
+              <a:rPr lang="pl-PL" smtClean="0"/>
+              <a:t>10</a:t>
+            </a:fld>
+            <a:endParaRPr lang="pl-PL"/>
+          </a:p>
+        </p:txBody>
+      </p:sp>
+    </p:spTree>
+    <p:extLst>
+      <p:ext uri="{BB962C8B-B14F-4D97-AF65-F5344CB8AC3E}">
+        <p14:creationId xmlns:p14="http://schemas.microsoft.com/office/powerpoint/2010/main" val="2854862944"/>
+      </p:ext>
+    </p:extLst>
+  </p:cSld>
+  <p:clrMapOvr>
+    <a:masterClrMapping/>
+  </p:clrMapOvr>
+</p:notes>
+</file>
+
+<file path=ppt/notesSlides/notesSlide3.xml><?xml version="1.0" encoding="utf-8"?>
+<p:notes xmlns:a="http://schemas.openxmlformats.org/drawingml/2006/main" xmlns:r="http://schemas.openxmlformats.org/officeDocument/2006/relationships" xmlns:p="http://schemas.openxmlformats.org/presentationml/2006/main">
+  <p:cSld>
+    <p:spTree>
+      <p:nvGrpSpPr>
+        <p:cNvPr id="1" name=""/>
+        <p:cNvGrpSpPr/>
+        <p:nvPr/>
+      </p:nvGrpSpPr>
+      <p:grpSpPr>
+        <a:xfrm>
+          <a:off x="0" y="0"/>
+          <a:ext cx="0" cy="0"/>
+          <a:chOff x="0" y="0"/>
+          <a:chExt cx="0" cy="0"/>
+        </a:xfrm>
+      </p:grpSpPr>
+      <p:sp>
+        <p:nvSpPr>
+          <p:cNvPr id="2" name="Slide Image Placeholder 1"/>
+          <p:cNvSpPr>
+            <a:spLocks noGrp="1" noRot="1" noChangeAspect="1"/>
+          </p:cNvSpPr>
+          <p:nvPr>
+            <p:ph type="sldImg"/>
+          </p:nvPr>
+        </p:nvSpPr>
+        <p:spPr/>
+      </p:sp>
+      <p:sp>
+        <p:nvSpPr>
+          <p:cNvPr id="3" name="Notes Placeholder 2"/>
+          <p:cNvSpPr>
+            <a:spLocks noGrp="1"/>
+          </p:cNvSpPr>
+          <p:nvPr>
+            <p:ph type="body" idx="1"/>
+          </p:nvPr>
+        </p:nvSpPr>
+        <p:spPr/>
+        <p:txBody>
+          <a:bodyPr/>
+          <a:lstStyle/>
+          <a:p>
+            <a:endParaRPr lang="pl-PL" dirty="0"/>
+          </a:p>
+        </p:txBody>
+      </p:sp>
+      <p:sp>
+        <p:nvSpPr>
+          <p:cNvPr id="4" name="Slide Number Placeholder 3"/>
+          <p:cNvSpPr>
+            <a:spLocks noGrp="1"/>
+          </p:cNvSpPr>
+          <p:nvPr>
+            <p:ph type="sldNum" sz="quarter" idx="5"/>
+          </p:nvPr>
+        </p:nvSpPr>
+        <p:spPr/>
+        <p:txBody>
+          <a:bodyPr/>
+          <a:lstStyle/>
+          <a:p>
+            <a:fld id="{7F58F548-D456-4D1A-A703-1CFCC1D7DDD4}" type="slidenum">
+              <a:rPr lang="pl-PL" smtClean="0"/>
+              <a:t>11</a:t>
+            </a:fld>
+            <a:endParaRPr lang="pl-PL"/>
+          </a:p>
+        </p:txBody>
+      </p:sp>
+    </p:spTree>
+    <p:extLst>
+      <p:ext uri="{BB962C8B-B14F-4D97-AF65-F5344CB8AC3E}">
+        <p14:creationId xmlns:p14="http://schemas.microsoft.com/office/powerpoint/2010/main" val="2257805777"/>
+      </p:ext>
+    </p:extLst>
+  </p:cSld>
+  <p:clrMapOvr>
+    <a:masterClrMapping/>
+  </p:clrMapOvr>
+</p:notes>
+</file>
+
+<file path=ppt/notesSlides/notesSlide4.xml><?xml version="1.0" encoding="utf-8"?>
+<p:notes xmlns:a="http://schemas.openxmlformats.org/drawingml/2006/main" xmlns:r="http://schemas.openxmlformats.org/officeDocument/2006/relationships" xmlns:p="http://schemas.openxmlformats.org/presentationml/2006/main">
+  <p:cSld>
+    <p:spTree>
+      <p:nvGrpSpPr>
+        <p:cNvPr id="1" name=""/>
+        <p:cNvGrpSpPr/>
+        <p:nvPr/>
+      </p:nvGrpSpPr>
+      <p:grpSpPr>
+        <a:xfrm>
+          <a:off x="0" y="0"/>
+          <a:ext cx="0" cy="0"/>
+          <a:chOff x="0" y="0"/>
+          <a:chExt cx="0" cy="0"/>
+        </a:xfrm>
+      </p:grpSpPr>
+      <p:sp>
+        <p:nvSpPr>
+          <p:cNvPr id="2" name="Slide Image Placeholder 1"/>
+          <p:cNvSpPr>
+            <a:spLocks noGrp="1" noRot="1" noChangeAspect="1"/>
+          </p:cNvSpPr>
+          <p:nvPr>
+            <p:ph type="sldImg"/>
+          </p:nvPr>
+        </p:nvSpPr>
+        <p:spPr/>
+      </p:sp>
+      <p:sp>
+        <p:nvSpPr>
+          <p:cNvPr id="3" name="Notes Placeholder 2"/>
+          <p:cNvSpPr>
+            <a:spLocks noGrp="1"/>
+          </p:cNvSpPr>
+          <p:nvPr>
+            <p:ph type="body" idx="1"/>
+          </p:nvPr>
+        </p:nvSpPr>
+        <p:spPr/>
+        <p:txBody>
+          <a:bodyPr/>
+          <a:lstStyle/>
+          <a:p>
+            <a:r>
+              <a:rPr lang="en-US" sz="1200" b="0" i="0" kern="1200" dirty="0">
+                <a:solidFill>
+                  <a:schemeClr val="tx1"/>
+                </a:solidFill>
+                <a:effectLst/>
+                <a:latin typeface="+mn-lt"/>
+                <a:ea typeface="+mn-ea"/>
+                <a:cs typeface="+mn-cs"/>
+              </a:rPr>
+              <a:t>REP is a component level principle. Reuse refers to a group of reusable classes or modules. Release refers to publishing it with a version number. This principle says that whatever you release should be reusable as a cohesive unit. It shouldn't be a random collection of unrelated classes.</a:t>
+            </a:r>
+            <a:endParaRPr lang="pl-PL" sz="1200" b="0" i="0" kern="1200" dirty="0">
+              <a:solidFill>
+                <a:schemeClr val="tx1"/>
+              </a:solidFill>
+              <a:effectLst/>
+              <a:latin typeface="+mn-lt"/>
+              <a:ea typeface="+mn-ea"/>
+              <a:cs typeface="+mn-cs"/>
+            </a:endParaRPr>
+          </a:p>
+          <a:p>
+            <a:r>
+              <a:rPr lang="en-US" sz="1200" b="0" i="0" kern="1200" dirty="0">
+                <a:solidFill>
+                  <a:schemeClr val="tx1"/>
+                </a:solidFill>
+                <a:effectLst/>
+                <a:latin typeface="+mn-lt"/>
+                <a:ea typeface="+mn-ea"/>
+                <a:cs typeface="+mn-cs"/>
+              </a:rPr>
+              <a:t>CCP is a component level principle. It says that components should be a collection of classes that change for same reason at the same time. If there are different reasons to change or the classes change at different rates, then the component should be split up. This is basically the same thing as the Single Responsibility Principle above.</a:t>
+            </a:r>
+            <a:endParaRPr lang="pl-PL" sz="1200" b="0" i="0" kern="1200" dirty="0">
+              <a:solidFill>
+                <a:schemeClr val="tx1"/>
+              </a:solidFill>
+              <a:effectLst/>
+              <a:latin typeface="+mn-lt"/>
+              <a:ea typeface="+mn-ea"/>
+              <a:cs typeface="+mn-cs"/>
+            </a:endParaRPr>
+          </a:p>
+          <a:p>
+            <a:r>
+              <a:rPr lang="en-US" sz="1200" b="0" i="0" kern="1200" dirty="0">
+                <a:solidFill>
+                  <a:schemeClr val="tx1"/>
+                </a:solidFill>
+                <a:effectLst/>
+                <a:latin typeface="+mn-lt"/>
+                <a:ea typeface="+mn-ea"/>
+                <a:cs typeface="+mn-cs"/>
+              </a:rPr>
+              <a:t>CRP is a component level principle. It says that you shouldn't depend on a component that has classes that you don't need. Those components should be split up so that the users don't have to depend on classes that they don't use. This is basically the same thing as Interface Segregation Principle above.</a:t>
+            </a:r>
+            <a:endParaRPr lang="pl-PL" sz="1200" b="0" i="0" kern="1200" dirty="0">
+              <a:solidFill>
+                <a:schemeClr val="tx1"/>
+              </a:solidFill>
+              <a:effectLst/>
+              <a:latin typeface="+mn-lt"/>
+              <a:ea typeface="+mn-ea"/>
+              <a:cs typeface="+mn-cs"/>
+            </a:endParaRPr>
+          </a:p>
+          <a:p>
+            <a:r>
+              <a:rPr lang="pl-PL" sz="1200" b="0" i="0" kern="1200" dirty="0">
+                <a:solidFill>
+                  <a:schemeClr val="tx1"/>
+                </a:solidFill>
+                <a:effectLst/>
+                <a:latin typeface="+mn-lt"/>
+                <a:ea typeface="+mn-ea"/>
+                <a:cs typeface="+mn-cs"/>
+              </a:rPr>
+              <a:t>SDP </a:t>
+            </a:r>
+            <a:r>
+              <a:rPr lang="en-US" sz="1200" b="0" i="0" kern="1200" dirty="0">
+                <a:solidFill>
+                  <a:schemeClr val="tx1"/>
+                </a:solidFill>
+                <a:effectLst/>
+                <a:latin typeface="+mn-lt"/>
+                <a:ea typeface="+mn-ea"/>
+                <a:cs typeface="+mn-cs"/>
+              </a:rPr>
+              <a:t>This principle says that dependencies should be in the direction of stability. That is, less stable components should depend on more stable components. This minimizes the effect of change. Some components are intended to be volatile. That's OK, but you shouldn't make stable components depend on them.</a:t>
+            </a:r>
+            <a:endParaRPr lang="pl-PL" dirty="0"/>
+          </a:p>
+        </p:txBody>
+      </p:sp>
+      <p:sp>
+        <p:nvSpPr>
+          <p:cNvPr id="4" name="Slide Number Placeholder 3"/>
+          <p:cNvSpPr>
+            <a:spLocks noGrp="1"/>
+          </p:cNvSpPr>
+          <p:nvPr>
+            <p:ph type="sldNum" sz="quarter" idx="5"/>
+          </p:nvPr>
+        </p:nvSpPr>
+        <p:spPr/>
+        <p:txBody>
+          <a:bodyPr/>
+          <a:lstStyle/>
+          <a:p>
+            <a:fld id="{7F58F548-D456-4D1A-A703-1CFCC1D7DDD4}" type="slidenum">
+              <a:rPr lang="pl-PL" smtClean="0"/>
+              <a:t>16</a:t>
+            </a:fld>
+            <a:endParaRPr lang="pl-PL"/>
+          </a:p>
+        </p:txBody>
+      </p:sp>
+    </p:spTree>
+    <p:extLst>
+      <p:ext uri="{BB962C8B-B14F-4D97-AF65-F5344CB8AC3E}">
+        <p14:creationId xmlns:p14="http://schemas.microsoft.com/office/powerpoint/2010/main" val="2142551004"/>
+      </p:ext>
+    </p:extLst>
+  </p:cSld>
+  <p:clrMapOvr>
+    <a:masterClrMapping/>
+  </p:clrMapOvr>
+</p:notes>
+</file>
+
+<file path=ppt/notesSlides/notesSlide5.xml><?xml version="1.0" encoding="utf-8"?>
+<p:notes xmlns:a="http://schemas.openxmlformats.org/drawingml/2006/main" xmlns:r="http://schemas.openxmlformats.org/officeDocument/2006/relationships" xmlns:p="http://schemas.openxmlformats.org/presentationml/2006/main">
+  <p:cSld>
+    <p:spTree>
+      <p:nvGrpSpPr>
+        <p:cNvPr id="1" name=""/>
+        <p:cNvGrpSpPr/>
+        <p:nvPr/>
+      </p:nvGrpSpPr>
+      <p:grpSpPr>
+        <a:xfrm>
+          <a:off x="0" y="0"/>
+          <a:ext cx="0" cy="0"/>
+          <a:chOff x="0" y="0"/>
+          <a:chExt cx="0" cy="0"/>
+        </a:xfrm>
+      </p:grpSpPr>
+      <p:sp>
+        <p:nvSpPr>
+          <p:cNvPr id="2" name="Slide Image Placeholder 1"/>
+          <p:cNvSpPr>
+            <a:spLocks noGrp="1" noRot="1" noChangeAspect="1"/>
+          </p:cNvSpPr>
+          <p:nvPr>
+            <p:ph type="sldImg"/>
+          </p:nvPr>
+        </p:nvSpPr>
+        <p:spPr/>
+      </p:sp>
+      <p:sp>
+        <p:nvSpPr>
+          <p:cNvPr id="3" name="Notes Placeholder 2"/>
+          <p:cNvSpPr>
+            <a:spLocks noGrp="1"/>
+          </p:cNvSpPr>
+          <p:nvPr>
+            <p:ph type="body" idx="1"/>
+          </p:nvPr>
+        </p:nvSpPr>
+        <p:spPr/>
+        <p:txBody>
+          <a:bodyPr/>
+          <a:lstStyle/>
+          <a:p>
+            <a:r>
+              <a:rPr lang="en-US" sz="1200" b="1" i="0" kern="1200" dirty="0">
+                <a:solidFill>
+                  <a:schemeClr val="tx1"/>
+                </a:solidFill>
+                <a:effectLst/>
+                <a:latin typeface="+mn-lt"/>
+                <a:ea typeface="+mn-ea"/>
+                <a:cs typeface="+mn-cs"/>
+              </a:rPr>
+              <a:t>Entities</a:t>
+            </a:r>
+          </a:p>
+          <a:p>
+            <a:r>
+              <a:rPr lang="en-US" sz="1200" b="0" i="0" kern="1200" dirty="0">
+                <a:solidFill>
+                  <a:schemeClr val="tx1"/>
+                </a:solidFill>
+                <a:effectLst/>
+                <a:latin typeface="+mn-lt"/>
+                <a:ea typeface="+mn-ea"/>
+                <a:cs typeface="+mn-cs"/>
+              </a:rPr>
+              <a:t>An entity is a set of related business rules that are critical to the function of the application. In an object oriented programming language the rules for an entity would be grouped together as methods in a class. Even if there were no application, these rules would still exist. For example, charging 10% interest on a loan is a rule that a bank might have. This would be true whether the interest was calculated on paper or using a computer.</a:t>
+            </a:r>
+            <a:endParaRPr lang="pl-PL" sz="1200" b="0" i="0" kern="1200" dirty="0">
+              <a:solidFill>
+                <a:schemeClr val="tx1"/>
+              </a:solidFill>
+              <a:effectLst/>
+              <a:latin typeface="+mn-lt"/>
+              <a:ea typeface="+mn-ea"/>
+              <a:cs typeface="+mn-cs"/>
+            </a:endParaRPr>
+          </a:p>
+          <a:p>
+            <a:r>
+              <a:rPr lang="en-US" sz="1200" b="1" i="0" kern="1200" dirty="0">
+                <a:solidFill>
+                  <a:schemeClr val="tx1"/>
+                </a:solidFill>
+                <a:effectLst/>
+                <a:latin typeface="+mn-lt"/>
+                <a:ea typeface="+mn-ea"/>
+                <a:cs typeface="+mn-cs"/>
+              </a:rPr>
+              <a:t>Use cases</a:t>
+            </a:r>
+          </a:p>
+          <a:p>
+            <a:r>
+              <a:rPr lang="en-US" sz="1200" b="0" i="0" kern="1200" dirty="0">
+                <a:solidFill>
+                  <a:schemeClr val="tx1"/>
+                </a:solidFill>
+                <a:effectLst/>
+                <a:latin typeface="+mn-lt"/>
+                <a:ea typeface="+mn-ea"/>
+                <a:cs typeface="+mn-cs"/>
+              </a:rPr>
+              <a:t>The use cases are the business rules for a specific application. They tell how to automate the system. This determines the behavior of the app. </a:t>
+            </a:r>
+          </a:p>
+          <a:p>
+            <a:r>
+              <a:rPr lang="en-US" sz="1200" b="0" i="0" kern="1200" dirty="0">
+                <a:solidFill>
+                  <a:schemeClr val="tx1"/>
+                </a:solidFill>
+                <a:effectLst/>
+                <a:latin typeface="+mn-lt"/>
+                <a:ea typeface="+mn-ea"/>
+                <a:cs typeface="+mn-cs"/>
+              </a:rPr>
+              <a:t>The use cases interact with and depend on the entities, but they know nothing about the layers further out. They don't care if it's a web page or an iPhone app. They don't care if the data is stored in the cloud or in a local SQLite database.</a:t>
+            </a:r>
+            <a:endParaRPr lang="pl-PL" sz="1200" b="0" i="0" kern="1200" dirty="0">
+              <a:solidFill>
+                <a:schemeClr val="tx1"/>
+              </a:solidFill>
+              <a:effectLst/>
+              <a:latin typeface="+mn-lt"/>
+              <a:ea typeface="+mn-ea"/>
+              <a:cs typeface="+mn-cs"/>
+            </a:endParaRPr>
+          </a:p>
+          <a:p>
+            <a:r>
+              <a:rPr lang="en-US" sz="1200" b="1" i="0" kern="1200" dirty="0">
+                <a:solidFill>
+                  <a:schemeClr val="tx1"/>
+                </a:solidFill>
+                <a:effectLst/>
+                <a:latin typeface="+mn-lt"/>
+                <a:ea typeface="+mn-ea"/>
+                <a:cs typeface="+mn-cs"/>
+              </a:rPr>
+              <a:t>Adapters</a:t>
+            </a:r>
+          </a:p>
+          <a:p>
+            <a:r>
+              <a:rPr lang="en-US" sz="1200" b="0" i="0" kern="1200" dirty="0">
+                <a:solidFill>
+                  <a:schemeClr val="tx1"/>
+                </a:solidFill>
+                <a:effectLst/>
+                <a:latin typeface="+mn-lt"/>
+                <a:ea typeface="+mn-ea"/>
+                <a:cs typeface="+mn-cs"/>
+              </a:rPr>
+              <a:t>The adapters, also called interface adapters, are the translators between the domain and the infrastructure. For example, they take input data from the GUI and repackage it in a form that is convenient for the use cases and entities. Then they take the output from the use cases and entities and repackage it in a form that is convenient for displaying in the GUI or saving in a database.</a:t>
+            </a:r>
+          </a:p>
+          <a:p>
+            <a:r>
+              <a:rPr lang="en-US" sz="1200" b="1" i="0" kern="1200" dirty="0">
+                <a:solidFill>
+                  <a:schemeClr val="tx1"/>
+                </a:solidFill>
+                <a:effectLst/>
+                <a:latin typeface="+mn-lt"/>
+                <a:ea typeface="+mn-ea"/>
+                <a:cs typeface="+mn-cs"/>
+              </a:rPr>
+              <a:t>Infrastructure</a:t>
+            </a:r>
+          </a:p>
+          <a:p>
+            <a:r>
+              <a:rPr lang="en-US" sz="1200" b="0" i="0" kern="1200" dirty="0">
+                <a:solidFill>
+                  <a:schemeClr val="tx1"/>
+                </a:solidFill>
+                <a:effectLst/>
+                <a:latin typeface="+mn-lt"/>
+                <a:ea typeface="+mn-ea"/>
+                <a:cs typeface="+mn-cs"/>
+              </a:rPr>
+              <a:t>This layer is where all the I/O components go: the UI, database, frameworks, devices, etc. It's the most volatile layer. Since the things in this layer are so likely to change, they are kept as far away as possible from the more stable domain layers. Because they are kept separate, it's relatively easy make changes or swap one component for another.</a:t>
+            </a:r>
+          </a:p>
+          <a:p>
+            <a:endParaRPr lang="en-US" sz="1200" b="0" i="0" kern="1200" dirty="0">
+              <a:solidFill>
+                <a:schemeClr val="tx1"/>
+              </a:solidFill>
+              <a:effectLst/>
+              <a:latin typeface="+mn-lt"/>
+              <a:ea typeface="+mn-ea"/>
+              <a:cs typeface="+mn-cs"/>
+            </a:endParaRPr>
+          </a:p>
+          <a:p>
+            <a:endParaRPr lang="pl-PL" dirty="0"/>
+          </a:p>
+        </p:txBody>
+      </p:sp>
+      <p:sp>
+        <p:nvSpPr>
+          <p:cNvPr id="4" name="Slide Number Placeholder 3"/>
+          <p:cNvSpPr>
+            <a:spLocks noGrp="1"/>
+          </p:cNvSpPr>
+          <p:nvPr>
+            <p:ph type="sldNum" sz="quarter" idx="5"/>
+          </p:nvPr>
+        </p:nvSpPr>
+        <p:spPr/>
+        <p:txBody>
+          <a:bodyPr/>
+          <a:lstStyle/>
+          <a:p>
+            <a:fld id="{7F58F548-D456-4D1A-A703-1CFCC1D7DDD4}" type="slidenum">
+              <a:rPr lang="pl-PL" smtClean="0"/>
+              <a:t>17</a:t>
+            </a:fld>
+            <a:endParaRPr lang="pl-PL"/>
+          </a:p>
+        </p:txBody>
+      </p:sp>
+    </p:spTree>
+    <p:extLst>
+      <p:ext uri="{BB962C8B-B14F-4D97-AF65-F5344CB8AC3E}">
+        <p14:creationId xmlns:p14="http://schemas.microsoft.com/office/powerpoint/2010/main" val="3456524144"/>
+      </p:ext>
+    </p:extLst>
+  </p:cSld>
+  <p:clrMapOvr>
+    <a:masterClrMapping/>
+  </p:clrMapOvr>
+</p:notes>
+</file>
+
+<file path=ppt/notesSlides/notesSlide6.xml><?xml version="1.0" encoding="utf-8"?>
+<p:notes xmlns:a="http://schemas.openxmlformats.org/drawingml/2006/main" xmlns:r="http://schemas.openxmlformats.org/officeDocument/2006/relationships" xmlns:p="http://schemas.openxmlformats.org/presentationml/2006/main">
+  <p:cSld>
+    <p:spTree>
+      <p:nvGrpSpPr>
+        <p:cNvPr id="1" name=""/>
+        <p:cNvGrpSpPr/>
+        <p:nvPr/>
+      </p:nvGrpSpPr>
+      <p:grpSpPr>
+        <a:xfrm>
+          <a:off x="0" y="0"/>
+          <a:ext cx="0" cy="0"/>
+          <a:chOff x="0" y="0"/>
+          <a:chExt cx="0" cy="0"/>
+        </a:xfrm>
+      </p:grpSpPr>
+      <p:sp>
+        <p:nvSpPr>
+          <p:cNvPr id="2" name="Slide Image Placeholder 1"/>
+          <p:cNvSpPr>
+            <a:spLocks noGrp="1" noRot="1" noChangeAspect="1"/>
+          </p:cNvSpPr>
+          <p:nvPr>
+            <p:ph type="sldImg"/>
+          </p:nvPr>
+        </p:nvSpPr>
+        <p:spPr/>
+      </p:sp>
+      <p:sp>
+        <p:nvSpPr>
+          <p:cNvPr id="3" name="Notes Placeholder 2"/>
+          <p:cNvSpPr>
+            <a:spLocks noGrp="1"/>
+          </p:cNvSpPr>
+          <p:nvPr>
+            <p:ph type="body" idx="1"/>
+          </p:nvPr>
+        </p:nvSpPr>
+        <p:spPr/>
+        <p:txBody>
+          <a:bodyPr/>
+          <a:lstStyle/>
+          <a:p>
+            <a:endParaRPr lang="pl-PL" dirty="0"/>
+          </a:p>
+        </p:txBody>
+      </p:sp>
+      <p:sp>
+        <p:nvSpPr>
+          <p:cNvPr id="4" name="Slide Number Placeholder 3"/>
+          <p:cNvSpPr>
+            <a:spLocks noGrp="1"/>
+          </p:cNvSpPr>
+          <p:nvPr>
+            <p:ph type="sldNum" sz="quarter" idx="5"/>
+          </p:nvPr>
+        </p:nvSpPr>
+        <p:spPr/>
+        <p:txBody>
+          <a:bodyPr/>
+          <a:lstStyle/>
+          <a:p>
+            <a:fld id="{7F58F548-D456-4D1A-A703-1CFCC1D7DDD4}" type="slidenum">
+              <a:rPr lang="pl-PL" smtClean="0"/>
+              <a:t>19</a:t>
+            </a:fld>
+            <a:endParaRPr lang="pl-PL"/>
+          </a:p>
+        </p:txBody>
+      </p:sp>
+    </p:spTree>
+    <p:extLst>
+      <p:ext uri="{BB962C8B-B14F-4D97-AF65-F5344CB8AC3E}">
+        <p14:creationId xmlns:p14="http://schemas.microsoft.com/office/powerpoint/2010/main" val="706935193"/>
+      </p:ext>
+    </p:extLst>
+  </p:cSld>
+  <p:clrMapOvr>
+    <a:masterClrMapping/>
+  </p:clrMapOvr>
+</p:notes>
+</file>
+
 <file path=ppt/slideLayouts/slideLayout1.xml><?xml version="1.0" encoding="utf-8"?>
 <p:sldLayout xmlns:a="http://schemas.openxmlformats.org/drawingml/2006/main" xmlns:r="http://schemas.openxmlformats.org/officeDocument/2006/relationships" xmlns:p="http://schemas.openxmlformats.org/presentationml/2006/main" type="title" preserve="1">
   <p:cSld name="Title Slide">
@@ -322,7 +4801,7 @@
           <a:p>
             <a:fld id="{96D30BF6-FA71-4576-A5BC-BB4B1D1254CD}" type="datetimeFigureOut">
               <a:rPr lang="pl-PL" smtClean="0"/>
-              <a:t>11.05.2020</a:t>
+              <a:t>14.05.2020</a:t>
             </a:fld>
             <a:endParaRPr lang="pl-PL"/>
           </a:p>
@@ -608,7 +5087,7 @@
           <a:p>
             <a:fld id="{96D30BF6-FA71-4576-A5BC-BB4B1D1254CD}" type="datetimeFigureOut">
               <a:rPr lang="pl-PL" smtClean="0"/>
-              <a:t>11.05.2020</a:t>
+              <a:t>14.05.2020</a:t>
             </a:fld>
             <a:endParaRPr lang="pl-PL"/>
           </a:p>
@@ -800,7 +5279,7 @@
           <a:p>
             <a:fld id="{96D30BF6-FA71-4576-A5BC-BB4B1D1254CD}" type="datetimeFigureOut">
               <a:rPr lang="pl-PL" smtClean="0"/>
-              <a:t>11.05.2020</a:t>
+              <a:t>14.05.2020</a:t>
             </a:fld>
             <a:endParaRPr lang="pl-PL"/>
           </a:p>
@@ -1061,7 +5540,7 @@
           <a:p>
             <a:fld id="{96D30BF6-FA71-4576-A5BC-BB4B1D1254CD}" type="datetimeFigureOut">
               <a:rPr lang="pl-PL" smtClean="0"/>
-              <a:t>11.05.2020</a:t>
+              <a:t>14.05.2020</a:t>
             </a:fld>
             <a:endParaRPr lang="pl-PL"/>
           </a:p>
@@ -1487,7 +5966,7 @@
           <a:p>
             <a:fld id="{96D30BF6-FA71-4576-A5BC-BB4B1D1254CD}" type="datetimeFigureOut">
               <a:rPr lang="pl-PL" smtClean="0"/>
-              <a:t>11.05.2020</a:t>
+              <a:t>14.05.2020</a:t>
             </a:fld>
             <a:endParaRPr lang="pl-PL"/>
           </a:p>
@@ -2033,7 +6512,7 @@
           <a:p>
             <a:fld id="{96D30BF6-FA71-4576-A5BC-BB4B1D1254CD}" type="datetimeFigureOut">
               <a:rPr lang="pl-PL" smtClean="0"/>
-              <a:t>11.05.2020</a:t>
+              <a:t>14.05.2020</a:t>
             </a:fld>
             <a:endParaRPr lang="pl-PL"/>
           </a:p>
@@ -2864,7 +7343,7 @@
           <a:p>
             <a:fld id="{96D30BF6-FA71-4576-A5BC-BB4B1D1254CD}" type="datetimeFigureOut">
               <a:rPr lang="pl-PL" smtClean="0"/>
-              <a:t>11.05.2020</a:t>
+              <a:t>14.05.2020</a:t>
             </a:fld>
             <a:endParaRPr lang="pl-PL"/>
           </a:p>
@@ -3034,7 +7513,7 @@
           <a:p>
             <a:fld id="{96D30BF6-FA71-4576-A5BC-BB4B1D1254CD}" type="datetimeFigureOut">
               <a:rPr lang="pl-PL" smtClean="0"/>
-              <a:t>11.05.2020</a:t>
+              <a:t>14.05.2020</a:t>
             </a:fld>
             <a:endParaRPr lang="pl-PL"/>
           </a:p>
@@ -3214,7 +7693,7 @@
           <a:p>
             <a:fld id="{96D30BF6-FA71-4576-A5BC-BB4B1D1254CD}" type="datetimeFigureOut">
               <a:rPr lang="pl-PL" smtClean="0"/>
-              <a:t>11.05.2020</a:t>
+              <a:t>14.05.2020</a:t>
             </a:fld>
             <a:endParaRPr lang="pl-PL"/>
           </a:p>
@@ -3389,7 +7868,7 @@
           <a:p>
             <a:fld id="{96D30BF6-FA71-4576-A5BC-BB4B1D1254CD}" type="datetimeFigureOut">
               <a:rPr lang="pl-PL" smtClean="0"/>
-              <a:t>11.05.2020</a:t>
+              <a:t>14.05.2020</a:t>
             </a:fld>
             <a:endParaRPr lang="pl-PL"/>
           </a:p>
@@ -3646,7 +8125,7 @@
           <a:p>
             <a:fld id="{96D30BF6-FA71-4576-A5BC-BB4B1D1254CD}" type="datetimeFigureOut">
               <a:rPr lang="pl-PL" smtClean="0"/>
-              <a:t>11.05.2020</a:t>
+              <a:t>14.05.2020</a:t>
             </a:fld>
             <a:endParaRPr lang="pl-PL"/>
           </a:p>
@@ -3883,7 +8362,7 @@
           <a:p>
             <a:fld id="{96D30BF6-FA71-4576-A5BC-BB4B1D1254CD}" type="datetimeFigureOut">
               <a:rPr lang="pl-PL" smtClean="0"/>
-              <a:t>11.05.2020</a:t>
+              <a:t>14.05.2020</a:t>
             </a:fld>
             <a:endParaRPr lang="pl-PL"/>
           </a:p>
@@ -4276,7 +8755,7 @@
           <a:p>
             <a:fld id="{96D30BF6-FA71-4576-A5BC-BB4B1D1254CD}" type="datetimeFigureOut">
               <a:rPr lang="pl-PL" smtClean="0"/>
-              <a:t>11.05.2020</a:t>
+              <a:t>14.05.2020</a:t>
             </a:fld>
             <a:endParaRPr lang="pl-PL"/>
           </a:p>
@@ -4394,7 +8873,7 @@
           <a:p>
             <a:fld id="{96D30BF6-FA71-4576-A5BC-BB4B1D1254CD}" type="datetimeFigureOut">
               <a:rPr lang="pl-PL" smtClean="0"/>
-              <a:t>11.05.2020</a:t>
+              <a:t>14.05.2020</a:t>
             </a:fld>
             <a:endParaRPr lang="pl-PL"/>
           </a:p>
@@ -4489,7 +8968,7 @@
           <a:p>
             <a:fld id="{96D30BF6-FA71-4576-A5BC-BB4B1D1254CD}" type="datetimeFigureOut">
               <a:rPr lang="pl-PL" smtClean="0"/>
-              <a:t>11.05.2020</a:t>
+              <a:t>14.05.2020</a:t>
             </a:fld>
             <a:endParaRPr lang="pl-PL"/>
           </a:p>
@@ -4762,7 +9241,7 @@
           <a:p>
             <a:fld id="{96D30BF6-FA71-4576-A5BC-BB4B1D1254CD}" type="datetimeFigureOut">
               <a:rPr lang="pl-PL" smtClean="0"/>
-              <a:t>11.05.2020</a:t>
+              <a:t>14.05.2020</a:t>
             </a:fld>
             <a:endParaRPr lang="pl-PL"/>
           </a:p>
@@ -5043,7 +9522,7 @@
           <a:p>
             <a:fld id="{96D30BF6-FA71-4576-A5BC-BB4B1D1254CD}" type="datetimeFigureOut">
               <a:rPr lang="pl-PL" smtClean="0"/>
-              <a:t>11.05.2020</a:t>
+              <a:t>14.05.2020</a:t>
             </a:fld>
             <a:endParaRPr lang="pl-PL"/>
           </a:p>
@@ -5283,7 +9762,7 @@
           <a:p>
             <a:fld id="{96D30BF6-FA71-4576-A5BC-BB4B1D1254CD}" type="datetimeFigureOut">
               <a:rPr lang="pl-PL" smtClean="0"/>
-              <a:t>11.05.2020</a:t>
+              <a:t>14.05.2020</a:t>
             </a:fld>
             <a:endParaRPr lang="pl-PL"/>
           </a:p>
@@ -5935,8 +10414,8 @@
         </p:nvSpPr>
         <p:spPr>
           <a:xfrm>
-            <a:off x="10068229" y="6107673"/>
-            <a:ext cx="1931233" cy="646331"/>
+            <a:off x="10068228" y="6107673"/>
+            <a:ext cx="1931234" cy="646331"/>
           </a:xfrm>
           <a:prstGeom prst="rect">
             <a:avLst/>
@@ -5959,7 +10438,7 @@
             <a:pPr algn="r"/>
             <a:r>
               <a:rPr lang="pl-PL" dirty="0"/>
-              <a:t>14th May 2020</a:t>
+              <a:t>14 May 2020</a:t>
             </a:r>
           </a:p>
         </p:txBody>
@@ -5978,6 +10457,677 @@
 </file>
 
 <file path=ppt/slides/slide10.xml><?xml version="1.0" encoding="utf-8"?>
+<p:sld xmlns:a="http://schemas.openxmlformats.org/drawingml/2006/main" xmlns:r="http://schemas.openxmlformats.org/officeDocument/2006/relationships" xmlns:p="http://schemas.openxmlformats.org/presentationml/2006/main">
+  <p:cSld>
+    <p:spTree>
+      <p:nvGrpSpPr>
+        <p:cNvPr id="1" name=""/>
+        <p:cNvGrpSpPr/>
+        <p:nvPr/>
+      </p:nvGrpSpPr>
+      <p:grpSpPr>
+        <a:xfrm>
+          <a:off x="0" y="0"/>
+          <a:ext cx="0" cy="0"/>
+          <a:chOff x="0" y="0"/>
+          <a:chExt cx="0" cy="0"/>
+        </a:xfrm>
+      </p:grpSpPr>
+      <p:sp>
+        <p:nvSpPr>
+          <p:cNvPr id="2" name="Title 1">
+            <a:extLst>
+              <a:ext uri="{FF2B5EF4-FFF2-40B4-BE49-F238E27FC236}">
+                <a16:creationId xmlns:a16="http://schemas.microsoft.com/office/drawing/2014/main" id="{AFCAF0A8-21E7-4241-8AD0-B6D2D459B7E7}"/>
+              </a:ext>
+            </a:extLst>
+          </p:cNvPr>
+          <p:cNvSpPr>
+            <a:spLocks noGrp="1"/>
+          </p:cNvSpPr>
+          <p:nvPr>
+            <p:ph type="title"/>
+          </p:nvPr>
+        </p:nvSpPr>
+        <p:spPr/>
+        <p:txBody>
+          <a:bodyPr/>
+          <a:lstStyle/>
+          <a:p>
+            <a:r>
+              <a:rPr lang="pl-PL" dirty="0" err="1"/>
+              <a:t>Strategy</a:t>
+            </a:r>
+            <a:endParaRPr lang="pl-PL" dirty="0"/>
+          </a:p>
+        </p:txBody>
+      </p:sp>
+      <p:pic>
+        <p:nvPicPr>
+          <p:cNvPr id="4" name="Picture 3" descr="A screenshot of a cell phone&#10;&#10;Description automatically generated">
+            <a:extLst>
+              <a:ext uri="{FF2B5EF4-FFF2-40B4-BE49-F238E27FC236}">
+                <a16:creationId xmlns:a16="http://schemas.microsoft.com/office/drawing/2014/main" id="{A5695DB3-54A2-4268-9FC7-507682F290FE}"/>
+              </a:ext>
+            </a:extLst>
+          </p:cNvPr>
+          <p:cNvPicPr>
+            <a:picLocks noChangeAspect="1"/>
+          </p:cNvPicPr>
+          <p:nvPr/>
+        </p:nvPicPr>
+        <p:blipFill>
+          <a:blip r:embed="rId3">
+            <a:extLst>
+              <a:ext uri="{28A0092B-C50C-407E-A947-70E740481C1C}">
+                <a14:useLocalDpi xmlns:a14="http://schemas.microsoft.com/office/drawing/2010/main" val="0"/>
+              </a:ext>
+            </a:extLst>
+          </a:blip>
+          <a:stretch>
+            <a:fillRect/>
+          </a:stretch>
+        </p:blipFill>
+        <p:spPr>
+          <a:xfrm>
+            <a:off x="2554969" y="1690688"/>
+            <a:ext cx="7082062" cy="4355782"/>
+          </a:xfrm>
+          <a:prstGeom prst="rect">
+            <a:avLst/>
+          </a:prstGeom>
+        </p:spPr>
+      </p:pic>
+    </p:spTree>
+    <p:extLst>
+      <p:ext uri="{BB962C8B-B14F-4D97-AF65-F5344CB8AC3E}">
+        <p14:creationId xmlns:p14="http://schemas.microsoft.com/office/powerpoint/2010/main" val="1054985023"/>
+      </p:ext>
+    </p:extLst>
+  </p:cSld>
+  <p:clrMapOvr>
+    <a:masterClrMapping/>
+  </p:clrMapOvr>
+  <p:timing>
+    <p:tnLst>
+      <p:par>
+        <p:cTn id="1" dur="indefinite" restart="never" nodeType="tmRoot">
+          <p:childTnLst>
+            <p:seq concurrent="1" nextAc="seek">
+              <p:cTn id="2" dur="indefinite" nodeType="mainSeq">
+                <p:childTnLst>
+                  <p:par>
+                    <p:cTn id="3" fill="hold">
+                      <p:stCondLst>
+                        <p:cond delay="indefinite"/>
+                      </p:stCondLst>
+                      <p:childTnLst>
+                        <p:par>
+                          <p:cTn id="4" fill="hold">
+                            <p:stCondLst>
+                              <p:cond delay="0"/>
+                            </p:stCondLst>
+                            <p:childTnLst>
+                              <p:par>
+                                <p:cTn id="5" presetID="1" presetClass="entr" presetSubtype="0" fill="hold" nodeType="clickEffect">
+                                  <p:stCondLst>
+                                    <p:cond delay="0"/>
+                                  </p:stCondLst>
+                                  <p:childTnLst>
+                                    <p:set>
+                                      <p:cBhvr>
+                                        <p:cTn id="6" dur="1" fill="hold">
+                                          <p:stCondLst>
+                                            <p:cond delay="0"/>
+                                          </p:stCondLst>
+                                        </p:cTn>
+                                        <p:tgtEl>
+                                          <p:spTgt spid="4"/>
+                                        </p:tgtEl>
+                                        <p:attrNameLst>
+                                          <p:attrName>style.visibility</p:attrName>
+                                        </p:attrNameLst>
+                                      </p:cBhvr>
+                                      <p:to>
+                                        <p:strVal val="visible"/>
+                                      </p:to>
+                                    </p:set>
+                                  </p:childTnLst>
+                                </p:cTn>
+                              </p:par>
+                            </p:childTnLst>
+                          </p:cTn>
+                        </p:par>
+                      </p:childTnLst>
+                    </p:cTn>
+                  </p:par>
+                  <p:par>
+                    <p:cTn id="7" fill="hold">
+                      <p:stCondLst>
+                        <p:cond delay="indefinite"/>
+                      </p:stCondLst>
+                      <p:childTnLst>
+                        <p:par>
+                          <p:cTn id="8" fill="hold">
+                            <p:stCondLst>
+                              <p:cond delay="0"/>
+                            </p:stCondLst>
+                            <p:childTnLst>
+                              <p:par>
+                                <p:cTn id="9" presetID="1" presetClass="entr" presetSubtype="0" fill="hold" grpId="0" nodeType="clickEffect">
+                                  <p:stCondLst>
+                                    <p:cond delay="0"/>
+                                  </p:stCondLst>
+                                  <p:childTnLst>
+                                    <p:set>
+                                      <p:cBhvr>
+                                        <p:cTn id="10" dur="1" fill="hold">
+                                          <p:stCondLst>
+                                            <p:cond delay="0"/>
+                                          </p:stCondLst>
+                                        </p:cTn>
+                                        <p:tgtEl>
+                                          <p:spTgt spid="2"/>
+                                        </p:tgtEl>
+                                        <p:attrNameLst>
+                                          <p:attrName>style.visibility</p:attrName>
+                                        </p:attrNameLst>
+                                      </p:cBhvr>
+                                      <p:to>
+                                        <p:strVal val="visible"/>
+                                      </p:to>
+                                    </p:set>
+                                  </p:childTnLst>
+                                </p:cTn>
+                              </p:par>
+                            </p:childTnLst>
+                          </p:cTn>
+                        </p:par>
+                      </p:childTnLst>
+                    </p:cTn>
+                  </p:par>
+                </p:childTnLst>
+              </p:cTn>
+              <p:prevCondLst>
+                <p:cond evt="onPrev" delay="0">
+                  <p:tgtEl>
+                    <p:sldTgt/>
+                  </p:tgtEl>
+                </p:cond>
+              </p:prevCondLst>
+              <p:nextCondLst>
+                <p:cond evt="onNext" delay="0">
+                  <p:tgtEl>
+                    <p:sldTgt/>
+                  </p:tgtEl>
+                </p:cond>
+              </p:nextCondLst>
+            </p:seq>
+          </p:childTnLst>
+        </p:cTn>
+      </p:par>
+    </p:tnLst>
+    <p:bldLst>
+      <p:bldP spid="2" grpId="0"/>
+    </p:bldLst>
+  </p:timing>
+</p:sld>
+</file>
+
+<file path=ppt/slides/slide11.xml><?xml version="1.0" encoding="utf-8"?>
+<p:sld xmlns:a="http://schemas.openxmlformats.org/drawingml/2006/main" xmlns:r="http://schemas.openxmlformats.org/officeDocument/2006/relationships" xmlns:p="http://schemas.openxmlformats.org/presentationml/2006/main">
+  <p:cSld>
+    <p:spTree>
+      <p:nvGrpSpPr>
+        <p:cNvPr id="1" name=""/>
+        <p:cNvGrpSpPr/>
+        <p:nvPr/>
+      </p:nvGrpSpPr>
+      <p:grpSpPr>
+        <a:xfrm>
+          <a:off x="0" y="0"/>
+          <a:ext cx="0" cy="0"/>
+          <a:chOff x="0" y="0"/>
+          <a:chExt cx="0" cy="0"/>
+        </a:xfrm>
+      </p:grpSpPr>
+      <p:sp>
+        <p:nvSpPr>
+          <p:cNvPr id="2" name="Title 1">
+            <a:extLst>
+              <a:ext uri="{FF2B5EF4-FFF2-40B4-BE49-F238E27FC236}">
+                <a16:creationId xmlns:a16="http://schemas.microsoft.com/office/drawing/2014/main" id="{AFCAF0A8-21E7-4241-8AD0-B6D2D459B7E7}"/>
+              </a:ext>
+            </a:extLst>
+          </p:cNvPr>
+          <p:cNvSpPr>
+            <a:spLocks noGrp="1"/>
+          </p:cNvSpPr>
+          <p:nvPr>
+            <p:ph type="title"/>
+          </p:nvPr>
+        </p:nvSpPr>
+        <p:spPr/>
+        <p:txBody>
+          <a:bodyPr/>
+          <a:lstStyle/>
+          <a:p>
+            <a:r>
+              <a:rPr lang="pl-PL" dirty="0" err="1"/>
+              <a:t>Visitor</a:t>
+            </a:r>
+            <a:endParaRPr lang="pl-PL" dirty="0"/>
+          </a:p>
+        </p:txBody>
+      </p:sp>
+      <p:pic>
+        <p:nvPicPr>
+          <p:cNvPr id="5" name="Picture 4" descr="A screenshot of a cell phone&#10;&#10;Description automatically generated">
+            <a:extLst>
+              <a:ext uri="{FF2B5EF4-FFF2-40B4-BE49-F238E27FC236}">
+                <a16:creationId xmlns:a16="http://schemas.microsoft.com/office/drawing/2014/main" id="{EC9393D2-D061-42A1-8C0B-E31045383360}"/>
+              </a:ext>
+            </a:extLst>
+          </p:cNvPr>
+          <p:cNvPicPr>
+            <a:picLocks noChangeAspect="1"/>
+          </p:cNvPicPr>
+          <p:nvPr/>
+        </p:nvPicPr>
+        <p:blipFill>
+          <a:blip r:embed="rId3">
+            <a:extLst>
+              <a:ext uri="{28A0092B-C50C-407E-A947-70E740481C1C}">
+                <a14:useLocalDpi xmlns:a14="http://schemas.microsoft.com/office/drawing/2010/main" val="0"/>
+              </a:ext>
+            </a:extLst>
+          </a:blip>
+          <a:stretch>
+            <a:fillRect/>
+          </a:stretch>
+        </p:blipFill>
+        <p:spPr>
+          <a:xfrm>
+            <a:off x="1872551" y="1690688"/>
+            <a:ext cx="8446898" cy="4749165"/>
+          </a:xfrm>
+          <a:prstGeom prst="rect">
+            <a:avLst/>
+          </a:prstGeom>
+        </p:spPr>
+      </p:pic>
+    </p:spTree>
+    <p:extLst>
+      <p:ext uri="{BB962C8B-B14F-4D97-AF65-F5344CB8AC3E}">
+        <p14:creationId xmlns:p14="http://schemas.microsoft.com/office/powerpoint/2010/main" val="119607306"/>
+      </p:ext>
+    </p:extLst>
+  </p:cSld>
+  <p:clrMapOvr>
+    <a:masterClrMapping/>
+  </p:clrMapOvr>
+  <p:timing>
+    <p:tnLst>
+      <p:par>
+        <p:cTn id="1" dur="indefinite" restart="never" nodeType="tmRoot">
+          <p:childTnLst>
+            <p:seq concurrent="1" nextAc="seek">
+              <p:cTn id="2" dur="indefinite" nodeType="mainSeq">
+                <p:childTnLst>
+                  <p:par>
+                    <p:cTn id="3" fill="hold">
+                      <p:stCondLst>
+                        <p:cond delay="indefinite"/>
+                      </p:stCondLst>
+                      <p:childTnLst>
+                        <p:par>
+                          <p:cTn id="4" fill="hold">
+                            <p:stCondLst>
+                              <p:cond delay="0"/>
+                            </p:stCondLst>
+                            <p:childTnLst>
+                              <p:par>
+                                <p:cTn id="5" presetID="1" presetClass="entr" presetSubtype="0" fill="hold" nodeType="clickEffect">
+                                  <p:stCondLst>
+                                    <p:cond delay="0"/>
+                                  </p:stCondLst>
+                                  <p:childTnLst>
+                                    <p:set>
+                                      <p:cBhvr>
+                                        <p:cTn id="6" dur="1" fill="hold">
+                                          <p:stCondLst>
+                                            <p:cond delay="0"/>
+                                          </p:stCondLst>
+                                        </p:cTn>
+                                        <p:tgtEl>
+                                          <p:spTgt spid="5"/>
+                                        </p:tgtEl>
+                                        <p:attrNameLst>
+                                          <p:attrName>style.visibility</p:attrName>
+                                        </p:attrNameLst>
+                                      </p:cBhvr>
+                                      <p:to>
+                                        <p:strVal val="visible"/>
+                                      </p:to>
+                                    </p:set>
+                                  </p:childTnLst>
+                                </p:cTn>
+                              </p:par>
+                            </p:childTnLst>
+                          </p:cTn>
+                        </p:par>
+                      </p:childTnLst>
+                    </p:cTn>
+                  </p:par>
+                  <p:par>
+                    <p:cTn id="7" fill="hold">
+                      <p:stCondLst>
+                        <p:cond delay="indefinite"/>
+                      </p:stCondLst>
+                      <p:childTnLst>
+                        <p:par>
+                          <p:cTn id="8" fill="hold">
+                            <p:stCondLst>
+                              <p:cond delay="0"/>
+                            </p:stCondLst>
+                            <p:childTnLst>
+                              <p:par>
+                                <p:cTn id="9" presetID="1" presetClass="entr" presetSubtype="0" fill="hold" grpId="0" nodeType="clickEffect">
+                                  <p:stCondLst>
+                                    <p:cond delay="0"/>
+                                  </p:stCondLst>
+                                  <p:childTnLst>
+                                    <p:set>
+                                      <p:cBhvr>
+                                        <p:cTn id="10" dur="1" fill="hold">
+                                          <p:stCondLst>
+                                            <p:cond delay="0"/>
+                                          </p:stCondLst>
+                                        </p:cTn>
+                                        <p:tgtEl>
+                                          <p:spTgt spid="2"/>
+                                        </p:tgtEl>
+                                        <p:attrNameLst>
+                                          <p:attrName>style.visibility</p:attrName>
+                                        </p:attrNameLst>
+                                      </p:cBhvr>
+                                      <p:to>
+                                        <p:strVal val="visible"/>
+                                      </p:to>
+                                    </p:set>
+                                  </p:childTnLst>
+                                </p:cTn>
+                              </p:par>
+                            </p:childTnLst>
+                          </p:cTn>
+                        </p:par>
+                      </p:childTnLst>
+                    </p:cTn>
+                  </p:par>
+                </p:childTnLst>
+              </p:cTn>
+              <p:prevCondLst>
+                <p:cond evt="onPrev" delay="0">
+                  <p:tgtEl>
+                    <p:sldTgt/>
+                  </p:tgtEl>
+                </p:cond>
+              </p:prevCondLst>
+              <p:nextCondLst>
+                <p:cond evt="onNext" delay="0">
+                  <p:tgtEl>
+                    <p:sldTgt/>
+                  </p:tgtEl>
+                </p:cond>
+              </p:nextCondLst>
+            </p:seq>
+          </p:childTnLst>
+        </p:cTn>
+      </p:par>
+    </p:tnLst>
+    <p:bldLst>
+      <p:bldP spid="2" grpId="0"/>
+    </p:bldLst>
+  </p:timing>
+</p:sld>
+</file>
+
+<file path=ppt/slides/slide12.xml><?xml version="1.0" encoding="utf-8"?>
+<p:sld xmlns:a="http://schemas.openxmlformats.org/drawingml/2006/main" xmlns:r="http://schemas.openxmlformats.org/officeDocument/2006/relationships" xmlns:p="http://schemas.openxmlformats.org/presentationml/2006/main">
+  <p:cSld>
+    <p:spTree>
+      <p:nvGrpSpPr>
+        <p:cNvPr id="1" name=""/>
+        <p:cNvGrpSpPr/>
+        <p:nvPr/>
+      </p:nvGrpSpPr>
+      <p:grpSpPr>
+        <a:xfrm>
+          <a:off x="0" y="0"/>
+          <a:ext cx="0" cy="0"/>
+          <a:chOff x="0" y="0"/>
+          <a:chExt cx="0" cy="0"/>
+        </a:xfrm>
+      </p:grpSpPr>
+      <p:sp>
+        <p:nvSpPr>
+          <p:cNvPr id="2" name="Title 1">
+            <a:extLst>
+              <a:ext uri="{FF2B5EF4-FFF2-40B4-BE49-F238E27FC236}">
+                <a16:creationId xmlns:a16="http://schemas.microsoft.com/office/drawing/2014/main" id="{6F112FC0-401D-463A-833B-192C24A8DAFB}"/>
+              </a:ext>
+            </a:extLst>
+          </p:cNvPr>
+          <p:cNvSpPr>
+            <a:spLocks noGrp="1"/>
+          </p:cNvSpPr>
+          <p:nvPr>
+            <p:ph type="title"/>
+          </p:nvPr>
+        </p:nvSpPr>
+        <p:spPr/>
+        <p:txBody>
+          <a:bodyPr/>
+          <a:lstStyle/>
+          <a:p>
+            <a:r>
+              <a:rPr lang="pl-PL" dirty="0" err="1"/>
+              <a:t>Clean</a:t>
+            </a:r>
+            <a:r>
+              <a:rPr lang="pl-PL" dirty="0"/>
+              <a:t> </a:t>
+            </a:r>
+            <a:r>
+              <a:rPr lang="pl-PL" dirty="0" err="1"/>
+              <a:t>architecture</a:t>
+            </a:r>
+            <a:r>
+              <a:rPr lang="pl-PL" dirty="0"/>
+              <a:t> - </a:t>
+            </a:r>
+            <a:r>
+              <a:rPr lang="pl-PL" dirty="0" err="1"/>
+              <a:t>purpose</a:t>
+            </a:r>
+            <a:endParaRPr lang="pl-PL" dirty="0"/>
+          </a:p>
+        </p:txBody>
+      </p:sp>
+      <p:sp>
+        <p:nvSpPr>
+          <p:cNvPr id="3" name="Content Placeholder 2">
+            <a:extLst>
+              <a:ext uri="{FF2B5EF4-FFF2-40B4-BE49-F238E27FC236}">
+                <a16:creationId xmlns:a16="http://schemas.microsoft.com/office/drawing/2014/main" id="{FAF0C9EE-AADE-4DE9-A1A7-0FE106796A68}"/>
+              </a:ext>
+            </a:extLst>
+          </p:cNvPr>
+          <p:cNvSpPr>
+            <a:spLocks noGrp="1"/>
+          </p:cNvSpPr>
+          <p:nvPr>
+            <p:ph idx="1"/>
+          </p:nvPr>
+        </p:nvSpPr>
+        <p:spPr/>
+        <p:txBody>
+          <a:bodyPr/>
+          <a:lstStyle/>
+          <a:p>
+            <a:pPr marL="0" indent="0">
+              <a:lnSpc>
+                <a:spcPct val="150000"/>
+              </a:lnSpc>
+              <a:buNone/>
+            </a:pPr>
+            <a:r>
+              <a:rPr lang="pl-PL" dirty="0">
+                <a:solidFill>
+                  <a:schemeClr val="tx1"/>
+                </a:solidFill>
+              </a:rPr>
+              <a:t>„</a:t>
+            </a:r>
+            <a:r>
+              <a:rPr lang="en-US" dirty="0">
+                <a:solidFill>
+                  <a:schemeClr val="tx1"/>
+                </a:solidFill>
+              </a:rPr>
+              <a:t>The primary purpose of architecture is to support the life cycle of the system. Good architecture makes the system </a:t>
+            </a:r>
+            <a:r>
+              <a:rPr lang="en-US" dirty="0">
+                <a:solidFill>
+                  <a:schemeClr val="tx1">
+                    <a:lumMod val="50000"/>
+                  </a:schemeClr>
+                </a:solidFill>
+              </a:rPr>
+              <a:t>easy to understand, easy to develop, easy to maintain, and easy to deploy</a:t>
+            </a:r>
+            <a:r>
+              <a:rPr lang="en-US" dirty="0">
+                <a:solidFill>
+                  <a:schemeClr val="tx1"/>
+                </a:solidFill>
+              </a:rPr>
+              <a:t>. The ultimate goal is to </a:t>
+            </a:r>
+            <a:r>
+              <a:rPr lang="en-US" dirty="0">
+                <a:solidFill>
+                  <a:schemeClr val="tx1">
+                    <a:lumMod val="50000"/>
+                  </a:schemeClr>
+                </a:solidFill>
+              </a:rPr>
+              <a:t>minimize</a:t>
+            </a:r>
+            <a:r>
+              <a:rPr lang="en-US" dirty="0">
+                <a:solidFill>
+                  <a:schemeClr val="tx1"/>
+                </a:solidFill>
+              </a:rPr>
+              <a:t> the lifetime </a:t>
+            </a:r>
+            <a:r>
+              <a:rPr lang="en-US" dirty="0">
+                <a:solidFill>
+                  <a:schemeClr val="tx1">
+                    <a:lumMod val="50000"/>
+                  </a:schemeClr>
+                </a:solidFill>
+              </a:rPr>
+              <a:t>cost</a:t>
+            </a:r>
+            <a:r>
+              <a:rPr lang="en-US" dirty="0">
+                <a:solidFill>
+                  <a:schemeClr val="tx1"/>
+                </a:solidFill>
+              </a:rPr>
+              <a:t> of the system and to </a:t>
+            </a:r>
+            <a:r>
+              <a:rPr lang="en-US" dirty="0">
+                <a:solidFill>
+                  <a:schemeClr val="tx1">
+                    <a:lumMod val="50000"/>
+                  </a:schemeClr>
+                </a:solidFill>
+              </a:rPr>
+              <a:t>maximize</a:t>
+            </a:r>
+            <a:r>
+              <a:rPr lang="en-US" dirty="0">
+                <a:solidFill>
+                  <a:schemeClr val="tx1"/>
+                </a:solidFill>
+              </a:rPr>
+              <a:t> programmer </a:t>
+            </a:r>
+            <a:r>
+              <a:rPr lang="en-US" dirty="0">
+                <a:solidFill>
+                  <a:schemeClr val="tx1">
+                    <a:lumMod val="50000"/>
+                  </a:schemeClr>
+                </a:solidFill>
+              </a:rPr>
+              <a:t>productivity</a:t>
+            </a:r>
+            <a:r>
+              <a:rPr lang="en-US" dirty="0">
+                <a:solidFill>
+                  <a:schemeClr val="tx1"/>
+                </a:solidFill>
+              </a:rPr>
+              <a:t>.</a:t>
+            </a:r>
+            <a:r>
+              <a:rPr lang="pl-PL" dirty="0">
+                <a:solidFill>
+                  <a:schemeClr val="tx1"/>
+                </a:solidFill>
+              </a:rPr>
+              <a:t>” </a:t>
+            </a:r>
+          </a:p>
+          <a:p>
+            <a:pPr marL="0" indent="0" algn="r">
+              <a:lnSpc>
+                <a:spcPct val="150000"/>
+              </a:lnSpc>
+              <a:buNone/>
+            </a:pPr>
+            <a:r>
+              <a:rPr lang="pl-PL" dirty="0">
+                <a:solidFill>
+                  <a:schemeClr val="tx1"/>
+                </a:solidFill>
+              </a:rPr>
+              <a:t>Robert C. Martin</a:t>
+            </a:r>
+          </a:p>
+        </p:txBody>
+      </p:sp>
+    </p:spTree>
+    <p:extLst>
+      <p:ext uri="{BB962C8B-B14F-4D97-AF65-F5344CB8AC3E}">
+        <p14:creationId xmlns:p14="http://schemas.microsoft.com/office/powerpoint/2010/main" val="717592095"/>
+      </p:ext>
+    </p:extLst>
+  </p:cSld>
+  <p:clrMapOvr>
+    <a:masterClrMapping/>
+  </p:clrMapOvr>
+</p:sld>
+</file>
+
+<file path=ppt/slides/slide13.xml><?xml version="1.0" encoding="utf-8"?>
 <p:sld xmlns:a="http://schemas.openxmlformats.org/drawingml/2006/main" xmlns:r="http://schemas.openxmlformats.org/officeDocument/2006/relationships" xmlns:p="http://schemas.openxmlformats.org/presentationml/2006/main">
   <p:cSld>
     <p:spTree>
@@ -6091,7 +11241,7 @@
 </p:sld>
 </file>
 
-<file path=ppt/slides/slide11.xml><?xml version="1.0" encoding="utf-8"?>
+<file path=ppt/slides/slide14.xml><?xml version="1.0" encoding="utf-8"?>
 <p:sld xmlns:a="http://schemas.openxmlformats.org/drawingml/2006/main" xmlns:r="http://schemas.openxmlformats.org/officeDocument/2006/relationships" xmlns:p="http://schemas.openxmlformats.org/presentationml/2006/main">
   <p:cSld>
     <p:spTree>
@@ -6241,371 +11391,6 @@
 </p:sld>
 </file>
 
-<file path=ppt/slides/slide12.xml><?xml version="1.0" encoding="utf-8"?>
-<p:sld xmlns:a="http://schemas.openxmlformats.org/drawingml/2006/main" xmlns:r="http://schemas.openxmlformats.org/officeDocument/2006/relationships" xmlns:p="http://schemas.openxmlformats.org/presentationml/2006/main">
-  <p:cSld>
-    <p:spTree>
-      <p:nvGrpSpPr>
-        <p:cNvPr id="1" name=""/>
-        <p:cNvGrpSpPr/>
-        <p:nvPr/>
-      </p:nvGrpSpPr>
-      <p:grpSpPr>
-        <a:xfrm>
-          <a:off x="0" y="0"/>
-          <a:ext cx="0" cy="0"/>
-          <a:chOff x="0" y="0"/>
-          <a:chExt cx="0" cy="0"/>
-        </a:xfrm>
-      </p:grpSpPr>
-      <p:sp>
-        <p:nvSpPr>
-          <p:cNvPr id="2" name="Title 1">
-            <a:extLst>
-              <a:ext uri="{FF2B5EF4-FFF2-40B4-BE49-F238E27FC236}">
-                <a16:creationId xmlns:a16="http://schemas.microsoft.com/office/drawing/2014/main" id="{C550EC31-A853-4F59-9A21-4D69800DFC1A}"/>
-              </a:ext>
-            </a:extLst>
-          </p:cNvPr>
-          <p:cNvSpPr>
-            <a:spLocks noGrp="1"/>
-          </p:cNvSpPr>
-          <p:nvPr>
-            <p:ph type="title"/>
-          </p:nvPr>
-        </p:nvSpPr>
-        <p:spPr>
-          <a:xfrm>
-            <a:off x="838200" y="365125"/>
-            <a:ext cx="10515600" cy="1325563"/>
-          </a:xfrm>
-        </p:spPr>
-        <p:txBody>
-          <a:bodyPr/>
-          <a:lstStyle/>
-          <a:p>
-            <a:r>
-              <a:rPr lang="pl-PL"/>
-              <a:t>Clean architecture – features</a:t>
-            </a:r>
-            <a:endParaRPr lang="pl-PL" dirty="0"/>
-          </a:p>
-        </p:txBody>
-      </p:sp>
-      <p:sp>
-        <p:nvSpPr>
-          <p:cNvPr id="3" name="Content Placeholder 2">
-            <a:extLst>
-              <a:ext uri="{FF2B5EF4-FFF2-40B4-BE49-F238E27FC236}">
-                <a16:creationId xmlns:a16="http://schemas.microsoft.com/office/drawing/2014/main" id="{4CA377AC-9822-4329-A457-F35648756A98}"/>
-              </a:ext>
-            </a:extLst>
-          </p:cNvPr>
-          <p:cNvSpPr>
-            <a:spLocks noGrp="1"/>
-          </p:cNvSpPr>
-          <p:nvPr>
-            <p:ph idx="1"/>
-          </p:nvPr>
-        </p:nvSpPr>
-        <p:spPr/>
-        <p:txBody>
-          <a:bodyPr>
-            <a:normAutofit/>
-          </a:bodyPr>
-          <a:lstStyle/>
-          <a:p>
-            <a:pPr>
-              <a:lnSpc>
-                <a:spcPct val="150000"/>
-              </a:lnSpc>
-            </a:pPr>
-            <a:r>
-              <a:rPr lang="pl-PL" dirty="0"/>
-              <a:t>I</a:t>
-            </a:r>
-            <a:r>
-              <a:rPr lang="en-US" dirty="0" err="1"/>
-              <a:t>ndependent</a:t>
-            </a:r>
-            <a:r>
-              <a:rPr lang="en-US" dirty="0"/>
-              <a:t> of Frameworks</a:t>
-            </a:r>
-            <a:endParaRPr lang="pl-PL" dirty="0"/>
-          </a:p>
-          <a:p>
-            <a:pPr>
-              <a:lnSpc>
-                <a:spcPct val="150000"/>
-              </a:lnSpc>
-            </a:pPr>
-            <a:r>
-              <a:rPr lang="pl-PL" dirty="0"/>
-              <a:t>T</a:t>
-            </a:r>
-            <a:r>
-              <a:rPr lang="en-US" dirty="0" err="1"/>
-              <a:t>estable</a:t>
-            </a:r>
-            <a:endParaRPr lang="pl-PL" dirty="0"/>
-          </a:p>
-          <a:p>
-            <a:pPr>
-              <a:lnSpc>
-                <a:spcPct val="150000"/>
-              </a:lnSpc>
-            </a:pPr>
-            <a:r>
-              <a:rPr lang="pl-PL" dirty="0"/>
-              <a:t>I</a:t>
-            </a:r>
-            <a:r>
-              <a:rPr lang="en-US" dirty="0" err="1"/>
-              <a:t>ndependent</a:t>
-            </a:r>
-            <a:r>
-              <a:rPr lang="en-US" dirty="0"/>
-              <a:t> of UI</a:t>
-            </a:r>
-          </a:p>
-          <a:p>
-            <a:pPr>
-              <a:lnSpc>
-                <a:spcPct val="150000"/>
-              </a:lnSpc>
-            </a:pPr>
-            <a:r>
-              <a:rPr lang="pl-PL" dirty="0"/>
-              <a:t>I</a:t>
-            </a:r>
-            <a:r>
-              <a:rPr lang="en-US" dirty="0" err="1"/>
-              <a:t>ndependent</a:t>
-            </a:r>
-            <a:r>
-              <a:rPr lang="en-US" dirty="0"/>
-              <a:t> of Database</a:t>
-            </a:r>
-            <a:endParaRPr lang="pl-PL" dirty="0"/>
-          </a:p>
-          <a:p>
-            <a:pPr>
-              <a:lnSpc>
-                <a:spcPct val="150000"/>
-              </a:lnSpc>
-            </a:pPr>
-            <a:r>
-              <a:rPr lang="pl-PL" dirty="0"/>
-              <a:t>I</a:t>
-            </a:r>
-            <a:r>
-              <a:rPr lang="en-US" dirty="0" err="1"/>
-              <a:t>ndependent</a:t>
-            </a:r>
-            <a:r>
-              <a:rPr lang="en-US" dirty="0"/>
-              <a:t> of any external agency</a:t>
-            </a:r>
-            <a:endParaRPr lang="pl-PL" dirty="0"/>
-          </a:p>
-        </p:txBody>
-      </p:sp>
-    </p:spTree>
-    <p:extLst>
-      <p:ext uri="{BB962C8B-B14F-4D97-AF65-F5344CB8AC3E}">
-        <p14:creationId xmlns:p14="http://schemas.microsoft.com/office/powerpoint/2010/main" val="1436067989"/>
-      </p:ext>
-    </p:extLst>
-  </p:cSld>
-  <p:clrMapOvr>
-    <a:masterClrMapping/>
-  </p:clrMapOvr>
-</p:sld>
-</file>
-
-<file path=ppt/slides/slide13.xml><?xml version="1.0" encoding="utf-8"?>
-<p:sld xmlns:a="http://schemas.openxmlformats.org/drawingml/2006/main" xmlns:r="http://schemas.openxmlformats.org/officeDocument/2006/relationships" xmlns:p="http://schemas.openxmlformats.org/presentationml/2006/main">
-  <p:cSld>
-    <p:spTree>
-      <p:nvGrpSpPr>
-        <p:cNvPr id="1" name=""/>
-        <p:cNvGrpSpPr/>
-        <p:nvPr/>
-      </p:nvGrpSpPr>
-      <p:grpSpPr>
-        <a:xfrm>
-          <a:off x="0" y="0"/>
-          <a:ext cx="0" cy="0"/>
-          <a:chOff x="0" y="0"/>
-          <a:chExt cx="0" cy="0"/>
-        </a:xfrm>
-      </p:grpSpPr>
-      <p:sp>
-        <p:nvSpPr>
-          <p:cNvPr id="2" name="Title 1">
-            <a:extLst>
-              <a:ext uri="{FF2B5EF4-FFF2-40B4-BE49-F238E27FC236}">
-                <a16:creationId xmlns:a16="http://schemas.microsoft.com/office/drawing/2014/main" id="{A6D76BE1-5E46-4D5B-A9C1-EE250A71739F}"/>
-              </a:ext>
-            </a:extLst>
-          </p:cNvPr>
-          <p:cNvSpPr>
-            <a:spLocks noGrp="1"/>
-          </p:cNvSpPr>
-          <p:nvPr>
-            <p:ph type="title"/>
-          </p:nvPr>
-        </p:nvSpPr>
-        <p:spPr/>
-        <p:txBody>
-          <a:bodyPr/>
-          <a:lstStyle/>
-          <a:p>
-            <a:r>
-              <a:rPr lang="pl-PL" dirty="0" err="1"/>
-              <a:t>Clean</a:t>
-            </a:r>
-            <a:r>
-              <a:rPr lang="pl-PL" dirty="0"/>
-              <a:t> </a:t>
-            </a:r>
-            <a:r>
-              <a:rPr lang="pl-PL" dirty="0" err="1"/>
-              <a:t>architecture</a:t>
-            </a:r>
-            <a:r>
-              <a:rPr lang="pl-PL" dirty="0"/>
-              <a:t> – </a:t>
-            </a:r>
-            <a:r>
-              <a:rPr lang="pl-PL" dirty="0" err="1"/>
-              <a:t>visualisation</a:t>
-            </a:r>
-            <a:r>
-              <a:rPr lang="pl-PL"/>
-              <a:t> III</a:t>
-            </a:r>
-          </a:p>
-        </p:txBody>
-      </p:sp>
-      <p:pic>
-        <p:nvPicPr>
-          <p:cNvPr id="5" name="Content Placeholder 4" descr="A picture containing text&#10;&#10;Description automatically generated">
-            <a:extLst>
-              <a:ext uri="{FF2B5EF4-FFF2-40B4-BE49-F238E27FC236}">
-                <a16:creationId xmlns:a16="http://schemas.microsoft.com/office/drawing/2014/main" id="{16A8743F-531C-40AA-A99A-5DC68C513514}"/>
-              </a:ext>
-            </a:extLst>
-          </p:cNvPr>
-          <p:cNvPicPr>
-            <a:picLocks noGrp="1" noChangeAspect="1"/>
-          </p:cNvPicPr>
-          <p:nvPr>
-            <p:ph idx="1"/>
-          </p:nvPr>
-        </p:nvPicPr>
-        <p:blipFill>
-          <a:blip r:embed="rId2">
-            <a:extLst>
-              <a:ext uri="{28A0092B-C50C-407E-A947-70E740481C1C}">
-                <a14:useLocalDpi xmlns:a14="http://schemas.microsoft.com/office/drawing/2010/main" val="0"/>
-              </a:ext>
-            </a:extLst>
-          </a:blip>
-          <a:stretch>
-            <a:fillRect/>
-          </a:stretch>
-        </p:blipFill>
-        <p:spPr>
-          <a:xfrm>
-            <a:off x="2185149" y="1575997"/>
-            <a:ext cx="7821701" cy="4916878"/>
-          </a:xfrm>
-        </p:spPr>
-      </p:pic>
-    </p:spTree>
-    <p:extLst>
-      <p:ext uri="{BB962C8B-B14F-4D97-AF65-F5344CB8AC3E}">
-        <p14:creationId xmlns:p14="http://schemas.microsoft.com/office/powerpoint/2010/main" val="1258527574"/>
-      </p:ext>
-    </p:extLst>
-  </p:cSld>
-  <p:clrMapOvr>
-    <a:masterClrMapping/>
-  </p:clrMapOvr>
-</p:sld>
-</file>
-
-<file path=ppt/slides/slide14.xml><?xml version="1.0" encoding="utf-8"?>
-<p:sld xmlns:a="http://schemas.openxmlformats.org/drawingml/2006/main" xmlns:r="http://schemas.openxmlformats.org/officeDocument/2006/relationships" xmlns:p="http://schemas.openxmlformats.org/presentationml/2006/main">
-  <p:cSld>
-    <p:spTree>
-      <p:nvGrpSpPr>
-        <p:cNvPr id="1" name=""/>
-        <p:cNvGrpSpPr/>
-        <p:nvPr/>
-      </p:nvGrpSpPr>
-      <p:grpSpPr>
-        <a:xfrm>
-          <a:off x="0" y="0"/>
-          <a:ext cx="0" cy="0"/>
-          <a:chOff x="0" y="0"/>
-          <a:chExt cx="0" cy="0"/>
-        </a:xfrm>
-      </p:grpSpPr>
-      <p:sp>
-        <p:nvSpPr>
-          <p:cNvPr id="4" name="Content Placeholder 3">
-            <a:extLst>
-              <a:ext uri="{FF2B5EF4-FFF2-40B4-BE49-F238E27FC236}">
-                <a16:creationId xmlns:a16="http://schemas.microsoft.com/office/drawing/2014/main" id="{52D2CFDB-CA12-4F70-B287-26C4C085268A}"/>
-              </a:ext>
-            </a:extLst>
-          </p:cNvPr>
-          <p:cNvSpPr>
-            <a:spLocks noGrp="1"/>
-          </p:cNvSpPr>
-          <p:nvPr>
-            <p:ph idx="1"/>
-          </p:nvPr>
-        </p:nvSpPr>
-        <p:spPr>
-          <a:xfrm>
-            <a:off x="1120000" y="585926"/>
-            <a:ext cx="10233800" cy="5591037"/>
-          </a:xfrm>
-        </p:spPr>
-        <p:txBody>
-          <a:bodyPr anchor="ctr">
-            <a:normAutofit/>
-          </a:bodyPr>
-          <a:lstStyle/>
-          <a:p>
-            <a:pPr marL="0" indent="0" algn="ctr">
-              <a:buNone/>
-            </a:pPr>
-            <a:r>
-              <a:rPr lang="en-US" sz="8800" dirty="0"/>
-              <a:t>Thank you!</a:t>
-            </a:r>
-            <a:endParaRPr lang="pl-PL" sz="8800" dirty="0"/>
-          </a:p>
-        </p:txBody>
-      </p:sp>
-    </p:spTree>
-    <p:extLst>
-      <p:ext uri="{BB962C8B-B14F-4D97-AF65-F5344CB8AC3E}">
-        <p14:creationId xmlns:p14="http://schemas.microsoft.com/office/powerpoint/2010/main" val="2416683795"/>
-      </p:ext>
-    </p:extLst>
-  </p:cSld>
-  <p:clrMapOvr>
-    <a:masterClrMapping/>
-  </p:clrMapOvr>
-</p:sld>
-</file>
-
 <file path=ppt/slides/slide15.xml><?xml version="1.0" encoding="utf-8"?>
 <p:sld xmlns:a="http://schemas.openxmlformats.org/drawingml/2006/main" xmlns:r="http://schemas.openxmlformats.org/officeDocument/2006/relationships" xmlns:p="http://schemas.openxmlformats.org/presentationml/2006/main">
   <p:cSld>
@@ -6628,6 +11413,901 @@
           <p:cNvPr id="2" name="Title 1">
             <a:extLst>
               <a:ext uri="{FF2B5EF4-FFF2-40B4-BE49-F238E27FC236}">
+                <a16:creationId xmlns:a16="http://schemas.microsoft.com/office/drawing/2014/main" id="{C550EC31-A853-4F59-9A21-4D69800DFC1A}"/>
+              </a:ext>
+            </a:extLst>
+          </p:cNvPr>
+          <p:cNvSpPr>
+            <a:spLocks noGrp="1"/>
+          </p:cNvSpPr>
+          <p:nvPr>
+            <p:ph type="title"/>
+          </p:nvPr>
+        </p:nvSpPr>
+        <p:spPr/>
+        <p:txBody>
+          <a:bodyPr/>
+          <a:lstStyle/>
+          <a:p>
+            <a:r>
+              <a:rPr lang="pl-PL" dirty="0" err="1"/>
+              <a:t>Clean</a:t>
+            </a:r>
+            <a:r>
+              <a:rPr lang="pl-PL" dirty="0"/>
+              <a:t> </a:t>
+            </a:r>
+            <a:r>
+              <a:rPr lang="pl-PL" dirty="0" err="1"/>
+              <a:t>architecture</a:t>
+            </a:r>
+            <a:r>
+              <a:rPr lang="pl-PL" dirty="0"/>
+              <a:t> – </a:t>
+            </a:r>
+            <a:r>
+              <a:rPr lang="pl-PL" dirty="0" err="1"/>
+              <a:t>features</a:t>
+            </a:r>
+            <a:endParaRPr lang="pl-PL" dirty="0"/>
+          </a:p>
+        </p:txBody>
+      </p:sp>
+      <p:sp>
+        <p:nvSpPr>
+          <p:cNvPr id="3" name="Content Placeholder 2">
+            <a:extLst>
+              <a:ext uri="{FF2B5EF4-FFF2-40B4-BE49-F238E27FC236}">
+                <a16:creationId xmlns:a16="http://schemas.microsoft.com/office/drawing/2014/main" id="{4CA377AC-9822-4329-A457-F35648756A98}"/>
+              </a:ext>
+            </a:extLst>
+          </p:cNvPr>
+          <p:cNvSpPr>
+            <a:spLocks noGrp="1"/>
+          </p:cNvSpPr>
+          <p:nvPr>
+            <p:ph idx="1"/>
+          </p:nvPr>
+        </p:nvSpPr>
+        <p:spPr/>
+        <p:txBody>
+          <a:bodyPr>
+            <a:normAutofit/>
+          </a:bodyPr>
+          <a:lstStyle/>
+          <a:p>
+            <a:pPr>
+              <a:lnSpc>
+                <a:spcPct val="150000"/>
+              </a:lnSpc>
+            </a:pPr>
+            <a:r>
+              <a:rPr lang="pl-PL" dirty="0"/>
+              <a:t>i</a:t>
+            </a:r>
+            <a:r>
+              <a:rPr lang="en-US" dirty="0" err="1"/>
+              <a:t>ndependent</a:t>
+            </a:r>
+            <a:r>
+              <a:rPr lang="en-US" dirty="0"/>
+              <a:t> of Frameworks</a:t>
+            </a:r>
+            <a:endParaRPr lang="pl-PL" dirty="0"/>
+          </a:p>
+          <a:p>
+            <a:pPr>
+              <a:lnSpc>
+                <a:spcPct val="150000"/>
+              </a:lnSpc>
+            </a:pPr>
+            <a:r>
+              <a:rPr lang="pl-PL" dirty="0"/>
+              <a:t>t</a:t>
+            </a:r>
+            <a:r>
+              <a:rPr lang="en-US" dirty="0" err="1"/>
+              <a:t>estable</a:t>
+            </a:r>
+            <a:endParaRPr lang="pl-PL" dirty="0"/>
+          </a:p>
+          <a:p>
+            <a:pPr>
+              <a:lnSpc>
+                <a:spcPct val="150000"/>
+              </a:lnSpc>
+            </a:pPr>
+            <a:r>
+              <a:rPr lang="pl-PL" dirty="0"/>
+              <a:t>i</a:t>
+            </a:r>
+            <a:r>
+              <a:rPr lang="en-US" dirty="0" err="1"/>
+              <a:t>ndependent</a:t>
+            </a:r>
+            <a:r>
+              <a:rPr lang="en-US" dirty="0"/>
+              <a:t> of UI</a:t>
+            </a:r>
+          </a:p>
+          <a:p>
+            <a:pPr>
+              <a:lnSpc>
+                <a:spcPct val="150000"/>
+              </a:lnSpc>
+            </a:pPr>
+            <a:r>
+              <a:rPr lang="pl-PL" dirty="0"/>
+              <a:t>i</a:t>
+            </a:r>
+            <a:r>
+              <a:rPr lang="en-US" dirty="0" err="1"/>
+              <a:t>ndependent</a:t>
+            </a:r>
+            <a:r>
+              <a:rPr lang="en-US" dirty="0"/>
+              <a:t> of Database</a:t>
+            </a:r>
+            <a:endParaRPr lang="pl-PL" dirty="0"/>
+          </a:p>
+          <a:p>
+            <a:pPr>
+              <a:lnSpc>
+                <a:spcPct val="150000"/>
+              </a:lnSpc>
+            </a:pPr>
+            <a:r>
+              <a:rPr lang="pl-PL" dirty="0"/>
+              <a:t>i</a:t>
+            </a:r>
+            <a:r>
+              <a:rPr lang="en-US" dirty="0" err="1"/>
+              <a:t>ndependent</a:t>
+            </a:r>
+            <a:r>
+              <a:rPr lang="en-US" dirty="0"/>
+              <a:t> of any external agency</a:t>
+            </a:r>
+            <a:endParaRPr lang="pl-PL" dirty="0"/>
+          </a:p>
+        </p:txBody>
+      </p:sp>
+    </p:spTree>
+    <p:extLst>
+      <p:ext uri="{BB962C8B-B14F-4D97-AF65-F5344CB8AC3E}">
+        <p14:creationId xmlns:p14="http://schemas.microsoft.com/office/powerpoint/2010/main" val="1436067989"/>
+      </p:ext>
+    </p:extLst>
+  </p:cSld>
+  <p:clrMapOvr>
+    <a:masterClrMapping/>
+  </p:clrMapOvr>
+</p:sld>
+</file>
+
+<file path=ppt/slides/slide16.xml><?xml version="1.0" encoding="utf-8"?>
+<p:sld xmlns:a="http://schemas.openxmlformats.org/drawingml/2006/main" xmlns:r="http://schemas.openxmlformats.org/officeDocument/2006/relationships" xmlns:p="http://schemas.openxmlformats.org/presentationml/2006/main">
+  <p:cSld>
+    <p:spTree>
+      <p:nvGrpSpPr>
+        <p:cNvPr id="1" name=""/>
+        <p:cNvGrpSpPr/>
+        <p:nvPr/>
+      </p:nvGrpSpPr>
+      <p:grpSpPr>
+        <a:xfrm>
+          <a:off x="0" y="0"/>
+          <a:ext cx="0" cy="0"/>
+          <a:chOff x="0" y="0"/>
+          <a:chExt cx="0" cy="0"/>
+        </a:xfrm>
+      </p:grpSpPr>
+      <p:sp>
+        <p:nvSpPr>
+          <p:cNvPr id="2" name="Title 1">
+            <a:extLst>
+              <a:ext uri="{FF2B5EF4-FFF2-40B4-BE49-F238E27FC236}">
+                <a16:creationId xmlns:a16="http://schemas.microsoft.com/office/drawing/2014/main" id="{B85C55C1-CCA6-4E75-9CC1-407F2357A807}"/>
+              </a:ext>
+            </a:extLst>
+          </p:cNvPr>
+          <p:cNvSpPr>
+            <a:spLocks noGrp="1"/>
+          </p:cNvSpPr>
+          <p:nvPr>
+            <p:ph type="title"/>
+          </p:nvPr>
+        </p:nvSpPr>
+        <p:spPr/>
+        <p:txBody>
+          <a:bodyPr/>
+          <a:lstStyle/>
+          <a:p>
+            <a:r>
+              <a:rPr lang="pl-PL" dirty="0" err="1"/>
+              <a:t>Clear</a:t>
+            </a:r>
+            <a:r>
+              <a:rPr lang="pl-PL" dirty="0"/>
+              <a:t> </a:t>
+            </a:r>
+            <a:r>
+              <a:rPr lang="pl-PL" dirty="0" err="1"/>
+              <a:t>architecture</a:t>
+            </a:r>
+            <a:r>
+              <a:rPr lang="pl-PL" dirty="0"/>
+              <a:t> - </a:t>
+            </a:r>
+            <a:r>
+              <a:rPr lang="pl-PL" dirty="0" err="1"/>
+              <a:t>guide</a:t>
+            </a:r>
+            <a:endParaRPr lang="pl-PL" dirty="0"/>
+          </a:p>
+        </p:txBody>
+      </p:sp>
+      <p:sp>
+        <p:nvSpPr>
+          <p:cNvPr id="3" name="Content Placeholder 2">
+            <a:extLst>
+              <a:ext uri="{FF2B5EF4-FFF2-40B4-BE49-F238E27FC236}">
+                <a16:creationId xmlns:a16="http://schemas.microsoft.com/office/drawing/2014/main" id="{6B368EB1-5C77-4186-BB7D-F7A492147C92}"/>
+              </a:ext>
+            </a:extLst>
+          </p:cNvPr>
+          <p:cNvSpPr>
+            <a:spLocks noGrp="1"/>
+          </p:cNvSpPr>
+          <p:nvPr>
+            <p:ph idx="1"/>
+          </p:nvPr>
+        </p:nvSpPr>
+        <p:spPr/>
+        <p:txBody>
+          <a:bodyPr/>
+          <a:lstStyle/>
+          <a:p>
+            <a:pPr>
+              <a:lnSpc>
+                <a:spcPct val="150000"/>
+              </a:lnSpc>
+            </a:pPr>
+            <a:r>
+              <a:rPr lang="pl-PL" dirty="0" err="1"/>
+              <a:t>Reuse</a:t>
+            </a:r>
+            <a:r>
+              <a:rPr lang="pl-PL" dirty="0"/>
+              <a:t>/</a:t>
+            </a:r>
+            <a:r>
+              <a:rPr lang="pl-PL" dirty="0" err="1"/>
+              <a:t>Release</a:t>
+            </a:r>
+            <a:r>
+              <a:rPr lang="pl-PL" dirty="0"/>
+              <a:t> </a:t>
+            </a:r>
+            <a:r>
+              <a:rPr lang="pl-PL" dirty="0" err="1"/>
+              <a:t>Equivalence</a:t>
+            </a:r>
+            <a:r>
+              <a:rPr lang="pl-PL" dirty="0"/>
+              <a:t> </a:t>
+            </a:r>
+            <a:r>
+              <a:rPr lang="pl-PL" dirty="0" err="1"/>
+              <a:t>Principle</a:t>
+            </a:r>
+            <a:r>
+              <a:rPr lang="pl-PL" dirty="0"/>
+              <a:t> (REP)</a:t>
+            </a:r>
+          </a:p>
+          <a:p>
+            <a:pPr>
+              <a:lnSpc>
+                <a:spcPct val="150000"/>
+              </a:lnSpc>
+            </a:pPr>
+            <a:r>
+              <a:rPr lang="pl-PL" dirty="0" err="1"/>
+              <a:t>Common</a:t>
+            </a:r>
+            <a:r>
+              <a:rPr lang="pl-PL" dirty="0"/>
+              <a:t> </a:t>
+            </a:r>
+            <a:r>
+              <a:rPr lang="pl-PL" dirty="0" err="1"/>
+              <a:t>Closure</a:t>
+            </a:r>
+            <a:r>
+              <a:rPr lang="pl-PL" dirty="0"/>
+              <a:t> </a:t>
+            </a:r>
+            <a:r>
+              <a:rPr lang="pl-PL" dirty="0" err="1"/>
+              <a:t>Principle</a:t>
+            </a:r>
+            <a:r>
+              <a:rPr lang="pl-PL" dirty="0"/>
+              <a:t> (CCP)</a:t>
+            </a:r>
+          </a:p>
+          <a:p>
+            <a:pPr>
+              <a:lnSpc>
+                <a:spcPct val="150000"/>
+              </a:lnSpc>
+            </a:pPr>
+            <a:r>
+              <a:rPr lang="pl-PL" dirty="0" err="1"/>
+              <a:t>Common</a:t>
+            </a:r>
+            <a:r>
+              <a:rPr lang="pl-PL" dirty="0"/>
+              <a:t> </a:t>
+            </a:r>
+            <a:r>
+              <a:rPr lang="pl-PL" dirty="0" err="1"/>
+              <a:t>Reuse</a:t>
+            </a:r>
+            <a:r>
+              <a:rPr lang="pl-PL" dirty="0"/>
+              <a:t> </a:t>
+            </a:r>
+            <a:r>
+              <a:rPr lang="pl-PL" dirty="0" err="1"/>
+              <a:t>Principle</a:t>
+            </a:r>
+            <a:r>
+              <a:rPr lang="pl-PL" dirty="0"/>
+              <a:t> (CRP)</a:t>
+            </a:r>
+          </a:p>
+          <a:p>
+            <a:pPr>
+              <a:lnSpc>
+                <a:spcPct val="150000"/>
+              </a:lnSpc>
+            </a:pPr>
+            <a:r>
+              <a:rPr lang="pl-PL" dirty="0" err="1"/>
+              <a:t>Acyclic</a:t>
+            </a:r>
+            <a:r>
+              <a:rPr lang="pl-PL" dirty="0"/>
+              <a:t> </a:t>
+            </a:r>
+            <a:r>
+              <a:rPr lang="pl-PL" dirty="0" err="1"/>
+              <a:t>Dependency</a:t>
+            </a:r>
+            <a:r>
+              <a:rPr lang="pl-PL" dirty="0"/>
+              <a:t> </a:t>
+            </a:r>
+            <a:r>
+              <a:rPr lang="pl-PL" dirty="0" err="1"/>
+              <a:t>Principle</a:t>
+            </a:r>
+            <a:r>
+              <a:rPr lang="pl-PL" dirty="0"/>
+              <a:t> (ADP)</a:t>
+            </a:r>
+          </a:p>
+          <a:p>
+            <a:pPr>
+              <a:lnSpc>
+                <a:spcPct val="150000"/>
+              </a:lnSpc>
+            </a:pPr>
+            <a:r>
+              <a:rPr lang="pl-PL" dirty="0" err="1"/>
+              <a:t>Stable</a:t>
+            </a:r>
+            <a:r>
+              <a:rPr lang="pl-PL" dirty="0"/>
+              <a:t> </a:t>
+            </a:r>
+            <a:r>
+              <a:rPr lang="pl-PL" dirty="0" err="1"/>
+              <a:t>Dependency</a:t>
+            </a:r>
+            <a:r>
+              <a:rPr lang="pl-PL" dirty="0"/>
+              <a:t> </a:t>
+            </a:r>
+            <a:r>
+              <a:rPr lang="pl-PL" dirty="0" err="1"/>
+              <a:t>Principle</a:t>
+            </a:r>
+            <a:r>
+              <a:rPr lang="pl-PL" dirty="0"/>
+              <a:t> (SDP)</a:t>
+            </a:r>
+          </a:p>
+          <a:p>
+            <a:pPr marL="0" indent="0">
+              <a:lnSpc>
+                <a:spcPct val="150000"/>
+              </a:lnSpc>
+              <a:buNone/>
+            </a:pPr>
+            <a:endParaRPr lang="pl-PL" dirty="0"/>
+          </a:p>
+        </p:txBody>
+      </p:sp>
+    </p:spTree>
+    <p:extLst>
+      <p:ext uri="{BB962C8B-B14F-4D97-AF65-F5344CB8AC3E}">
+        <p14:creationId xmlns:p14="http://schemas.microsoft.com/office/powerpoint/2010/main" val="1716161247"/>
+      </p:ext>
+    </p:extLst>
+  </p:cSld>
+  <p:clrMapOvr>
+    <a:masterClrMapping/>
+  </p:clrMapOvr>
+</p:sld>
+</file>
+
+<file path=ppt/slides/slide17.xml><?xml version="1.0" encoding="utf-8"?>
+<p:sld xmlns:a="http://schemas.openxmlformats.org/drawingml/2006/main" xmlns:r="http://schemas.openxmlformats.org/officeDocument/2006/relationships" xmlns:p="http://schemas.openxmlformats.org/presentationml/2006/main">
+  <p:cSld>
+    <p:bg>
+      <p:bgPr>
+        <a:blipFill dpi="0" rotWithShape="1">
+          <a:blip r:embed="rId3">
+            <a:lum/>
+          </a:blip>
+          <a:srcRect/>
+          <a:stretch>
+            <a:fillRect/>
+          </a:stretch>
+        </a:blipFill>
+        <a:effectLst/>
+      </p:bgPr>
+    </p:bg>
+    <p:spTree>
+      <p:nvGrpSpPr>
+        <p:cNvPr id="1" name=""/>
+        <p:cNvGrpSpPr/>
+        <p:nvPr/>
+      </p:nvGrpSpPr>
+      <p:grpSpPr>
+        <a:xfrm>
+          <a:off x="0" y="0"/>
+          <a:ext cx="0" cy="0"/>
+          <a:chOff x="0" y="0"/>
+          <a:chExt cx="0" cy="0"/>
+        </a:xfrm>
+      </p:grpSpPr>
+      <p:sp useBgFill="1">
+        <p:nvSpPr>
+          <p:cNvPr id="12" name="Rectangle 7">
+            <a:extLst>
+              <a:ext uri="{FF2B5EF4-FFF2-40B4-BE49-F238E27FC236}">
+                <a16:creationId xmlns:a16="http://schemas.microsoft.com/office/drawing/2014/main" id="{6B2275DD-736C-472F-9D1B-3BA6016BFD7F}"/>
+              </a:ext>
+              <a:ext uri="{C183D7F6-B498-43B3-948B-1728B52AA6E4}">
+                <adec:decorative xmlns:adec="http://schemas.microsoft.com/office/drawing/2017/decorative" val="1"/>
+              </a:ext>
+            </a:extLst>
+          </p:cNvPr>
+          <p:cNvSpPr>
+            <a:spLocks noGrp="1" noRot="1" noChangeAspect="1" noMove="1" noResize="1" noEditPoints="1" noAdjustHandles="1" noChangeArrowheads="1" noChangeShapeType="1" noTextEdit="1"/>
+          </p:cNvSpPr>
+          <p:nvPr>
+            <p:extLst>
+              <p:ext uri="{386F3935-93C4-4BCD-93E2-E3B085C9AB24}">
+                <p16:designElem xmlns:p16="http://schemas.microsoft.com/office/powerpoint/2015/main" val="1"/>
+              </p:ext>
+            </p:extLst>
+          </p:nvPr>
+        </p:nvSpPr>
+        <p:spPr bwMode="white">
+          <a:xfrm>
+            <a:off x="0" y="0"/>
+            <a:ext cx="12192000" cy="6858000"/>
+          </a:xfrm>
+          <a:prstGeom prst="rect">
+            <a:avLst/>
+          </a:prstGeom>
+          <a:ln>
+            <a:noFill/>
+          </a:ln>
+        </p:spPr>
+        <p:style>
+          <a:lnRef idx="2">
+            <a:schemeClr val="accent1">
+              <a:shade val="50000"/>
+            </a:schemeClr>
+          </a:lnRef>
+          <a:fillRef idx="1">
+            <a:schemeClr val="accent1"/>
+          </a:fillRef>
+          <a:effectRef idx="0">
+            <a:schemeClr val="accent1"/>
+          </a:effectRef>
+          <a:fontRef idx="minor">
+            <a:schemeClr val="lt1"/>
+          </a:fontRef>
+        </p:style>
+        <p:txBody>
+          <a:bodyPr rtlCol="0" anchor="ctr"/>
+          <a:lstStyle>
+            <a:defPPr>
+              <a:defRPr lang="en-US"/>
+            </a:defPPr>
+            <a:lvl1pPr marL="0" algn="l" defTabSz="457200" rtl="0" eaLnBrk="1" latinLnBrk="0" hangingPunct="1">
+              <a:defRPr sz="1800" kern="1200">
+                <a:solidFill>
+                  <a:schemeClr val="lt1"/>
+                </a:solidFill>
+                <a:latin typeface="+mn-lt"/>
+                <a:ea typeface="+mn-ea"/>
+                <a:cs typeface="+mn-cs"/>
+              </a:defRPr>
+            </a:lvl1pPr>
+            <a:lvl2pPr marL="457200" algn="l" defTabSz="457200" rtl="0" eaLnBrk="1" latinLnBrk="0" hangingPunct="1">
+              <a:defRPr sz="1800" kern="1200">
+                <a:solidFill>
+                  <a:schemeClr val="lt1"/>
+                </a:solidFill>
+                <a:latin typeface="+mn-lt"/>
+                <a:ea typeface="+mn-ea"/>
+                <a:cs typeface="+mn-cs"/>
+              </a:defRPr>
+            </a:lvl2pPr>
+            <a:lvl3pPr marL="914400" algn="l" defTabSz="457200" rtl="0" eaLnBrk="1" latinLnBrk="0" hangingPunct="1">
+              <a:defRPr sz="1800" kern="1200">
+                <a:solidFill>
+                  <a:schemeClr val="lt1"/>
+                </a:solidFill>
+                <a:latin typeface="+mn-lt"/>
+                <a:ea typeface="+mn-ea"/>
+                <a:cs typeface="+mn-cs"/>
+              </a:defRPr>
+            </a:lvl3pPr>
+            <a:lvl4pPr marL="1371600" algn="l" defTabSz="457200" rtl="0" eaLnBrk="1" latinLnBrk="0" hangingPunct="1">
+              <a:defRPr sz="1800" kern="1200">
+                <a:solidFill>
+                  <a:schemeClr val="lt1"/>
+                </a:solidFill>
+                <a:latin typeface="+mn-lt"/>
+                <a:ea typeface="+mn-ea"/>
+                <a:cs typeface="+mn-cs"/>
+              </a:defRPr>
+            </a:lvl4pPr>
+            <a:lvl5pPr marL="1828800" algn="l" defTabSz="457200" rtl="0" eaLnBrk="1" latinLnBrk="0" hangingPunct="1">
+              <a:defRPr sz="1800" kern="1200">
+                <a:solidFill>
+                  <a:schemeClr val="lt1"/>
+                </a:solidFill>
+                <a:latin typeface="+mn-lt"/>
+                <a:ea typeface="+mn-ea"/>
+                <a:cs typeface="+mn-cs"/>
+              </a:defRPr>
+            </a:lvl5pPr>
+            <a:lvl6pPr marL="2286000" algn="l" defTabSz="457200" rtl="0" eaLnBrk="1" latinLnBrk="0" hangingPunct="1">
+              <a:defRPr sz="1800" kern="1200">
+                <a:solidFill>
+                  <a:schemeClr val="lt1"/>
+                </a:solidFill>
+                <a:latin typeface="+mn-lt"/>
+                <a:ea typeface="+mn-ea"/>
+                <a:cs typeface="+mn-cs"/>
+              </a:defRPr>
+            </a:lvl6pPr>
+            <a:lvl7pPr marL="2743200" algn="l" defTabSz="457200" rtl="0" eaLnBrk="1" latinLnBrk="0" hangingPunct="1">
+              <a:defRPr sz="1800" kern="1200">
+                <a:solidFill>
+                  <a:schemeClr val="lt1"/>
+                </a:solidFill>
+                <a:latin typeface="+mn-lt"/>
+                <a:ea typeface="+mn-ea"/>
+                <a:cs typeface="+mn-cs"/>
+              </a:defRPr>
+            </a:lvl7pPr>
+            <a:lvl8pPr marL="3200400" algn="l" defTabSz="457200" rtl="0" eaLnBrk="1" latinLnBrk="0" hangingPunct="1">
+              <a:defRPr sz="1800" kern="1200">
+                <a:solidFill>
+                  <a:schemeClr val="lt1"/>
+                </a:solidFill>
+                <a:latin typeface="+mn-lt"/>
+                <a:ea typeface="+mn-ea"/>
+                <a:cs typeface="+mn-cs"/>
+              </a:defRPr>
+            </a:lvl8pPr>
+            <a:lvl9pPr marL="3657600" algn="l" defTabSz="457200" rtl="0" eaLnBrk="1" latinLnBrk="0" hangingPunct="1">
+              <a:defRPr sz="1800" kern="1200">
+                <a:solidFill>
+                  <a:schemeClr val="lt1"/>
+                </a:solidFill>
+                <a:latin typeface="+mn-lt"/>
+                <a:ea typeface="+mn-ea"/>
+                <a:cs typeface="+mn-cs"/>
+              </a:defRPr>
+            </a:lvl9pPr>
+          </a:lstStyle>
+          <a:p>
+            <a:pPr algn="ctr"/>
+            <a:endParaRPr lang="en-US"/>
+          </a:p>
+        </p:txBody>
+      </p:sp>
+      <p:sp>
+        <p:nvSpPr>
+          <p:cNvPr id="2" name="Title 1">
+            <a:extLst>
+              <a:ext uri="{FF2B5EF4-FFF2-40B4-BE49-F238E27FC236}">
+                <a16:creationId xmlns:a16="http://schemas.microsoft.com/office/drawing/2014/main" id="{A6D76BE1-5E46-4D5B-A9C1-EE250A71739F}"/>
+              </a:ext>
+            </a:extLst>
+          </p:cNvPr>
+          <p:cNvSpPr>
+            <a:spLocks noGrp="1"/>
+          </p:cNvSpPr>
+          <p:nvPr>
+            <p:ph type="title"/>
+          </p:nvPr>
+        </p:nvSpPr>
+        <p:spPr>
+          <a:xfrm>
+            <a:off x="838200" y="365125"/>
+            <a:ext cx="10676138" cy="1137104"/>
+          </a:xfrm>
+        </p:spPr>
+        <p:txBody>
+          <a:bodyPr anchor="b">
+            <a:noAutofit/>
+          </a:bodyPr>
+          <a:lstStyle/>
+          <a:p>
+            <a:r>
+              <a:rPr lang="pl-PL" dirty="0" err="1">
+                <a:solidFill>
+                  <a:schemeClr val="tx1">
+                    <a:lumMod val="95000"/>
+                  </a:schemeClr>
+                </a:solidFill>
+              </a:rPr>
+              <a:t>Clean</a:t>
+            </a:r>
+            <a:r>
+              <a:rPr lang="pl-PL" dirty="0">
+                <a:solidFill>
+                  <a:schemeClr val="tx1">
+                    <a:lumMod val="95000"/>
+                  </a:schemeClr>
+                </a:solidFill>
+              </a:rPr>
+              <a:t> </a:t>
+            </a:r>
+            <a:r>
+              <a:rPr lang="pl-PL" dirty="0" err="1">
+                <a:solidFill>
+                  <a:schemeClr val="tx1">
+                    <a:lumMod val="95000"/>
+                  </a:schemeClr>
+                </a:solidFill>
+              </a:rPr>
+              <a:t>architecture</a:t>
+            </a:r>
+            <a:r>
+              <a:rPr lang="pl-PL" dirty="0">
+                <a:solidFill>
+                  <a:schemeClr val="tx1">
+                    <a:lumMod val="95000"/>
+                  </a:schemeClr>
+                </a:solidFill>
+              </a:rPr>
+              <a:t> – </a:t>
+            </a:r>
+            <a:r>
+              <a:rPr lang="pl-PL" dirty="0" err="1">
+                <a:solidFill>
+                  <a:schemeClr val="tx1">
+                    <a:lumMod val="95000"/>
+                  </a:schemeClr>
+                </a:solidFill>
+              </a:rPr>
+              <a:t>visualisation</a:t>
+            </a:r>
+            <a:r>
+              <a:rPr lang="pl-PL" dirty="0">
+                <a:solidFill>
+                  <a:schemeClr val="tx1">
+                    <a:lumMod val="95000"/>
+                  </a:schemeClr>
+                </a:solidFill>
+              </a:rPr>
+              <a:t> III</a:t>
+            </a:r>
+          </a:p>
+        </p:txBody>
+      </p:sp>
+      <p:pic>
+        <p:nvPicPr>
+          <p:cNvPr id="7" name="Picture 6" descr="A picture containing device&#10;&#10;Description automatically generated">
+            <a:extLst>
+              <a:ext uri="{FF2B5EF4-FFF2-40B4-BE49-F238E27FC236}">
+                <a16:creationId xmlns:a16="http://schemas.microsoft.com/office/drawing/2014/main" id="{3CE4BDA1-15C3-47BC-9E90-800F1CED807C}"/>
+              </a:ext>
+            </a:extLst>
+          </p:cNvPr>
+          <p:cNvPicPr>
+            <a:picLocks noChangeAspect="1"/>
+          </p:cNvPicPr>
+          <p:nvPr/>
+        </p:nvPicPr>
+        <p:blipFill>
+          <a:blip r:embed="rId4">
+            <a:extLst>
+              <a:ext uri="{28A0092B-C50C-407E-A947-70E740481C1C}">
+                <a14:useLocalDpi xmlns:a14="http://schemas.microsoft.com/office/drawing/2010/main" val="0"/>
+              </a:ext>
+            </a:extLst>
+          </a:blip>
+          <a:stretch>
+            <a:fillRect/>
+          </a:stretch>
+        </p:blipFill>
+        <p:spPr>
+          <a:xfrm>
+            <a:off x="3343247" y="1502229"/>
+            <a:ext cx="5505506" cy="5152481"/>
+          </a:xfrm>
+          <a:prstGeom prst="rect">
+            <a:avLst/>
+          </a:prstGeom>
+        </p:spPr>
+      </p:pic>
+    </p:spTree>
+    <p:extLst>
+      <p:ext uri="{BB962C8B-B14F-4D97-AF65-F5344CB8AC3E}">
+        <p14:creationId xmlns:p14="http://schemas.microsoft.com/office/powerpoint/2010/main" val="1258527574"/>
+      </p:ext>
+    </p:extLst>
+  </p:cSld>
+  <p:clrMapOvr>
+    <a:masterClrMapping/>
+  </p:clrMapOvr>
+</p:sld>
+</file>
+
+<file path=ppt/slides/slide18.xml><?xml version="1.0" encoding="utf-8"?>
+<p:sld xmlns:a="http://schemas.openxmlformats.org/drawingml/2006/main" xmlns:r="http://schemas.openxmlformats.org/officeDocument/2006/relationships" xmlns:p="http://schemas.openxmlformats.org/presentationml/2006/main">
+  <p:cSld>
+    <p:spTree>
+      <p:nvGrpSpPr>
+        <p:cNvPr id="1" name=""/>
+        <p:cNvGrpSpPr/>
+        <p:nvPr/>
+      </p:nvGrpSpPr>
+      <p:grpSpPr>
+        <a:xfrm>
+          <a:off x="0" y="0"/>
+          <a:ext cx="0" cy="0"/>
+          <a:chOff x="0" y="0"/>
+          <a:chExt cx="0" cy="0"/>
+        </a:xfrm>
+      </p:grpSpPr>
+      <p:sp>
+        <p:nvSpPr>
+          <p:cNvPr id="2" name="Title 1">
+            <a:extLst>
+              <a:ext uri="{FF2B5EF4-FFF2-40B4-BE49-F238E27FC236}">
+                <a16:creationId xmlns:a16="http://schemas.microsoft.com/office/drawing/2014/main" id="{63D0D55E-A94D-49AE-AB94-F3564CBE62F7}"/>
+              </a:ext>
+            </a:extLst>
+          </p:cNvPr>
+          <p:cNvSpPr>
+            <a:spLocks noGrp="1"/>
+          </p:cNvSpPr>
+          <p:nvPr>
+            <p:ph type="title"/>
+          </p:nvPr>
+        </p:nvSpPr>
+        <p:spPr/>
+        <p:txBody>
+          <a:bodyPr/>
+          <a:lstStyle/>
+          <a:p>
+            <a:r>
+              <a:rPr lang="pl-PL" dirty="0" err="1"/>
+              <a:t>Questions</a:t>
+            </a:r>
+            <a:r>
+              <a:rPr lang="pl-PL" dirty="0"/>
+              <a:t>?</a:t>
+            </a:r>
+          </a:p>
+        </p:txBody>
+      </p:sp>
+      <p:sp>
+        <p:nvSpPr>
+          <p:cNvPr id="3" name="Content Placeholder 2">
+            <a:extLst>
+              <a:ext uri="{FF2B5EF4-FFF2-40B4-BE49-F238E27FC236}">
+                <a16:creationId xmlns:a16="http://schemas.microsoft.com/office/drawing/2014/main" id="{CCBF6768-B6BA-400B-B425-0E7C34F1CD39}"/>
+              </a:ext>
+            </a:extLst>
+          </p:cNvPr>
+          <p:cNvSpPr>
+            <a:spLocks noGrp="1"/>
+          </p:cNvSpPr>
+          <p:nvPr>
+            <p:ph idx="1"/>
+          </p:nvPr>
+        </p:nvSpPr>
+        <p:spPr/>
+        <p:txBody>
+          <a:bodyPr anchor="ctr">
+            <a:normAutofit/>
+          </a:bodyPr>
+          <a:lstStyle/>
+          <a:p>
+            <a:pPr marL="0" indent="0" algn="ctr">
+              <a:buNone/>
+            </a:pPr>
+            <a:r>
+              <a:rPr lang="pl-PL" sz="7200" dirty="0" err="1"/>
+              <a:t>Thank</a:t>
+            </a:r>
+            <a:r>
+              <a:rPr lang="pl-PL" sz="7200" dirty="0"/>
+              <a:t> </a:t>
+            </a:r>
+            <a:r>
+              <a:rPr lang="pl-PL" sz="7200" dirty="0" err="1"/>
+              <a:t>you</a:t>
+            </a:r>
+            <a:r>
+              <a:rPr lang="pl-PL" sz="7200" dirty="0"/>
+              <a:t>!</a:t>
+            </a:r>
+          </a:p>
+        </p:txBody>
+      </p:sp>
+    </p:spTree>
+    <p:extLst>
+      <p:ext uri="{BB962C8B-B14F-4D97-AF65-F5344CB8AC3E}">
+        <p14:creationId xmlns:p14="http://schemas.microsoft.com/office/powerpoint/2010/main" val="492141847"/>
+      </p:ext>
+    </p:extLst>
+  </p:cSld>
+  <p:clrMapOvr>
+    <a:masterClrMapping/>
+  </p:clrMapOvr>
+</p:sld>
+</file>
+
+<file path=ppt/slides/slide19.xml><?xml version="1.0" encoding="utf-8"?>
+<p:sld xmlns:a="http://schemas.openxmlformats.org/drawingml/2006/main" xmlns:r="http://schemas.openxmlformats.org/officeDocument/2006/relationships" xmlns:p="http://schemas.openxmlformats.org/presentationml/2006/main">
+  <p:cSld>
+    <p:spTree>
+      <p:nvGrpSpPr>
+        <p:cNvPr id="1" name=""/>
+        <p:cNvGrpSpPr/>
+        <p:nvPr/>
+      </p:nvGrpSpPr>
+      <p:grpSpPr>
+        <a:xfrm>
+          <a:off x="0" y="0"/>
+          <a:ext cx="0" cy="0"/>
+          <a:chOff x="0" y="0"/>
+          <a:chExt cx="0" cy="0"/>
+        </a:xfrm>
+      </p:grpSpPr>
+      <p:sp>
+        <p:nvSpPr>
+          <p:cNvPr id="2" name="Title 1">
+            <a:extLst>
+              <a:ext uri="{FF2B5EF4-FFF2-40B4-BE49-F238E27FC236}">
                 <a16:creationId xmlns:a16="http://schemas.microsoft.com/office/drawing/2014/main" id="{238AC188-0F70-4D5D-A085-E81D9D2AFEB5}"/>
               </a:ext>
             </a:extLst>
@@ -6676,7 +12356,7 @@
         </p:spPr>
         <p:txBody>
           <a:bodyPr>
-            <a:normAutofit/>
+            <a:normAutofit fontScale="92500" lnSpcReduction="20000"/>
           </a:bodyPr>
           <a:lstStyle/>
           <a:p>
@@ -6688,12 +12368,12 @@
               <a:buChar char="-"/>
             </a:pPr>
             <a:r>
-              <a:rPr lang="pl-PL" sz="1600" dirty="0">
-                <a:hlinkClick r:id="rId2"/>
+              <a:rPr lang="pl-PL" sz="2000" dirty="0">
+                <a:hlinkClick r:id="rId3"/>
               </a:rPr>
               <a:t>https://images-na.ssl-images-amazon.com/images/G/01/gc/designs/livepreview/amazon_drkblue_noto_printfold_v2016_us-main._CB468920742_.png</a:t>
             </a:r>
-            <a:endParaRPr lang="pl-PL" sz="1600" dirty="0"/>
+            <a:endParaRPr lang="pl-PL" sz="2000" dirty="0"/>
           </a:p>
           <a:p>
             <a:pPr>
@@ -6704,12 +12384,12 @@
               <a:buChar char="-"/>
             </a:pPr>
             <a:r>
-              <a:rPr lang="pl-PL" sz="1600" dirty="0">
-                <a:hlinkClick r:id="rId3"/>
+              <a:rPr lang="pl-PL" sz="2000" dirty="0">
+                <a:hlinkClick r:id="rId4"/>
               </a:rPr>
               <a:t>https://encrypted-tbn0.gstatic.com/images?q=tbn:ANd9GcT3zsc2wmEIINVgMrPJGjIgqL9_vCDsDk8Vo5-er6hWZOvhOwMcdg&amp;s</a:t>
             </a:r>
-            <a:endParaRPr lang="pl-PL" sz="1600" dirty="0"/>
+            <a:endParaRPr lang="pl-PL" sz="2000" dirty="0"/>
           </a:p>
           <a:p>
             <a:pPr>
@@ -6720,12 +12400,12 @@
               <a:buChar char="-"/>
             </a:pPr>
             <a:r>
-              <a:rPr lang="pl-PL" sz="1600" dirty="0">
-                <a:hlinkClick r:id="rId4"/>
+              <a:rPr lang="pl-PL" sz="2000" dirty="0">
+                <a:hlinkClick r:id="rId5"/>
               </a:rPr>
               <a:t>https://czytio.pl/images/408/maxi/amazon-kindle-10-front.jpg</a:t>
             </a:r>
-            <a:endParaRPr lang="pl-PL" sz="1600" dirty="0"/>
+            <a:endParaRPr lang="pl-PL" sz="2000" dirty="0"/>
           </a:p>
           <a:p>
             <a:pPr>
@@ -6736,12 +12416,12 @@
               <a:buChar char="-"/>
             </a:pPr>
             <a:r>
-              <a:rPr lang="pl-PL" sz="1600" dirty="0">
-                <a:hlinkClick r:id="rId5"/>
+              <a:rPr lang="pl-PL" sz="2000" dirty="0">
+                <a:hlinkClick r:id="rId6"/>
               </a:rPr>
               <a:t>https://images.ctfassets.net/1es3ne0caaid/4qnEjwkNAIiAmYcms8iKua/5173990eceb6223dc08e6607636dcc48/clean-architecture-ex-1.jpeg</a:t>
             </a:r>
-            <a:endParaRPr lang="pl-PL" sz="1600" dirty="0"/>
+            <a:endParaRPr lang="pl-PL" sz="2000" dirty="0"/>
           </a:p>
           <a:p>
             <a:pPr>
@@ -6752,12 +12432,12 @@
               <a:buChar char="-"/>
             </a:pPr>
             <a:r>
-              <a:rPr lang="pl-PL" sz="1600" dirty="0">
-                <a:hlinkClick r:id="rId6"/>
+              <a:rPr lang="pl-PL" sz="2000" dirty="0">
+                <a:hlinkClick r:id="rId7"/>
               </a:rPr>
               <a:t>https://images.ctfassets.net/1es3ne0caaid/2Qd2FVYAqIEowM0GySIMyM/5d6acdc87b8149732a6b750fcb09c4b7/clean-architecture-ex-2.jpeg</a:t>
             </a:r>
-            <a:endParaRPr lang="pl-PL" sz="1600" dirty="0"/>
+            <a:endParaRPr lang="pl-PL" sz="2000" dirty="0"/>
           </a:p>
           <a:p>
             <a:pPr>
@@ -6768,12 +12448,12 @@
               <a:buChar char="-"/>
             </a:pPr>
             <a:r>
-              <a:rPr lang="pl-PL" sz="1600" dirty="0">
-                <a:hlinkClick r:id="rId7"/>
+              <a:rPr lang="pl-PL" sz="2000" dirty="0">
+                <a:hlinkClick r:id="rId8"/>
               </a:rPr>
-              <a:t>https://image.slidesharecdn.com/javadev-hexagonalarchitectureforjavaapplications-150202062634-conversion-gate01/95/hexagonal-architecture-for-java-applications-11-638.jpg?cb=1423245064</a:t>
-            </a:r>
-            <a:endParaRPr lang="pl-PL" sz="1600" dirty="0"/>
+              <a:t>https://sourcemaking.com/design_patterns/visitor</a:t>
+            </a:r>
+            <a:endParaRPr lang="pl-PL" sz="2000" dirty="0"/>
           </a:p>
           <a:p>
             <a:pPr>
@@ -6783,7 +12463,49 @@
               <a:buFontTx/>
               <a:buChar char="-"/>
             </a:pPr>
-            <a:endParaRPr lang="pl-PL" sz="1600" dirty="0"/>
+            <a:r>
+              <a:rPr lang="pl-PL" sz="2000" dirty="0">
+                <a:hlinkClick r:id="rId9"/>
+              </a:rPr>
+              <a:t>https://sourcemaking.com/design_patterns/strategy</a:t>
+            </a:r>
+            <a:endParaRPr lang="pl-PL" sz="2000" dirty="0"/>
+          </a:p>
+          <a:p>
+            <a:pPr>
+              <a:lnSpc>
+                <a:spcPct val="110000"/>
+              </a:lnSpc>
+              <a:buFontTx/>
+              <a:buChar char="-"/>
+            </a:pPr>
+            <a:r>
+              <a:rPr lang="pl-PL" sz="2000" dirty="0">
+                <a:hlinkClick r:id="rId10"/>
+              </a:rPr>
+              <a:t>https://sourcemaking.com/design_patterns/adapter</a:t>
+            </a:r>
+            <a:endParaRPr lang="pl-PL" sz="2000" dirty="0"/>
+          </a:p>
+          <a:p>
+            <a:pPr>
+              <a:lnSpc>
+                <a:spcPct val="110000"/>
+              </a:lnSpc>
+              <a:buFontTx/>
+              <a:buChar char="-"/>
+            </a:pPr>
+            <a:endParaRPr lang="pl-PL" sz="2000" dirty="0"/>
+          </a:p>
+          <a:p>
+            <a:pPr>
+              <a:lnSpc>
+                <a:spcPct val="110000"/>
+              </a:lnSpc>
+              <a:buFontTx/>
+              <a:buChar char="-"/>
+            </a:pPr>
+            <a:endParaRPr lang="pl-PL" sz="2000" dirty="0"/>
           </a:p>
         </p:txBody>
       </p:sp>
@@ -6803,6 +12525,20 @@
 <file path=ppt/slides/slide2.xml><?xml version="1.0" encoding="utf-8"?>
 <p:sld xmlns:a="http://schemas.openxmlformats.org/drawingml/2006/main" xmlns:r="http://schemas.openxmlformats.org/officeDocument/2006/relationships" xmlns:p="http://schemas.openxmlformats.org/presentationml/2006/main">
   <p:cSld>
+    <p:bg>
+      <p:bgPr>
+        <a:blipFill dpi="0" rotWithShape="1">
+          <a:blip r:embed="rId2">
+            <a:lum/>
+          </a:blip>
+          <a:srcRect/>
+          <a:stretch>
+            <a:fillRect/>
+          </a:stretch>
+        </a:blipFill>
+        <a:effectLst/>
+      </p:bgPr>
+    </p:bg>
     <p:spTree>
       <p:nvGrpSpPr>
         <p:cNvPr id="1" name=""/>
@@ -6819,6 +12555,145 @@
       </p:grpSpPr>
       <p:sp>
         <p:nvSpPr>
+          <p:cNvPr id="10" name="Rectangle 9">
+            <a:extLst>
+              <a:ext uri="{FF2B5EF4-FFF2-40B4-BE49-F238E27FC236}">
+                <a16:creationId xmlns:a16="http://schemas.microsoft.com/office/drawing/2014/main" id="{619B3503-D505-49AA-97C1-B299D58DB436}"/>
+              </a:ext>
+              <a:ext uri="{C183D7F6-B498-43B3-948B-1728B52AA6E4}">
+                <adec:decorative xmlns:adec="http://schemas.microsoft.com/office/drawing/2017/decorative" val="1"/>
+              </a:ext>
+            </a:extLst>
+          </p:cNvPr>
+          <p:cNvSpPr>
+            <a:spLocks noGrp="1" noRot="1" noChangeAspect="1" noMove="1" noResize="1" noEditPoints="1" noAdjustHandles="1" noChangeArrowheads="1" noChangeShapeType="1" noTextEdit="1"/>
+          </p:cNvSpPr>
+          <p:nvPr>
+            <p:extLst>
+              <p:ext uri="{386F3935-93C4-4BCD-93E2-E3B085C9AB24}">
+                <p16:designElem xmlns:p16="http://schemas.microsoft.com/office/powerpoint/2015/main" val="1"/>
+              </p:ext>
+            </p:extLst>
+          </p:nvPr>
+        </p:nvSpPr>
+        <p:spPr>
+          <a:xfrm>
+            <a:off x="4067746" y="0"/>
+            <a:ext cx="8124253" cy="6858000"/>
+          </a:xfrm>
+          <a:prstGeom prst="rect">
+            <a:avLst/>
+          </a:prstGeom>
+          <a:solidFill>
+            <a:schemeClr val="bg1">
+              <a:alpha val="20000"/>
+            </a:schemeClr>
+          </a:solidFill>
+          <a:ln>
+            <a:noFill/>
+          </a:ln>
+          <a:effectLst>
+            <a:innerShdw blurRad="139700" dist="50800" dir="5400000">
+              <a:prstClr val="black">
+                <a:alpha val="20000"/>
+              </a:prstClr>
+            </a:innerShdw>
+          </a:effectLst>
+        </p:spPr>
+        <p:style>
+          <a:lnRef idx="2">
+            <a:schemeClr val="accent1">
+              <a:shade val="50000"/>
+            </a:schemeClr>
+          </a:lnRef>
+          <a:fillRef idx="1">
+            <a:schemeClr val="accent1"/>
+          </a:fillRef>
+          <a:effectRef idx="0">
+            <a:schemeClr val="accent1"/>
+          </a:effectRef>
+          <a:fontRef idx="minor">
+            <a:schemeClr val="lt1"/>
+          </a:fontRef>
+        </p:style>
+        <p:txBody>
+          <a:bodyPr rtlCol="0" anchor="ctr"/>
+          <a:lstStyle/>
+          <a:p>
+            <a:pPr algn="ctr"/>
+            <a:endParaRPr lang="en-US"/>
+          </a:p>
+        </p:txBody>
+      </p:sp>
+      <p:sp useBgFill="1">
+        <p:nvSpPr>
+          <p:cNvPr id="12" name="Rectangle 11">
+            <a:extLst>
+              <a:ext uri="{FF2B5EF4-FFF2-40B4-BE49-F238E27FC236}">
+                <a16:creationId xmlns:a16="http://schemas.microsoft.com/office/drawing/2014/main" id="{E39A2319-946A-4C65-9B7C-1F86E9B1B57C}"/>
+              </a:ext>
+              <a:ext uri="{C183D7F6-B498-43B3-948B-1728B52AA6E4}">
+                <adec:decorative xmlns:adec="http://schemas.microsoft.com/office/drawing/2017/decorative" val="1"/>
+              </a:ext>
+            </a:extLst>
+          </p:cNvPr>
+          <p:cNvSpPr>
+            <a:spLocks noGrp="1" noRot="1" noChangeAspect="1" noMove="1" noResize="1" noEditPoints="1" noAdjustHandles="1" noChangeArrowheads="1" noChangeShapeType="1" noTextEdit="1"/>
+          </p:cNvSpPr>
+          <p:nvPr>
+            <p:extLst>
+              <p:ext uri="{386F3935-93C4-4BCD-93E2-E3B085C9AB24}">
+                <p16:designElem xmlns:p16="http://schemas.microsoft.com/office/powerpoint/2015/main" val="1"/>
+              </p:ext>
+            </p:extLst>
+          </p:nvPr>
+        </p:nvSpPr>
+        <p:spPr>
+          <a:xfrm>
+            <a:off x="0" y="1"/>
+            <a:ext cx="4067747" cy="6857996"/>
+          </a:xfrm>
+          <a:prstGeom prst="rect">
+            <a:avLst/>
+          </a:prstGeom>
+          <a:ln>
+            <a:noFill/>
+          </a:ln>
+          <a:effectLst>
+            <a:outerShdw blurRad="50800" dist="38100" algn="l" rotWithShape="0">
+              <a:prstClr val="black">
+                <a:alpha val="40000"/>
+              </a:prstClr>
+            </a:outerShdw>
+          </a:effectLst>
+        </p:spPr>
+        <p:style>
+          <a:lnRef idx="2">
+            <a:schemeClr val="accent1">
+              <a:shade val="50000"/>
+            </a:schemeClr>
+          </a:lnRef>
+          <a:fillRef idx="1">
+            <a:schemeClr val="accent1"/>
+          </a:fillRef>
+          <a:effectRef idx="0">
+            <a:schemeClr val="accent1"/>
+          </a:effectRef>
+          <a:fontRef idx="minor">
+            <a:schemeClr val="lt1"/>
+          </a:fontRef>
+        </p:style>
+        <p:txBody>
+          <a:bodyPr rtlCol="0" anchor="ctr"/>
+          <a:lstStyle/>
+          <a:p>
+            <a:pPr algn="ctr"/>
+            <a:endParaRPr lang="en-US"/>
+          </a:p>
+        </p:txBody>
+      </p:sp>
+      <p:sp>
+        <p:nvSpPr>
           <p:cNvPr id="2" name="Title 1">
             <a:extLst>
               <a:ext uri="{FF2B5EF4-FFF2-40B4-BE49-F238E27FC236}">
@@ -6833,144 +12708,60 @@
             <p:ph type="title"/>
           </p:nvPr>
         </p:nvSpPr>
-        <p:spPr/>
-        <p:txBody>
-          <a:bodyPr/>
+        <p:spPr>
+          <a:xfrm>
+            <a:off x="647889" y="1349680"/>
+            <a:ext cx="2931320" cy="4449541"/>
+          </a:xfrm>
+        </p:spPr>
+        <p:txBody>
+          <a:bodyPr anchor="t">
+            <a:normAutofit/>
+          </a:bodyPr>
           <a:lstStyle/>
           <a:p>
             <a:r>
-              <a:rPr lang="pl-PL" dirty="0"/>
+              <a:rPr lang="pl-PL" sz="4800">
+                <a:solidFill>
+                  <a:schemeClr val="tx1"/>
+                </a:solidFill>
+              </a:rPr>
               <a:t>Agenda</a:t>
             </a:r>
           </a:p>
         </p:txBody>
       </p:sp>
-      <p:sp>
-        <p:nvSpPr>
-          <p:cNvPr id="3" name="Content Placeholder 2">
+      <p:graphicFrame>
+        <p:nvGraphicFramePr>
+          <p:cNvPr id="5" name="Content Placeholder 2">
             <a:extLst>
               <a:ext uri="{FF2B5EF4-FFF2-40B4-BE49-F238E27FC236}">
-                <a16:creationId xmlns:a16="http://schemas.microsoft.com/office/drawing/2014/main" id="{AED96C46-161F-488D-99C6-E448058E28B8}"/>
+                <a16:creationId xmlns:a16="http://schemas.microsoft.com/office/drawing/2014/main" id="{E8B66D03-B9C5-4E62-97BD-3056DE2C358B}"/>
               </a:ext>
             </a:extLst>
           </p:cNvPr>
-          <p:cNvSpPr>
-            <a:spLocks noGrp="1"/>
-          </p:cNvSpPr>
+          <p:cNvGraphicFramePr>
+            <a:graphicFrameLocks noGrp="1"/>
+          </p:cNvGraphicFramePr>
           <p:nvPr>
             <p:ph idx="1"/>
-          </p:nvPr>
-        </p:nvSpPr>
-        <p:spPr/>
-        <p:txBody>
-          <a:bodyPr>
-            <a:normAutofit/>
-          </a:bodyPr>
-          <a:lstStyle/>
-          <a:p>
-            <a:pPr>
-              <a:lnSpc>
-                <a:spcPct val="150000"/>
-              </a:lnSpc>
-            </a:pPr>
-            <a:r>
-              <a:rPr lang="pl-PL" dirty="0" err="1"/>
-              <a:t>What</a:t>
-            </a:r>
-            <a:r>
-              <a:rPr lang="pl-PL" dirty="0"/>
-              <a:t> </a:t>
-            </a:r>
-            <a:r>
-              <a:rPr lang="pl-PL" dirty="0" err="1"/>
-              <a:t>is</a:t>
-            </a:r>
-            <a:r>
-              <a:rPr lang="pl-PL" dirty="0"/>
-              <a:t> </a:t>
-            </a:r>
-            <a:r>
-              <a:rPr lang="pl-PL" dirty="0" err="1"/>
-              <a:t>clean</a:t>
-            </a:r>
-            <a:r>
-              <a:rPr lang="pl-PL" dirty="0"/>
-              <a:t> </a:t>
-            </a:r>
-            <a:r>
-              <a:rPr lang="pl-PL" dirty="0" err="1"/>
-              <a:t>code</a:t>
-            </a:r>
-            <a:r>
-              <a:rPr lang="pl-PL" dirty="0"/>
-              <a:t>?</a:t>
-            </a:r>
-          </a:p>
-          <a:p>
-            <a:pPr>
-              <a:lnSpc>
-                <a:spcPct val="150000"/>
-              </a:lnSpc>
-            </a:pPr>
-            <a:r>
-              <a:rPr lang="pl-PL" sz="2800" dirty="0" err="1"/>
-              <a:t>Handy</a:t>
-            </a:r>
-            <a:r>
-              <a:rPr lang="pl-PL" sz="2800" dirty="0"/>
-              <a:t> </a:t>
-            </a:r>
-            <a:r>
-              <a:rPr lang="pl-PL" sz="2800" dirty="0" err="1"/>
-              <a:t>practices</a:t>
-            </a:r>
-            <a:endParaRPr lang="pl-PL" sz="2800" dirty="0"/>
-          </a:p>
-          <a:p>
-            <a:pPr>
-              <a:lnSpc>
-                <a:spcPct val="150000"/>
-              </a:lnSpc>
-            </a:pPr>
-            <a:r>
-              <a:rPr lang="pl-PL" dirty="0" err="1"/>
-              <a:t>Clean</a:t>
-            </a:r>
-            <a:r>
-              <a:rPr lang="pl-PL" dirty="0"/>
-              <a:t> </a:t>
-            </a:r>
-            <a:r>
-              <a:rPr lang="pl-PL" dirty="0" err="1"/>
-              <a:t>architecture</a:t>
-            </a:r>
-            <a:r>
-              <a:rPr lang="pl-PL" dirty="0"/>
-              <a:t> </a:t>
-            </a:r>
-            <a:r>
-              <a:rPr lang="pl-PL" dirty="0" err="1"/>
-              <a:t>overview</a:t>
-            </a:r>
-            <a:r>
-              <a:rPr lang="pl-PL" dirty="0"/>
-              <a:t> </a:t>
-            </a:r>
-          </a:p>
-          <a:p>
-            <a:pPr>
-              <a:lnSpc>
-                <a:spcPct val="150000"/>
-              </a:lnSpc>
-            </a:pPr>
-            <a:r>
-              <a:rPr lang="pl-PL" dirty="0" err="1"/>
-              <a:t>Questions</a:t>
-            </a:r>
-            <a:endParaRPr lang="pl-PL" dirty="0"/>
-          </a:p>
-        </p:txBody>
-      </p:sp>
+            <p:extLst>
+              <p:ext uri="{D42A27DB-BD31-4B8C-83A1-F6EECF244321}">
+                <p14:modId xmlns:p14="http://schemas.microsoft.com/office/powerpoint/2010/main" val="721426499"/>
+              </p:ext>
+            </p:extLst>
+          </p:nvPr>
+        </p:nvGraphicFramePr>
+        <p:xfrm>
+          <a:off x="4662106" y="640075"/>
+          <a:ext cx="6912245" cy="5536883"/>
+        </p:xfrm>
+        <a:graphic>
+          <a:graphicData uri="http://schemas.openxmlformats.org/drawingml/2006/diagram">
+            <dgm:relIds xmlns:dgm="http://schemas.openxmlformats.org/drawingml/2006/diagram" xmlns:r="http://schemas.openxmlformats.org/officeDocument/2006/relationships" r:dm="rId3" r:lo="rId4" r:qs="rId5" r:cs="rId6"/>
+          </a:graphicData>
+        </a:graphic>
+      </p:graphicFrame>
     </p:spTree>
     <p:extLst>
       <p:ext uri="{BB962C8B-B14F-4D97-AF65-F5344CB8AC3E}">
@@ -7862,7 +13653,7 @@
             </a:pPr>
             <a:r>
               <a:rPr lang="pl-PL" dirty="0" err="1"/>
-              <a:t>Impose</a:t>
+              <a:t>impose</a:t>
             </a:r>
             <a:r>
               <a:rPr lang="pl-PL" dirty="0"/>
@@ -7882,7 +13673,7 @@
             </a:pPr>
             <a:r>
               <a:rPr lang="pl-PL" dirty="0" err="1"/>
-              <a:t>Decoupling</a:t>
+              <a:t>decoupling</a:t>
             </a:r>
             <a:endParaRPr lang="pl-PL" dirty="0"/>
           </a:p>
@@ -7894,7 +13685,7 @@
             </a:pPr>
             <a:r>
               <a:rPr lang="pl-PL" dirty="0" err="1"/>
-              <a:t>Dependency</a:t>
+              <a:t>dependency</a:t>
             </a:r>
             <a:r>
               <a:rPr lang="pl-PL" dirty="0"/>
@@ -7918,7 +13709,7 @@
             </a:pPr>
             <a:r>
               <a:rPr lang="pl-PL" dirty="0" err="1"/>
-              <a:t>Testability</a:t>
+              <a:t>testability</a:t>
             </a:r>
             <a:endParaRPr lang="pl-PL" dirty="0"/>
           </a:p>
@@ -8400,7 +14191,7 @@
             </a:pPr>
             <a:r>
               <a:rPr lang="pl-PL" sz="2800" dirty="0" err="1"/>
-              <a:t>Testability</a:t>
+              <a:t>testability</a:t>
             </a:r>
             <a:endParaRPr lang="pl-PL" sz="2800" dirty="0"/>
           </a:p>
@@ -8529,32 +14320,8 @@
               </a:lnSpc>
             </a:pPr>
             <a:r>
-              <a:rPr lang="pl-PL" dirty="0"/>
-              <a:t>E</a:t>
-            </a:r>
-            <a:r>
-              <a:rPr lang="en-US" dirty="0" err="1"/>
-              <a:t>xpose</a:t>
-            </a:r>
-            <a:r>
               <a:rPr lang="en-US" dirty="0"/>
-              <a:t> what is needed by client - exception </a:t>
-            </a:r>
-            <a:r>
-              <a:rPr lang="pl-PL" dirty="0" err="1"/>
-              <a:t>is</a:t>
-            </a:r>
-            <a:r>
-              <a:rPr lang="pl-PL" dirty="0"/>
-              <a:t> </a:t>
-            </a:r>
-            <a:r>
-              <a:rPr lang="pl-PL" dirty="0" err="1"/>
-              <a:t>when</a:t>
-            </a:r>
-            <a:r>
-              <a:rPr lang="pl-PL" dirty="0"/>
-              <a:t> </a:t>
+              <a:t>expose what is needed by client - exception </a:t>
             </a:r>
             <a:r>
               <a:rPr lang="pl-PL" dirty="0" err="1"/>
@@ -8601,20 +14368,12 @@
               </a:lnSpc>
             </a:pPr>
             <a:r>
-              <a:rPr lang="pl-PL" dirty="0"/>
-              <a:t>C</a:t>
-            </a:r>
-            <a:r>
-              <a:rPr lang="en-US" dirty="0" err="1"/>
-              <a:t>arve</a:t>
-            </a:r>
-            <a:r>
               <a:rPr lang="en-US" dirty="0"/>
-              <a:t> out subcomponents with well defined </a:t>
+              <a:t>carve out subcomponents with well defined </a:t>
             </a:r>
             <a:r>
               <a:rPr lang="pl-PL" dirty="0" err="1"/>
-              <a:t>contracts</a:t>
+              <a:t>contract</a:t>
             </a:r>
             <a:endParaRPr lang="en-US" dirty="0"/>
           </a:p>
@@ -8626,7 +14385,7 @@
             </a:pPr>
             <a:r>
               <a:rPr lang="pl-PL" dirty="0"/>
-              <a:t>In </a:t>
+              <a:t>in </a:t>
             </a:r>
             <a:r>
               <a:rPr lang="pl-PL" dirty="0" err="1"/>
@@ -8707,7 +14466,7 @@
           <p:cNvPr id="2" name="Title 1">
             <a:extLst>
               <a:ext uri="{FF2B5EF4-FFF2-40B4-BE49-F238E27FC236}">
-                <a16:creationId xmlns:a16="http://schemas.microsoft.com/office/drawing/2014/main" id="{6F112FC0-401D-463A-833B-192C24A8DAFB}"/>
+                <a16:creationId xmlns:a16="http://schemas.microsoft.com/office/drawing/2014/main" id="{AFCAF0A8-21E7-4241-8AD0-B6D2D459B7E7}"/>
               </a:ext>
             </a:extLst>
           </p:cNvPr>
@@ -8724,199 +14483,181 @@
           <a:lstStyle/>
           <a:p>
             <a:r>
-              <a:rPr lang="pl-PL" dirty="0" err="1"/>
-              <a:t>Clean</a:t>
-            </a:r>
-            <a:r>
               <a:rPr lang="pl-PL" dirty="0"/>
-              <a:t> </a:t>
-            </a:r>
-            <a:r>
-              <a:rPr lang="pl-PL" dirty="0" err="1"/>
-              <a:t>architecture</a:t>
-            </a:r>
-            <a:r>
-              <a:rPr lang="pl-PL" dirty="0"/>
-              <a:t> - </a:t>
-            </a:r>
-            <a:r>
-              <a:rPr lang="pl-PL" dirty="0" err="1"/>
-              <a:t>purpose</a:t>
-            </a:r>
-            <a:endParaRPr lang="pl-PL" dirty="0"/>
-          </a:p>
-        </p:txBody>
-      </p:sp>
-      <p:sp>
-        <p:nvSpPr>
-          <p:cNvPr id="3" name="Content Placeholder 2">
+              <a:t>Adapter</a:t>
+            </a:r>
+          </a:p>
+        </p:txBody>
+      </p:sp>
+      <p:pic>
+        <p:nvPicPr>
+          <p:cNvPr id="5" name="Picture 4" descr="A screenshot of a cell phone&#10;&#10;Description automatically generated">
             <a:extLst>
               <a:ext uri="{FF2B5EF4-FFF2-40B4-BE49-F238E27FC236}">
-                <a16:creationId xmlns:a16="http://schemas.microsoft.com/office/drawing/2014/main" id="{FAF0C9EE-AADE-4DE9-A1A7-0FE106796A68}"/>
+                <a16:creationId xmlns:a16="http://schemas.microsoft.com/office/drawing/2014/main" id="{C9C416EB-F2C3-4AD8-B937-36738EB12BE3}"/>
               </a:ext>
             </a:extLst>
           </p:cNvPr>
-          <p:cNvSpPr>
-            <a:spLocks noGrp="1"/>
-          </p:cNvSpPr>
-          <p:nvPr>
-            <p:ph idx="1"/>
-          </p:nvPr>
-        </p:nvSpPr>
-        <p:spPr/>
-        <p:txBody>
-          <a:bodyPr/>
-          <a:lstStyle/>
-          <a:p>
-            <a:pPr marL="0" indent="0">
-              <a:lnSpc>
-                <a:spcPct val="150000"/>
-              </a:lnSpc>
-              <a:buNone/>
-            </a:pPr>
-            <a:r>
-              <a:rPr lang="pl-PL" dirty="0">
-                <a:solidFill>
-                  <a:schemeClr val="tx1"/>
-                </a:solidFill>
-              </a:rPr>
-              <a:t>„</a:t>
-            </a:r>
-            <a:r>
-              <a:rPr lang="en-US" dirty="0">
-                <a:solidFill>
-                  <a:schemeClr val="tx1"/>
-                </a:solidFill>
-              </a:rPr>
-              <a:t>The primary purpose of architecture is to support the life cycle of the system. Good architecture makes the system </a:t>
-            </a:r>
-            <a:r>
-              <a:rPr lang="en-US" dirty="0">
-                <a:solidFill>
-                  <a:schemeClr val="tx1">
-                    <a:lumMod val="50000"/>
-                  </a:schemeClr>
-                </a:solidFill>
-              </a:rPr>
-              <a:t>easy to understand, easy to develop, easy to maintain, and easy to deploy</a:t>
-            </a:r>
-            <a:r>
-              <a:rPr lang="en-US" dirty="0">
-                <a:solidFill>
-                  <a:schemeClr val="tx1"/>
-                </a:solidFill>
-              </a:rPr>
-              <a:t>. The ultimate goal is to </a:t>
-            </a:r>
-            <a:r>
-              <a:rPr lang="en-US" dirty="0">
-                <a:solidFill>
-                  <a:schemeClr val="tx1">
-                    <a:lumMod val="50000"/>
-                  </a:schemeClr>
-                </a:solidFill>
-              </a:rPr>
-              <a:t>minimize</a:t>
-            </a:r>
-            <a:r>
-              <a:rPr lang="en-US" dirty="0">
-                <a:solidFill>
-                  <a:schemeClr val="tx1"/>
-                </a:solidFill>
-              </a:rPr>
-              <a:t> the lifetime </a:t>
-            </a:r>
-            <a:r>
-              <a:rPr lang="en-US" dirty="0">
-                <a:solidFill>
-                  <a:schemeClr val="tx1">
-                    <a:lumMod val="50000"/>
-                  </a:schemeClr>
-                </a:solidFill>
-              </a:rPr>
-              <a:t>cost</a:t>
-            </a:r>
-            <a:r>
-              <a:rPr lang="en-US" dirty="0">
-                <a:solidFill>
-                  <a:schemeClr val="tx1"/>
-                </a:solidFill>
-              </a:rPr>
-              <a:t> of the system and to </a:t>
-            </a:r>
-            <a:r>
-              <a:rPr lang="en-US" dirty="0">
-                <a:solidFill>
-                  <a:schemeClr val="tx1">
-                    <a:lumMod val="50000"/>
-                  </a:schemeClr>
-                </a:solidFill>
-              </a:rPr>
-              <a:t>maximize</a:t>
-            </a:r>
-            <a:r>
-              <a:rPr lang="en-US" dirty="0">
-                <a:solidFill>
-                  <a:schemeClr val="tx1"/>
-                </a:solidFill>
-              </a:rPr>
-              <a:t> programmer </a:t>
-            </a:r>
-            <a:r>
-              <a:rPr lang="en-US" dirty="0">
-                <a:solidFill>
-                  <a:schemeClr val="tx1">
-                    <a:lumMod val="50000"/>
-                  </a:schemeClr>
-                </a:solidFill>
-              </a:rPr>
-              <a:t>productivity</a:t>
-            </a:r>
-            <a:r>
-              <a:rPr lang="en-US" dirty="0">
-                <a:solidFill>
-                  <a:schemeClr val="tx1"/>
-                </a:solidFill>
-              </a:rPr>
-              <a:t>.</a:t>
-            </a:r>
-            <a:r>
-              <a:rPr lang="pl-PL" dirty="0">
-                <a:solidFill>
-                  <a:schemeClr val="tx1"/>
-                </a:solidFill>
-              </a:rPr>
-              <a:t>” </a:t>
-            </a:r>
-          </a:p>
-          <a:p>
-            <a:pPr marL="0" indent="0" algn="r">
-              <a:lnSpc>
-                <a:spcPct val="150000"/>
-              </a:lnSpc>
-              <a:buNone/>
-            </a:pPr>
-            <a:r>
-              <a:rPr lang="pl-PL" dirty="0">
-                <a:solidFill>
-                  <a:schemeClr val="tx1"/>
-                </a:solidFill>
-              </a:rPr>
-              <a:t>Robert C. Martin</a:t>
-            </a:r>
-          </a:p>
-        </p:txBody>
-      </p:sp>
+          <p:cNvPicPr>
+            <a:picLocks noChangeAspect="1"/>
+          </p:cNvPicPr>
+          <p:nvPr/>
+        </p:nvPicPr>
+        <p:blipFill>
+          <a:blip r:embed="rId3">
+            <a:extLst>
+              <a:ext uri="{28A0092B-C50C-407E-A947-70E740481C1C}">
+                <a14:useLocalDpi xmlns:a14="http://schemas.microsoft.com/office/drawing/2010/main" val="0"/>
+              </a:ext>
+            </a:extLst>
+          </a:blip>
+          <a:stretch>
+            <a:fillRect/>
+          </a:stretch>
+        </p:blipFill>
+        <p:spPr>
+          <a:xfrm>
+            <a:off x="2033117" y="1690688"/>
+            <a:ext cx="8125766" cy="4187190"/>
+          </a:xfrm>
+          <a:prstGeom prst="rect">
+            <a:avLst/>
+          </a:prstGeom>
+        </p:spPr>
+      </p:pic>
     </p:spTree>
     <p:extLst>
       <p:ext uri="{BB962C8B-B14F-4D97-AF65-F5344CB8AC3E}">
-        <p14:creationId xmlns:p14="http://schemas.microsoft.com/office/powerpoint/2010/main" val="717592095"/>
+        <p14:creationId xmlns:p14="http://schemas.microsoft.com/office/powerpoint/2010/main" val="2731019356"/>
       </p:ext>
     </p:extLst>
   </p:cSld>
   <p:clrMapOvr>
     <a:masterClrMapping/>
   </p:clrMapOvr>
+  <p:timing>
+    <p:tnLst>
+      <p:par>
+        <p:cTn id="1" dur="indefinite" restart="never" nodeType="tmRoot">
+          <p:childTnLst>
+            <p:seq concurrent="1" nextAc="seek">
+              <p:cTn id="2" dur="indefinite" nodeType="mainSeq">
+                <p:childTnLst>
+                  <p:par>
+                    <p:cTn id="3" fill="hold">
+                      <p:stCondLst>
+                        <p:cond delay="indefinite"/>
+                      </p:stCondLst>
+                      <p:childTnLst>
+                        <p:par>
+                          <p:cTn id="4" fill="hold">
+                            <p:stCondLst>
+                              <p:cond delay="0"/>
+                            </p:stCondLst>
+                            <p:childTnLst>
+                              <p:par>
+                                <p:cTn id="5" presetID="1" presetClass="entr" presetSubtype="0" fill="hold" nodeType="clickEffect">
+                                  <p:stCondLst>
+                                    <p:cond delay="0"/>
+                                  </p:stCondLst>
+                                  <p:childTnLst>
+                                    <p:set>
+                                      <p:cBhvr>
+                                        <p:cTn id="6" dur="1" fill="hold">
+                                          <p:stCondLst>
+                                            <p:cond delay="0"/>
+                                          </p:stCondLst>
+                                        </p:cTn>
+                                        <p:tgtEl>
+                                          <p:spTgt spid="5"/>
+                                        </p:tgtEl>
+                                        <p:attrNameLst>
+                                          <p:attrName>style.visibility</p:attrName>
+                                        </p:attrNameLst>
+                                      </p:cBhvr>
+                                      <p:to>
+                                        <p:strVal val="visible"/>
+                                      </p:to>
+                                    </p:set>
+                                  </p:childTnLst>
+                                </p:cTn>
+                              </p:par>
+                            </p:childTnLst>
+                          </p:cTn>
+                        </p:par>
+                      </p:childTnLst>
+                    </p:cTn>
+                  </p:par>
+                  <p:par>
+                    <p:cTn id="7" fill="hold">
+                      <p:stCondLst>
+                        <p:cond delay="indefinite"/>
+                      </p:stCondLst>
+                      <p:childTnLst>
+                        <p:par>
+                          <p:cTn id="8" fill="hold">
+                            <p:stCondLst>
+                              <p:cond delay="0"/>
+                            </p:stCondLst>
+                            <p:childTnLst>
+                              <p:par>
+                                <p:cTn id="9" presetID="1" presetClass="entr" presetSubtype="0" fill="hold" grpId="0" nodeType="clickEffect">
+                                  <p:stCondLst>
+                                    <p:cond delay="0"/>
+                                  </p:stCondLst>
+                                  <p:childTnLst>
+                                    <p:set>
+                                      <p:cBhvr>
+                                        <p:cTn id="10" dur="1" fill="hold">
+                                          <p:stCondLst>
+                                            <p:cond delay="0"/>
+                                          </p:stCondLst>
+                                        </p:cTn>
+                                        <p:tgtEl>
+                                          <p:spTgt spid="2"/>
+                                        </p:tgtEl>
+                                        <p:attrNameLst>
+                                          <p:attrName>style.visibility</p:attrName>
+                                        </p:attrNameLst>
+                                      </p:cBhvr>
+                                      <p:to>
+                                        <p:strVal val="visible"/>
+                                      </p:to>
+                                    </p:set>
+                                  </p:childTnLst>
+                                </p:cTn>
+                              </p:par>
+                            </p:childTnLst>
+                          </p:cTn>
+                        </p:par>
+                      </p:childTnLst>
+                    </p:cTn>
+                  </p:par>
+                </p:childTnLst>
+              </p:cTn>
+              <p:prevCondLst>
+                <p:cond evt="onPrev" delay="0">
+                  <p:tgtEl>
+                    <p:sldTgt/>
+                  </p:tgtEl>
+                </p:cond>
+              </p:prevCondLst>
+              <p:nextCondLst>
+                <p:cond evt="onNext" delay="0">
+                  <p:tgtEl>
+                    <p:sldTgt/>
+                  </p:tgtEl>
+                </p:cond>
+              </p:nextCondLst>
+            </p:seq>
+          </p:childTnLst>
+        </p:cTn>
+      </p:par>
+    </p:tnLst>
+    <p:bldLst>
+      <p:bldP spid="2" grpId="0"/>
+    </p:bldLst>
+  </p:timing>
 </p:sld>
 </file>
 
@@ -9179,4 +14920,467 @@
     </a:ext>
   </a:extLst>
 </a:theme>
+</file>
+
+<file path=ppt/theme/theme2.xml><?xml version="1.0" encoding="utf-8"?>
+<a:theme xmlns:a="http://schemas.openxmlformats.org/drawingml/2006/main" name="Office Theme">
+  <a:themeElements>
+    <a:clrScheme name="Office">
+      <a:dk1>
+        <a:sysClr val="windowText" lastClr="000000"/>
+      </a:dk1>
+      <a:lt1>
+        <a:sysClr val="window" lastClr="FFFFFF"/>
+      </a:lt1>
+      <a:dk2>
+        <a:srgbClr val="44546A"/>
+      </a:dk2>
+      <a:lt2>
+        <a:srgbClr val="E7E6E6"/>
+      </a:lt2>
+      <a:accent1>
+        <a:srgbClr val="4472C4"/>
+      </a:accent1>
+      <a:accent2>
+        <a:srgbClr val="ED7D31"/>
+      </a:accent2>
+      <a:accent3>
+        <a:srgbClr val="A5A5A5"/>
+      </a:accent3>
+      <a:accent4>
+        <a:srgbClr val="FFC000"/>
+      </a:accent4>
+      <a:accent5>
+        <a:srgbClr val="5B9BD5"/>
+      </a:accent5>
+      <a:accent6>
+        <a:srgbClr val="70AD47"/>
+      </a:accent6>
+      <a:hlink>
+        <a:srgbClr val="0563C1"/>
+      </a:hlink>
+      <a:folHlink>
+        <a:srgbClr val="954F72"/>
+      </a:folHlink>
+    </a:clrScheme>
+    <a:fontScheme name="Office">
+      <a:majorFont>
+        <a:latin typeface="Calibri Light" panose="020F0302020204030204"/>
+        <a:ea typeface=""/>
+        <a:cs typeface=""/>
+        <a:font script="Jpan" typeface="游ゴシック Light"/>
+        <a:font script="Hang" typeface="맑은 고딕"/>
+        <a:font script="Hans" typeface="等线 Light"/>
+        <a:font script="Hant" typeface="新細明體"/>
+        <a:font script="Arab" typeface="Times New Roman"/>
+        <a:font script="Hebr" typeface="Times New Roman"/>
+        <a:font script="Thai" typeface="Angsana New"/>
+        <a:font script="Ethi" typeface="Nyala"/>
+        <a:font script="Beng" typeface="Vrinda"/>
+        <a:font script="Gujr" typeface="Shruti"/>
+        <a:font script="Khmr" typeface="MoolBoran"/>
+        <a:font script="Knda" typeface="Tunga"/>
+        <a:font script="Guru" typeface="Raavi"/>
+        <a:font script="Cans" typeface="Euphemia"/>
+        <a:font script="Cher" typeface="Plantagenet Cherokee"/>
+        <a:font script="Yiii" typeface="Microsoft Yi Baiti"/>
+        <a:font script="Tibt" typeface="Microsoft Himalaya"/>
+        <a:font script="Thaa" typeface="MV Boli"/>
+        <a:font script="Deva" typeface="Mangal"/>
+        <a:font script="Telu" typeface="Gautami"/>
+        <a:font script="Taml" typeface="Latha"/>
+        <a:font script="Syrc" typeface="Estrangelo Edessa"/>
+        <a:font script="Orya" typeface="Kalinga"/>
+        <a:font script="Mlym" typeface="Kartika"/>
+        <a:font script="Laoo" typeface="DokChampa"/>
+        <a:font script="Sinh" typeface="Iskoola Pota"/>
+        <a:font script="Mong" typeface="Mongolian Baiti"/>
+        <a:font script="Viet" typeface="Times New Roman"/>
+        <a:font script="Uigh" typeface="Microsoft Uighur"/>
+        <a:font script="Geor" typeface="Sylfaen"/>
+        <a:font script="Armn" typeface="Arial"/>
+        <a:font script="Bugi" typeface="Leelawadee UI"/>
+        <a:font script="Bopo" typeface="Microsoft JhengHei"/>
+        <a:font script="Java" typeface="Javanese Text"/>
+        <a:font script="Lisu" typeface="Segoe UI"/>
+        <a:font script="Mymr" typeface="Myanmar Text"/>
+        <a:font script="Nkoo" typeface="Ebrima"/>
+        <a:font script="Olck" typeface="Nirmala UI"/>
+        <a:font script="Osma" typeface="Ebrima"/>
+        <a:font script="Phag" typeface="Phagspa"/>
+        <a:font script="Syrn" typeface="Estrangelo Edessa"/>
+        <a:font script="Syrj" typeface="Estrangelo Edessa"/>
+        <a:font script="Syre" typeface="Estrangelo Edessa"/>
+        <a:font script="Sora" typeface="Nirmala UI"/>
+        <a:font script="Tale" typeface="Microsoft Tai Le"/>
+        <a:font script="Talu" typeface="Microsoft New Tai Lue"/>
+        <a:font script="Tfng" typeface="Ebrima"/>
+      </a:majorFont>
+      <a:minorFont>
+        <a:latin typeface="Calibri" panose="020F0502020204030204"/>
+        <a:ea typeface=""/>
+        <a:cs typeface=""/>
+        <a:font script="Jpan" typeface="游ゴシック"/>
+        <a:font script="Hang" typeface="맑은 고딕"/>
+        <a:font script="Hans" typeface="等线"/>
+        <a:font script="Hant" typeface="新細明體"/>
+        <a:font script="Arab" typeface="Arial"/>
+        <a:font script="Hebr" typeface="Arial"/>
+        <a:font script="Thai" typeface="Cordia New"/>
+        <a:font script="Ethi" typeface="Nyala"/>
+        <a:font script="Beng" typeface="Vrinda"/>
+        <a:font script="Gujr" typeface="Shruti"/>
+        <a:font script="Khmr" typeface="DaunPenh"/>
+        <a:font script="Knda" typeface="Tunga"/>
+        <a:font script="Guru" typeface="Raavi"/>
+        <a:font script="Cans" typeface="Euphemia"/>
+        <a:font script="Cher" typeface="Plantagenet Cherokee"/>
+        <a:font script="Yiii" typeface="Microsoft Yi Baiti"/>
+        <a:font script="Tibt" typeface="Microsoft Himalaya"/>
+        <a:font script="Thaa" typeface="MV Boli"/>
+        <a:font script="Deva" typeface="Mangal"/>
+        <a:font script="Telu" typeface="Gautami"/>
+        <a:font script="Taml" typeface="Latha"/>
+        <a:font script="Syrc" typeface="Estrangelo Edessa"/>
+        <a:font script="Orya" typeface="Kalinga"/>
+        <a:font script="Mlym" typeface="Kartika"/>
+        <a:font script="Laoo" typeface="DokChampa"/>
+        <a:font script="Sinh" typeface="Iskoola Pota"/>
+        <a:font script="Mong" typeface="Mongolian Baiti"/>
+        <a:font script="Viet" typeface="Arial"/>
+        <a:font script="Uigh" typeface="Microsoft Uighur"/>
+        <a:font script="Geor" typeface="Sylfaen"/>
+        <a:font script="Armn" typeface="Arial"/>
+        <a:font script="Bugi" typeface="Leelawadee UI"/>
+        <a:font script="Bopo" typeface="Microsoft JhengHei"/>
+        <a:font script="Java" typeface="Javanese Text"/>
+        <a:font script="Lisu" typeface="Segoe UI"/>
+        <a:font script="Mymr" typeface="Myanmar Text"/>
+        <a:font script="Nkoo" typeface="Ebrima"/>
+        <a:font script="Olck" typeface="Nirmala UI"/>
+        <a:font script="Osma" typeface="Ebrima"/>
+        <a:font script="Phag" typeface="Phagspa"/>
+        <a:font script="Syrn" typeface="Estrangelo Edessa"/>
+        <a:font script="Syrj" typeface="Estrangelo Edessa"/>
+        <a:font script="Syre" typeface="Estrangelo Edessa"/>
+        <a:font script="Sora" typeface="Nirmala UI"/>
+        <a:font script="Tale" typeface="Microsoft Tai Le"/>
+        <a:font script="Talu" typeface="Microsoft New Tai Lue"/>
+        <a:font script="Tfng" typeface="Ebrima"/>
+      </a:minorFont>
+    </a:fontScheme>
+    <a:fmtScheme name="Office">
+      <a:fillStyleLst>
+        <a:solidFill>
+          <a:schemeClr val="phClr"/>
+        </a:solidFill>
+        <a:gradFill rotWithShape="1">
+          <a:gsLst>
+            <a:gs pos="0">
+              <a:schemeClr val="phClr">
+                <a:lumMod val="110000"/>
+                <a:satMod val="105000"/>
+                <a:tint val="67000"/>
+              </a:schemeClr>
+            </a:gs>
+            <a:gs pos="50000">
+              <a:schemeClr val="phClr">
+                <a:lumMod val="105000"/>
+                <a:satMod val="103000"/>
+                <a:tint val="73000"/>
+              </a:schemeClr>
+            </a:gs>
+            <a:gs pos="100000">
+              <a:schemeClr val="phClr">
+                <a:lumMod val="105000"/>
+                <a:satMod val="109000"/>
+                <a:tint val="81000"/>
+              </a:schemeClr>
+            </a:gs>
+          </a:gsLst>
+          <a:lin ang="5400000" scaled="0"/>
+        </a:gradFill>
+        <a:gradFill rotWithShape="1">
+          <a:gsLst>
+            <a:gs pos="0">
+              <a:schemeClr val="phClr">
+                <a:satMod val="103000"/>
+                <a:lumMod val="102000"/>
+                <a:tint val="94000"/>
+              </a:schemeClr>
+            </a:gs>
+            <a:gs pos="50000">
+              <a:schemeClr val="phClr">
+                <a:satMod val="110000"/>
+                <a:lumMod val="100000"/>
+                <a:shade val="100000"/>
+              </a:schemeClr>
+            </a:gs>
+            <a:gs pos="100000">
+              <a:schemeClr val="phClr">
+                <a:lumMod val="99000"/>
+                <a:satMod val="120000"/>
+                <a:shade val="78000"/>
+              </a:schemeClr>
+            </a:gs>
+          </a:gsLst>
+          <a:lin ang="5400000" scaled="0"/>
+        </a:gradFill>
+      </a:fillStyleLst>
+      <a:lnStyleLst>
+        <a:ln w="6350" cap="flat" cmpd="sng" algn="ctr">
+          <a:solidFill>
+            <a:schemeClr val="phClr"/>
+          </a:solidFill>
+          <a:prstDash val="solid"/>
+          <a:miter lim="800000"/>
+        </a:ln>
+        <a:ln w="12700" cap="flat" cmpd="sng" algn="ctr">
+          <a:solidFill>
+            <a:schemeClr val="phClr"/>
+          </a:solidFill>
+          <a:prstDash val="solid"/>
+          <a:miter lim="800000"/>
+        </a:ln>
+        <a:ln w="19050" cap="flat" cmpd="sng" algn="ctr">
+          <a:solidFill>
+            <a:schemeClr val="phClr"/>
+          </a:solidFill>
+          <a:prstDash val="solid"/>
+          <a:miter lim="800000"/>
+        </a:ln>
+      </a:lnStyleLst>
+      <a:effectStyleLst>
+        <a:effectStyle>
+          <a:effectLst/>
+        </a:effectStyle>
+        <a:effectStyle>
+          <a:effectLst/>
+        </a:effectStyle>
+        <a:effectStyle>
+          <a:effectLst>
+            <a:outerShdw blurRad="57150" dist="19050" dir="5400000" algn="ctr" rotWithShape="0">
+              <a:srgbClr val="000000">
+                <a:alpha val="63000"/>
+              </a:srgbClr>
+            </a:outerShdw>
+          </a:effectLst>
+        </a:effectStyle>
+      </a:effectStyleLst>
+      <a:bgFillStyleLst>
+        <a:solidFill>
+          <a:schemeClr val="phClr"/>
+        </a:solidFill>
+        <a:solidFill>
+          <a:schemeClr val="phClr">
+            <a:tint val="95000"/>
+            <a:satMod val="170000"/>
+          </a:schemeClr>
+        </a:solidFill>
+        <a:gradFill rotWithShape="1">
+          <a:gsLst>
+            <a:gs pos="0">
+              <a:schemeClr val="phClr">
+                <a:tint val="93000"/>
+                <a:satMod val="150000"/>
+                <a:shade val="98000"/>
+                <a:lumMod val="102000"/>
+              </a:schemeClr>
+            </a:gs>
+            <a:gs pos="50000">
+              <a:schemeClr val="phClr">
+                <a:tint val="98000"/>
+                <a:satMod val="130000"/>
+                <a:shade val="90000"/>
+                <a:lumMod val="103000"/>
+              </a:schemeClr>
+            </a:gs>
+            <a:gs pos="100000">
+              <a:schemeClr val="phClr">
+                <a:shade val="63000"/>
+                <a:satMod val="120000"/>
+              </a:schemeClr>
+            </a:gs>
+          </a:gsLst>
+          <a:lin ang="5400000" scaled="0"/>
+        </a:gradFill>
+      </a:bgFillStyleLst>
+    </a:fmtScheme>
+  </a:themeElements>
+  <a:objectDefaults/>
+  <a:extraClrSchemeLst/>
+  <a:extLst>
+    <a:ext uri="{05A4C25C-085E-4340-85A3-A5531E510DB2}">
+      <thm15:themeFamily xmlns:thm15="http://schemas.microsoft.com/office/thememl/2012/main" name="Office Theme" id="{62F939B6-93AF-4DB8-9C6B-D6C7DFDC589F}" vid="{4A3C46E8-61CC-4603-A589-7422A47A8E4A}"/>
+    </a:ext>
+  </a:extLst>
+</a:theme>
+</file>
+
+<file path=customXml/item1.xml><?xml version="1.0" encoding="utf-8"?>
+<ct:contentTypeSchema xmlns:ct="http://schemas.microsoft.com/office/2006/metadata/contentType" xmlns:ma="http://schemas.microsoft.com/office/2006/metadata/properties/metaAttributes" ct:_="" ma:_="" ma:contentTypeName="Document" ma:contentTypeID="0x0101005184BFB4BA16AE4A9EE3C8BEF74D50A3" ma:contentTypeVersion="0" ma:contentTypeDescription="Create a new document." ma:contentTypeScope="" ma:versionID="d720147679065e31ecdf65c55fc0bc3a">
+  <xsd:schema xmlns:xsd="http://www.w3.org/2001/XMLSchema" xmlns:xs="http://www.w3.org/2001/XMLSchema" xmlns:p="http://schemas.microsoft.com/office/2006/metadata/properties" targetNamespace="http://schemas.microsoft.com/office/2006/metadata/properties" ma:root="true" ma:fieldsID="43a7841bbb0f157a6d10fa10cd875d67">
+    <xsd:element name="properties">
+      <xsd:complexType>
+        <xsd:sequence>
+          <xsd:element name="documentManagement">
+            <xsd:complexType>
+              <xsd:all/>
+            </xsd:complexType>
+          </xsd:element>
+        </xsd:sequence>
+      </xsd:complexType>
+    </xsd:element>
+  </xsd:schema>
+  <xsd:schema xmlns="http://schemas.openxmlformats.org/package/2006/metadata/core-properties" xmlns:xsd="http://www.w3.org/2001/XMLSchema" xmlns:xsi="http://www.w3.org/2001/XMLSchema-instance" xmlns:dc="http://purl.org/dc/elements/1.1/" xmlns:dcterms="http://purl.org/dc/terms/" xmlns:odoc="http://schemas.microsoft.com/internal/obd" targetNamespace="http://schemas.openxmlformats.org/package/2006/metadata/core-properties" elementFormDefault="qualified" attributeFormDefault="unqualified" blockDefault="#all">
+    <xsd:import namespace="http://purl.org/dc/elements/1.1/" schemaLocation="http://dublincore.org/schemas/xmls/qdc/2003/04/02/dc.xsd"/>
+    <xsd:import namespace="http://purl.org/dc/terms/" schemaLocation="http://dublincore.org/schemas/xmls/qdc/2003/04/02/dcterms.xsd"/>
+    <xsd:element name="coreProperties" type="CT_coreProperties"/>
+    <xsd:complexType name="CT_coreProperties">
+      <xsd:all>
+        <xsd:element ref="dc:creator" minOccurs="0" maxOccurs="1"/>
+        <xsd:element ref="dcterms:created" minOccurs="0" maxOccurs="1"/>
+        <xsd:element ref="dc:identifier" minOccurs="0" maxOccurs="1"/>
+        <xsd:element name="contentType" minOccurs="0" maxOccurs="1" type="xsd:string" ma:index="0" ma:displayName="Content Type"/>
+        <xsd:element ref="dc:title" minOccurs="0" maxOccurs="1" ma:index="4" ma:displayName="Title"/>
+        <xsd:element ref="dc:subject" minOccurs="0" maxOccurs="1"/>
+        <xsd:element ref="dc:description" minOccurs="0" maxOccurs="1"/>
+        <xsd:element name="keywords" minOccurs="0" maxOccurs="1" type="xsd:string"/>
+        <xsd:element ref="dc:language" minOccurs="0" maxOccurs="1"/>
+        <xsd:element name="category" minOccurs="0" maxOccurs="1" type="xsd:string"/>
+        <xsd:element name="version" minOccurs="0" maxOccurs="1" type="xsd:string"/>
+        <xsd:element name="revision" minOccurs="0" maxOccurs="1" type="xsd:string">
+          <xsd:annotation>
+            <xsd:documentation>
+                        This value indicates the number of saves or revisions. The application is responsible for updating this value after each revision.
+                    </xsd:documentation>
+          </xsd:annotation>
+        </xsd:element>
+        <xsd:element name="lastModifiedBy" minOccurs="0" maxOccurs="1" type="xsd:string"/>
+        <xsd:element ref="dcterms:modified" minOccurs="0" maxOccurs="1"/>
+        <xsd:element name="contentStatus" minOccurs="0" maxOccurs="1" type="xsd:string"/>
+      </xsd:all>
+    </xsd:complexType>
+  </xsd:schema>
+  <xs:schema xmlns:pc="http://schemas.microsoft.com/office/infopath/2007/PartnerControls" xmlns:xs="http://www.w3.org/2001/XMLSchema" targetNamespace="http://schemas.microsoft.com/office/infopath/2007/PartnerControls" elementFormDefault="qualified" attributeFormDefault="unqualified">
+    <xs:element name="Person">
+      <xs:complexType>
+        <xs:sequence>
+          <xs:element ref="pc:DisplayName" minOccurs="0"/>
+          <xs:element ref="pc:AccountId" minOccurs="0"/>
+          <xs:element ref="pc:AccountType" minOccurs="0"/>
+        </xs:sequence>
+      </xs:complexType>
+    </xs:element>
+    <xs:element name="DisplayName" type="xs:string"/>
+    <xs:element name="AccountId" type="xs:string"/>
+    <xs:element name="AccountType" type="xs:string"/>
+    <xs:element name="BDCAssociatedEntity">
+      <xs:complexType>
+        <xs:sequence>
+          <xs:element ref="pc:BDCEntity" minOccurs="0" maxOccurs="unbounded"/>
+        </xs:sequence>
+        <xs:attribute ref="pc:EntityNamespace"/>
+        <xs:attribute ref="pc:EntityName"/>
+        <xs:attribute ref="pc:SystemInstanceName"/>
+        <xs:attribute ref="pc:AssociationName"/>
+      </xs:complexType>
+    </xs:element>
+    <xs:attribute name="EntityNamespace" type="xs:string"/>
+    <xs:attribute name="EntityName" type="xs:string"/>
+    <xs:attribute name="SystemInstanceName" type="xs:string"/>
+    <xs:attribute name="AssociationName" type="xs:string"/>
+    <xs:element name="BDCEntity">
+      <xs:complexType>
+        <xs:sequence>
+          <xs:element ref="pc:EntityDisplayName" minOccurs="0"/>
+          <xs:element ref="pc:EntityInstanceReference" minOccurs="0"/>
+          <xs:element ref="pc:EntityId1" minOccurs="0"/>
+          <xs:element ref="pc:EntityId2" minOccurs="0"/>
+          <xs:element ref="pc:EntityId3" minOccurs="0"/>
+          <xs:element ref="pc:EntityId4" minOccurs="0"/>
+          <xs:element ref="pc:EntityId5" minOccurs="0"/>
+        </xs:sequence>
+      </xs:complexType>
+    </xs:element>
+    <xs:element name="EntityDisplayName" type="xs:string"/>
+    <xs:element name="EntityInstanceReference" type="xs:string"/>
+    <xs:element name="EntityId1" type="xs:string"/>
+    <xs:element name="EntityId2" type="xs:string"/>
+    <xs:element name="EntityId3" type="xs:string"/>
+    <xs:element name="EntityId4" type="xs:string"/>
+    <xs:element name="EntityId5" type="xs:string"/>
+    <xs:element name="Terms">
+      <xs:complexType>
+        <xs:sequence>
+          <xs:element ref="pc:TermInfo" minOccurs="0" maxOccurs="unbounded"/>
+        </xs:sequence>
+      </xs:complexType>
+    </xs:element>
+    <xs:element name="TermInfo">
+      <xs:complexType>
+        <xs:sequence>
+          <xs:element ref="pc:TermName" minOccurs="0"/>
+          <xs:element ref="pc:TermId" minOccurs="0"/>
+        </xs:sequence>
+      </xs:complexType>
+    </xs:element>
+    <xs:element name="TermName" type="xs:string"/>
+    <xs:element name="TermId" type="xs:string"/>
+  </xs:schema>
+</ct:contentTypeSchema>
+</file>
+
+<file path=customXml/item2.xml><?xml version="1.0" encoding="utf-8"?>
+<p:properties xmlns:p="http://schemas.microsoft.com/office/2006/metadata/properties" xmlns:xsi="http://www.w3.org/2001/XMLSchema-instance" xmlns:pc="http://schemas.microsoft.com/office/infopath/2007/PartnerControls">
+  <documentManagement/>
+</p:properties>
+</file>
+
+<file path=customXml/item3.xml><?xml version="1.0" encoding="utf-8"?>
+<?mso-contentType ?>
+<FormTemplates xmlns="http://schemas.microsoft.com/sharepoint/v3/contenttype/forms">
+  <Display>DocumentLibraryForm</Display>
+  <Edit>DocumentLibraryForm</Edit>
+  <New>DocumentLibraryForm</New>
+</FormTemplates>
+</file>
+
+<file path=customXml/itemProps1.xml><?xml version="1.0" encoding="utf-8"?>
+<ds:datastoreItem xmlns:ds="http://schemas.openxmlformats.org/officeDocument/2006/customXml" ds:itemID="{847A727C-7D80-4E88-AE0A-B9AE0A316E4A}">
+  <ds:schemaRefs>
+    <ds:schemaRef ds:uri="http://schemas.microsoft.com/office/2006/metadata/contentType"/>
+    <ds:schemaRef ds:uri="http://schemas.microsoft.com/office/2006/metadata/properties/metaAttributes"/>
+    <ds:schemaRef ds:uri="http://www.w3.org/2001/XMLSchema"/>
+    <ds:schemaRef ds:uri="http://schemas.microsoft.com/office/2006/metadata/properties"/>
+    <ds:schemaRef ds:uri="http://schemas.openxmlformats.org/package/2006/metadata/core-properties"/>
+    <ds:schemaRef ds:uri="http://purl.org/dc/elements/1.1/"/>
+    <ds:schemaRef ds:uri="http://purl.org/dc/terms/"/>
+    <ds:schemaRef ds:uri="http://schemas.microsoft.com/internal/obd"/>
+    <ds:schemaRef ds:uri="http://schemas.microsoft.com/office/infopath/2007/PartnerControls"/>
+  </ds:schemaRefs>
+</ds:datastoreItem>
+</file>
+
+<file path=customXml/itemProps2.xml><?xml version="1.0" encoding="utf-8"?>
+<ds:datastoreItem xmlns:ds="http://schemas.openxmlformats.org/officeDocument/2006/customXml" ds:itemID="{C31CB5AC-A9CE-4DFD-A397-B798A6EA1D99}">
+  <ds:schemaRefs>
+    <ds:schemaRef ds:uri="http://schemas.microsoft.com/office/2006/documentManagement/types"/>
+    <ds:schemaRef ds:uri="http://schemas.microsoft.com/office/2006/metadata/properties"/>
+    <ds:schemaRef ds:uri="http://schemas.openxmlformats.org/package/2006/metadata/core-properties"/>
+    <ds:schemaRef ds:uri="http://purl.org/dc/dcmitype/"/>
+    <ds:schemaRef ds:uri="http://purl.org/dc/terms/"/>
+    <ds:schemaRef ds:uri="http://purl.org/dc/elements/1.1/"/>
+    <ds:schemaRef ds:uri="http://schemas.microsoft.com/office/infopath/2007/PartnerControls"/>
+    <ds:schemaRef ds:uri="http://www.w3.org/XML/1998/namespace"/>
+  </ds:schemaRefs>
+</ds:datastoreItem>
+</file>
+
+<file path=customXml/itemProps3.xml><?xml version="1.0" encoding="utf-8"?>
+<ds:datastoreItem xmlns:ds="http://schemas.openxmlformats.org/officeDocument/2006/customXml" ds:itemID="{8E1E654A-AF8B-4228-A505-3E86DDE44BB6}">
+  <ds:schemaRefs>
+    <ds:schemaRef ds:uri="http://schemas.microsoft.com/sharepoint/v3/contenttype/forms"/>
+  </ds:schemaRefs>
+</ds:datastoreItem>
 </file>
--- a/CleanCodeCleanArch/CleanCodeCleanArch.pptx
+++ b/CleanCodeCleanArch/CleanCodeCleanArch.pptx
@@ -3585,7 +3585,7 @@
           <a:p>
             <a:fld id="{C30C270E-9714-422B-B7EA-B510AECAFD34}" type="datetimeFigureOut">
               <a:rPr lang="pl-PL" smtClean="0"/>
-              <a:t>14.05.2020</a:t>
+              <a:t>07.07.2020</a:t>
             </a:fld>
             <a:endParaRPr lang="pl-PL"/>
           </a:p>
@@ -4801,7 +4801,7 @@
           <a:p>
             <a:fld id="{96D30BF6-FA71-4576-A5BC-BB4B1D1254CD}" type="datetimeFigureOut">
               <a:rPr lang="pl-PL" smtClean="0"/>
-              <a:t>14.05.2020</a:t>
+              <a:t>07.07.2020</a:t>
             </a:fld>
             <a:endParaRPr lang="pl-PL"/>
           </a:p>
@@ -5087,7 +5087,7 @@
           <a:p>
             <a:fld id="{96D30BF6-FA71-4576-A5BC-BB4B1D1254CD}" type="datetimeFigureOut">
               <a:rPr lang="pl-PL" smtClean="0"/>
-              <a:t>14.05.2020</a:t>
+              <a:t>07.07.2020</a:t>
             </a:fld>
             <a:endParaRPr lang="pl-PL"/>
           </a:p>
@@ -5279,7 +5279,7 @@
           <a:p>
             <a:fld id="{96D30BF6-FA71-4576-A5BC-BB4B1D1254CD}" type="datetimeFigureOut">
               <a:rPr lang="pl-PL" smtClean="0"/>
-              <a:t>14.05.2020</a:t>
+              <a:t>07.07.2020</a:t>
             </a:fld>
             <a:endParaRPr lang="pl-PL"/>
           </a:p>
@@ -5540,7 +5540,7 @@
           <a:p>
             <a:fld id="{96D30BF6-FA71-4576-A5BC-BB4B1D1254CD}" type="datetimeFigureOut">
               <a:rPr lang="pl-PL" smtClean="0"/>
-              <a:t>14.05.2020</a:t>
+              <a:t>07.07.2020</a:t>
             </a:fld>
             <a:endParaRPr lang="pl-PL"/>
           </a:p>
@@ -5966,7 +5966,7 @@
           <a:p>
             <a:fld id="{96D30BF6-FA71-4576-A5BC-BB4B1D1254CD}" type="datetimeFigureOut">
               <a:rPr lang="pl-PL" smtClean="0"/>
-              <a:t>14.05.2020</a:t>
+              <a:t>07.07.2020</a:t>
             </a:fld>
             <a:endParaRPr lang="pl-PL"/>
           </a:p>
@@ -6512,7 +6512,7 @@
           <a:p>
             <a:fld id="{96D30BF6-FA71-4576-A5BC-BB4B1D1254CD}" type="datetimeFigureOut">
               <a:rPr lang="pl-PL" smtClean="0"/>
-              <a:t>14.05.2020</a:t>
+              <a:t>07.07.2020</a:t>
             </a:fld>
             <a:endParaRPr lang="pl-PL"/>
           </a:p>
@@ -7343,7 +7343,7 @@
           <a:p>
             <a:fld id="{96D30BF6-FA71-4576-A5BC-BB4B1D1254CD}" type="datetimeFigureOut">
               <a:rPr lang="pl-PL" smtClean="0"/>
-              <a:t>14.05.2020</a:t>
+              <a:t>07.07.2020</a:t>
             </a:fld>
             <a:endParaRPr lang="pl-PL"/>
           </a:p>
@@ -7513,7 +7513,7 @@
           <a:p>
             <a:fld id="{96D30BF6-FA71-4576-A5BC-BB4B1D1254CD}" type="datetimeFigureOut">
               <a:rPr lang="pl-PL" smtClean="0"/>
-              <a:t>14.05.2020</a:t>
+              <a:t>07.07.2020</a:t>
             </a:fld>
             <a:endParaRPr lang="pl-PL"/>
           </a:p>
@@ -7693,7 +7693,7 @@
           <a:p>
             <a:fld id="{96D30BF6-FA71-4576-A5BC-BB4B1D1254CD}" type="datetimeFigureOut">
               <a:rPr lang="pl-PL" smtClean="0"/>
-              <a:t>14.05.2020</a:t>
+              <a:t>07.07.2020</a:t>
             </a:fld>
             <a:endParaRPr lang="pl-PL"/>
           </a:p>
@@ -7868,7 +7868,7 @@
           <a:p>
             <a:fld id="{96D30BF6-FA71-4576-A5BC-BB4B1D1254CD}" type="datetimeFigureOut">
               <a:rPr lang="pl-PL" smtClean="0"/>
-              <a:t>14.05.2020</a:t>
+              <a:t>07.07.2020</a:t>
             </a:fld>
             <a:endParaRPr lang="pl-PL"/>
           </a:p>
@@ -8125,7 +8125,7 @@
           <a:p>
             <a:fld id="{96D30BF6-FA71-4576-A5BC-BB4B1D1254CD}" type="datetimeFigureOut">
               <a:rPr lang="pl-PL" smtClean="0"/>
-              <a:t>14.05.2020</a:t>
+              <a:t>07.07.2020</a:t>
             </a:fld>
             <a:endParaRPr lang="pl-PL"/>
           </a:p>
@@ -8362,7 +8362,7 @@
           <a:p>
             <a:fld id="{96D30BF6-FA71-4576-A5BC-BB4B1D1254CD}" type="datetimeFigureOut">
               <a:rPr lang="pl-PL" smtClean="0"/>
-              <a:t>14.05.2020</a:t>
+              <a:t>07.07.2020</a:t>
             </a:fld>
             <a:endParaRPr lang="pl-PL"/>
           </a:p>
@@ -8755,7 +8755,7 @@
           <a:p>
             <a:fld id="{96D30BF6-FA71-4576-A5BC-BB4B1D1254CD}" type="datetimeFigureOut">
               <a:rPr lang="pl-PL" smtClean="0"/>
-              <a:t>14.05.2020</a:t>
+              <a:t>07.07.2020</a:t>
             </a:fld>
             <a:endParaRPr lang="pl-PL"/>
           </a:p>
@@ -8873,7 +8873,7 @@
           <a:p>
             <a:fld id="{96D30BF6-FA71-4576-A5BC-BB4B1D1254CD}" type="datetimeFigureOut">
               <a:rPr lang="pl-PL" smtClean="0"/>
-              <a:t>14.05.2020</a:t>
+              <a:t>07.07.2020</a:t>
             </a:fld>
             <a:endParaRPr lang="pl-PL"/>
           </a:p>
@@ -8968,7 +8968,7 @@
           <a:p>
             <a:fld id="{96D30BF6-FA71-4576-A5BC-BB4B1D1254CD}" type="datetimeFigureOut">
               <a:rPr lang="pl-PL" smtClean="0"/>
-              <a:t>14.05.2020</a:t>
+              <a:t>07.07.2020</a:t>
             </a:fld>
             <a:endParaRPr lang="pl-PL"/>
           </a:p>
@@ -9241,7 +9241,7 @@
           <a:p>
             <a:fld id="{96D30BF6-FA71-4576-A5BC-BB4B1D1254CD}" type="datetimeFigureOut">
               <a:rPr lang="pl-PL" smtClean="0"/>
-              <a:t>14.05.2020</a:t>
+              <a:t>07.07.2020</a:t>
             </a:fld>
             <a:endParaRPr lang="pl-PL"/>
           </a:p>
@@ -9522,7 +9522,7 @@
           <a:p>
             <a:fld id="{96D30BF6-FA71-4576-A5BC-BB4B1D1254CD}" type="datetimeFigureOut">
               <a:rPr lang="pl-PL" smtClean="0"/>
-              <a:t>14.05.2020</a:t>
+              <a:t>07.07.2020</a:t>
             </a:fld>
             <a:endParaRPr lang="pl-PL"/>
           </a:p>
@@ -9762,7 +9762,7 @@
           <a:p>
             <a:fld id="{96D30BF6-FA71-4576-A5BC-BB4B1D1254CD}" type="datetimeFigureOut">
               <a:rPr lang="pl-PL" smtClean="0"/>
-              <a:t>14.05.2020</a:t>
+              <a:t>07.07.2020</a:t>
             </a:fld>
             <a:endParaRPr lang="pl-PL"/>
           </a:p>
@@ -13778,7 +13778,7 @@
             </a:r>
             <a:r>
               <a:rPr lang="pl-PL" dirty="0" err="1"/>
-              <a:t>compsition</a:t>
+              <a:t>composition</a:t>
             </a:r>
             <a:r>
               <a:rPr lang="pl-PL" dirty="0"/>
@@ -15218,6 +15218,12 @@
 </file>
 
 <file path=customXml/item1.xml><?xml version="1.0" encoding="utf-8"?>
+<p:properties xmlns:p="http://schemas.microsoft.com/office/2006/metadata/properties" xmlns:xsi="http://www.w3.org/2001/XMLSchema-instance" xmlns:pc="http://schemas.microsoft.com/office/infopath/2007/PartnerControls">
+  <documentManagement/>
+</p:properties>
+</file>
+
+<file path=customXml/item2.xml><?xml version="1.0" encoding="utf-8"?>
 <ct:contentTypeSchema xmlns:ct="http://schemas.microsoft.com/office/2006/metadata/contentType" xmlns:ma="http://schemas.microsoft.com/office/2006/metadata/properties/metaAttributes" ct:_="" ma:_="" ma:contentTypeName="Document" ma:contentTypeID="0x0101005184BFB4BA16AE4A9EE3C8BEF74D50A3" ma:contentTypeVersion="0" ma:contentTypeDescription="Create a new document." ma:contentTypeScope="" ma:versionID="d720147679065e31ecdf65c55fc0bc3a">
   <xsd:schema xmlns:xsd="http://www.w3.org/2001/XMLSchema" xmlns:xs="http://www.w3.org/2001/XMLSchema" xmlns:p="http://schemas.microsoft.com/office/2006/metadata/properties" targetNamespace="http://schemas.microsoft.com/office/2006/metadata/properties" ma:root="true" ma:fieldsID="43a7841bbb0f157a6d10fa10cd875d67">
     <xsd:element name="properties">
@@ -15331,12 +15337,6 @@
 </ct:contentTypeSchema>
 </file>
 
-<file path=customXml/item2.xml><?xml version="1.0" encoding="utf-8"?>
-<p:properties xmlns:p="http://schemas.microsoft.com/office/2006/metadata/properties" xmlns:xsi="http://www.w3.org/2001/XMLSchema-instance" xmlns:pc="http://schemas.microsoft.com/office/infopath/2007/PartnerControls">
-  <documentManagement/>
-</p:properties>
-</file>
-
 <file path=customXml/item3.xml><?xml version="1.0" encoding="utf-8"?>
 <?mso-contentType ?>
 <FormTemplates xmlns="http://schemas.microsoft.com/sharepoint/v3/contenttype/forms">
@@ -15347,6 +15347,21 @@
 </file>
 
 <file path=customXml/itemProps1.xml><?xml version="1.0" encoding="utf-8"?>
+<ds:datastoreItem xmlns:ds="http://schemas.openxmlformats.org/officeDocument/2006/customXml" ds:itemID="{C31CB5AC-A9CE-4DFD-A397-B798A6EA1D99}">
+  <ds:schemaRefs>
+    <ds:schemaRef ds:uri="http://schemas.microsoft.com/office/2006/documentManagement/types"/>
+    <ds:schemaRef ds:uri="http://schemas.microsoft.com/office/2006/metadata/properties"/>
+    <ds:schemaRef ds:uri="http://schemas.openxmlformats.org/package/2006/metadata/core-properties"/>
+    <ds:schemaRef ds:uri="http://purl.org/dc/dcmitype/"/>
+    <ds:schemaRef ds:uri="http://purl.org/dc/terms/"/>
+    <ds:schemaRef ds:uri="http://purl.org/dc/elements/1.1/"/>
+    <ds:schemaRef ds:uri="http://schemas.microsoft.com/office/infopath/2007/PartnerControls"/>
+    <ds:schemaRef ds:uri="http://www.w3.org/XML/1998/namespace"/>
+  </ds:schemaRefs>
+</ds:datastoreItem>
+</file>
+
+<file path=customXml/itemProps2.xml><?xml version="1.0" encoding="utf-8"?>
 <ds:datastoreItem xmlns:ds="http://schemas.openxmlformats.org/officeDocument/2006/customXml" ds:itemID="{847A727C-7D80-4E88-AE0A-B9AE0A316E4A}">
   <ds:schemaRefs>
     <ds:schemaRef ds:uri="http://schemas.microsoft.com/office/2006/metadata/contentType"/>
@@ -15362,21 +15377,6 @@
 </ds:datastoreItem>
 </file>
 
-<file path=customXml/itemProps2.xml><?xml version="1.0" encoding="utf-8"?>
-<ds:datastoreItem xmlns:ds="http://schemas.openxmlformats.org/officeDocument/2006/customXml" ds:itemID="{C31CB5AC-A9CE-4DFD-A397-B798A6EA1D99}">
-  <ds:schemaRefs>
-    <ds:schemaRef ds:uri="http://schemas.microsoft.com/office/2006/documentManagement/types"/>
-    <ds:schemaRef ds:uri="http://schemas.microsoft.com/office/2006/metadata/properties"/>
-    <ds:schemaRef ds:uri="http://schemas.openxmlformats.org/package/2006/metadata/core-properties"/>
-    <ds:schemaRef ds:uri="http://purl.org/dc/dcmitype/"/>
-    <ds:schemaRef ds:uri="http://purl.org/dc/terms/"/>
-    <ds:schemaRef ds:uri="http://purl.org/dc/elements/1.1/"/>
-    <ds:schemaRef ds:uri="http://schemas.microsoft.com/office/infopath/2007/PartnerControls"/>
-    <ds:schemaRef ds:uri="http://www.w3.org/XML/1998/namespace"/>
-  </ds:schemaRefs>
-</ds:datastoreItem>
-</file>
-
 <file path=customXml/itemProps3.xml><?xml version="1.0" encoding="utf-8"?>
 <ds:datastoreItem xmlns:ds="http://schemas.openxmlformats.org/officeDocument/2006/customXml" ds:itemID="{8E1E654A-AF8B-4228-A505-3E86DDE44BB6}">
   <ds:schemaRefs>
